--- a/Python Session/Python_6_may.pptx
+++ b/Python Session/Python_6_may.pptx
@@ -2,8 +2,11 @@
 <file path=ppt/presentation.xml><?xml version="1.0" encoding="utf-8"?>
 <p:presentation xmlns:a="http://schemas.openxmlformats.org/drawingml/2006/main" xmlns:r="http://schemas.openxmlformats.org/officeDocument/2006/relationships" xmlns:p="http://schemas.openxmlformats.org/presentationml/2006/main" saveSubsetFonts="1">
   <p:sldMasterIdLst>
-    <p:sldMasterId id="2147483648" r:id="rId1"/>
+    <p:sldMasterId id="2147483660" r:id="rId1"/>
   </p:sldMasterIdLst>
+  <p:notesMasterIdLst>
+    <p:notesMasterId r:id="rId11"/>
+  </p:notesMasterIdLst>
   <p:sldIdLst>
     <p:sldId id="257" r:id="rId2"/>
     <p:sldId id="258" r:id="rId3"/>
@@ -13,6 +16,7 @@
     <p:sldId id="262" r:id="rId7"/>
     <p:sldId id="263" r:id="rId8"/>
     <p:sldId id="264" r:id="rId9"/>
+    <p:sldId id="266" r:id="rId10"/>
   </p:sldIdLst>
   <p:sldSz cx="12192000" cy="6858000"/>
   <p:notesSz cx="6858000" cy="9144000"/>
@@ -119,8 +123,526 @@
 </p:presentation>
 </file>
 
+<file path=ppt/notesMasters/notesMaster1.xml><?xml version="1.0" encoding="utf-8"?>
+<p:notesMaster xmlns:a="http://schemas.openxmlformats.org/drawingml/2006/main" xmlns:r="http://schemas.openxmlformats.org/officeDocument/2006/relationships" xmlns:p="http://schemas.openxmlformats.org/presentationml/2006/main">
+  <p:cSld>
+    <p:bg>
+      <p:bgRef idx="1001">
+        <a:schemeClr val="bg1"/>
+      </p:bgRef>
+    </p:bg>
+    <p:spTree>
+      <p:nvGrpSpPr>
+        <p:cNvPr id="1" name=""/>
+        <p:cNvGrpSpPr/>
+        <p:nvPr/>
+      </p:nvGrpSpPr>
+      <p:grpSpPr>
+        <a:xfrm>
+          <a:off x="0" y="0"/>
+          <a:ext cx="0" cy="0"/>
+          <a:chOff x="0" y="0"/>
+          <a:chExt cx="0" cy="0"/>
+        </a:xfrm>
+      </p:grpSpPr>
+      <p:sp>
+        <p:nvSpPr>
+          <p:cNvPr id="2" name="Header Placeholder 1"/>
+          <p:cNvSpPr>
+            <a:spLocks noGrp="1"/>
+          </p:cNvSpPr>
+          <p:nvPr>
+            <p:ph type="hdr" sz="quarter"/>
+          </p:nvPr>
+        </p:nvSpPr>
+        <p:spPr>
+          <a:xfrm>
+            <a:off x="0" y="0"/>
+            <a:ext cx="2971800" cy="458788"/>
+          </a:xfrm>
+          <a:prstGeom prst="rect">
+            <a:avLst/>
+          </a:prstGeom>
+        </p:spPr>
+        <p:txBody>
+          <a:bodyPr vert="horz" lIns="91440" tIns="45720" rIns="91440" bIns="45720" rtlCol="0"/>
+          <a:lstStyle>
+            <a:lvl1pPr algn="l">
+              <a:defRPr sz="1200"/>
+            </a:lvl1pPr>
+          </a:lstStyle>
+          <a:p>
+            <a:endParaRPr lang="en-IN"/>
+          </a:p>
+        </p:txBody>
+      </p:sp>
+      <p:sp>
+        <p:nvSpPr>
+          <p:cNvPr id="3" name="Date Placeholder 2"/>
+          <p:cNvSpPr>
+            <a:spLocks noGrp="1"/>
+          </p:cNvSpPr>
+          <p:nvPr>
+            <p:ph type="dt" idx="1"/>
+          </p:nvPr>
+        </p:nvSpPr>
+        <p:spPr>
+          <a:xfrm>
+            <a:off x="3884613" y="0"/>
+            <a:ext cx="2971800" cy="458788"/>
+          </a:xfrm>
+          <a:prstGeom prst="rect">
+            <a:avLst/>
+          </a:prstGeom>
+        </p:spPr>
+        <p:txBody>
+          <a:bodyPr vert="horz" lIns="91440" tIns="45720" rIns="91440" bIns="45720" rtlCol="0"/>
+          <a:lstStyle>
+            <a:lvl1pPr algn="r">
+              <a:defRPr sz="1200"/>
+            </a:lvl1pPr>
+          </a:lstStyle>
+          <a:p>
+            <a:fld id="{BE3A1487-E3D3-4AE7-AF49-9592478D2787}" type="datetimeFigureOut">
+              <a:rPr lang="en-IN" smtClean="0"/>
+              <a:t>05-05-2022</a:t>
+            </a:fld>
+            <a:endParaRPr lang="en-IN"/>
+          </a:p>
+        </p:txBody>
+      </p:sp>
+      <p:sp>
+        <p:nvSpPr>
+          <p:cNvPr id="4" name="Slide Image Placeholder 3"/>
+          <p:cNvSpPr>
+            <a:spLocks noGrp="1" noRot="1" noChangeAspect="1"/>
+          </p:cNvSpPr>
+          <p:nvPr>
+            <p:ph type="sldImg" idx="2"/>
+          </p:nvPr>
+        </p:nvSpPr>
+        <p:spPr>
+          <a:xfrm>
+            <a:off x="685800" y="1143000"/>
+            <a:ext cx="5486400" cy="3086100"/>
+          </a:xfrm>
+          <a:prstGeom prst="rect">
+            <a:avLst/>
+          </a:prstGeom>
+          <a:noFill/>
+          <a:ln w="12700">
+            <a:solidFill>
+              <a:prstClr val="black"/>
+            </a:solidFill>
+          </a:ln>
+        </p:spPr>
+        <p:txBody>
+          <a:bodyPr vert="horz" lIns="91440" tIns="45720" rIns="91440" bIns="45720" rtlCol="0" anchor="ctr"/>
+          <a:lstStyle/>
+          <a:p>
+            <a:endParaRPr lang="en-IN"/>
+          </a:p>
+        </p:txBody>
+      </p:sp>
+      <p:sp>
+        <p:nvSpPr>
+          <p:cNvPr id="5" name="Notes Placeholder 4"/>
+          <p:cNvSpPr>
+            <a:spLocks noGrp="1"/>
+          </p:cNvSpPr>
+          <p:nvPr>
+            <p:ph type="body" sz="quarter" idx="3"/>
+          </p:nvPr>
+        </p:nvSpPr>
+        <p:spPr>
+          <a:xfrm>
+            <a:off x="685800" y="4400550"/>
+            <a:ext cx="5486400" cy="3600450"/>
+          </a:xfrm>
+          <a:prstGeom prst="rect">
+            <a:avLst/>
+          </a:prstGeom>
+        </p:spPr>
+        <p:txBody>
+          <a:bodyPr vert="horz" lIns="91440" tIns="45720" rIns="91440" bIns="45720" rtlCol="0"/>
+          <a:lstStyle/>
+          <a:p>
+            <a:pPr lvl="0"/>
+            <a:r>
+              <a:rPr lang="en-US" smtClean="0"/>
+              <a:t>Click to edit Master text styles</a:t>
+            </a:r>
+          </a:p>
+          <a:p>
+            <a:pPr lvl="1"/>
+            <a:r>
+              <a:rPr lang="en-US" smtClean="0"/>
+              <a:t>Second level</a:t>
+            </a:r>
+          </a:p>
+          <a:p>
+            <a:pPr lvl="2"/>
+            <a:r>
+              <a:rPr lang="en-US" smtClean="0"/>
+              <a:t>Third level</a:t>
+            </a:r>
+          </a:p>
+          <a:p>
+            <a:pPr lvl="3"/>
+            <a:r>
+              <a:rPr lang="en-US" smtClean="0"/>
+              <a:t>Fourth level</a:t>
+            </a:r>
+          </a:p>
+          <a:p>
+            <a:pPr lvl="4"/>
+            <a:r>
+              <a:rPr lang="en-US" smtClean="0"/>
+              <a:t>Fifth level</a:t>
+            </a:r>
+            <a:endParaRPr lang="en-IN"/>
+          </a:p>
+        </p:txBody>
+      </p:sp>
+      <p:sp>
+        <p:nvSpPr>
+          <p:cNvPr id="6" name="Footer Placeholder 5"/>
+          <p:cNvSpPr>
+            <a:spLocks noGrp="1"/>
+          </p:cNvSpPr>
+          <p:nvPr>
+            <p:ph type="ftr" sz="quarter" idx="4"/>
+          </p:nvPr>
+        </p:nvSpPr>
+        <p:spPr>
+          <a:xfrm>
+            <a:off x="0" y="8685213"/>
+            <a:ext cx="2971800" cy="458787"/>
+          </a:xfrm>
+          <a:prstGeom prst="rect">
+            <a:avLst/>
+          </a:prstGeom>
+        </p:spPr>
+        <p:txBody>
+          <a:bodyPr vert="horz" lIns="91440" tIns="45720" rIns="91440" bIns="45720" rtlCol="0" anchor="b"/>
+          <a:lstStyle>
+            <a:lvl1pPr algn="l">
+              <a:defRPr sz="1200"/>
+            </a:lvl1pPr>
+          </a:lstStyle>
+          <a:p>
+            <a:endParaRPr lang="en-IN"/>
+          </a:p>
+        </p:txBody>
+      </p:sp>
+      <p:sp>
+        <p:nvSpPr>
+          <p:cNvPr id="7" name="Slide Number Placeholder 6"/>
+          <p:cNvSpPr>
+            <a:spLocks noGrp="1"/>
+          </p:cNvSpPr>
+          <p:nvPr>
+            <p:ph type="sldNum" sz="quarter" idx="5"/>
+          </p:nvPr>
+        </p:nvSpPr>
+        <p:spPr>
+          <a:xfrm>
+            <a:off x="3884613" y="8685213"/>
+            <a:ext cx="2971800" cy="458787"/>
+          </a:xfrm>
+          <a:prstGeom prst="rect">
+            <a:avLst/>
+          </a:prstGeom>
+        </p:spPr>
+        <p:txBody>
+          <a:bodyPr vert="horz" lIns="91440" tIns="45720" rIns="91440" bIns="45720" rtlCol="0" anchor="b"/>
+          <a:lstStyle>
+            <a:lvl1pPr algn="r">
+              <a:defRPr sz="1200"/>
+            </a:lvl1pPr>
+          </a:lstStyle>
+          <a:p>
+            <a:fld id="{ADA51B7C-22E0-49DA-82F6-197A8371FE87}" type="slidenum">
+              <a:rPr lang="en-IN" smtClean="0"/>
+              <a:t>‹#›</a:t>
+            </a:fld>
+            <a:endParaRPr lang="en-IN"/>
+          </a:p>
+        </p:txBody>
+      </p:sp>
+    </p:spTree>
+    <p:extLst>
+      <p:ext uri="{BB962C8B-B14F-4D97-AF65-F5344CB8AC3E}">
+        <p14:creationId xmlns:p14="http://schemas.microsoft.com/office/powerpoint/2010/main" val="3388714066"/>
+      </p:ext>
+    </p:extLst>
+  </p:cSld>
+  <p:clrMap bg1="lt1" tx1="dk1" bg2="lt2" tx2="dk2" accent1="accent1" accent2="accent2" accent3="accent3" accent4="accent4" accent5="accent5" accent6="accent6" hlink="hlink" folHlink="folHlink"/>
+  <p:notesStyle>
+    <a:lvl1pPr marL="0" algn="l" defTabSz="914400" rtl="0" eaLnBrk="1" latinLnBrk="0" hangingPunct="1">
+      <a:defRPr sz="1200" kern="1200">
+        <a:solidFill>
+          <a:schemeClr val="tx1"/>
+        </a:solidFill>
+        <a:latin typeface="+mn-lt"/>
+        <a:ea typeface="+mn-ea"/>
+        <a:cs typeface="+mn-cs"/>
+      </a:defRPr>
+    </a:lvl1pPr>
+    <a:lvl2pPr marL="457200" algn="l" defTabSz="914400" rtl="0" eaLnBrk="1" latinLnBrk="0" hangingPunct="1">
+      <a:defRPr sz="1200" kern="1200">
+        <a:solidFill>
+          <a:schemeClr val="tx1"/>
+        </a:solidFill>
+        <a:latin typeface="+mn-lt"/>
+        <a:ea typeface="+mn-ea"/>
+        <a:cs typeface="+mn-cs"/>
+      </a:defRPr>
+    </a:lvl2pPr>
+    <a:lvl3pPr marL="914400" algn="l" defTabSz="914400" rtl="0" eaLnBrk="1" latinLnBrk="0" hangingPunct="1">
+      <a:defRPr sz="1200" kern="1200">
+        <a:solidFill>
+          <a:schemeClr val="tx1"/>
+        </a:solidFill>
+        <a:latin typeface="+mn-lt"/>
+        <a:ea typeface="+mn-ea"/>
+        <a:cs typeface="+mn-cs"/>
+      </a:defRPr>
+    </a:lvl3pPr>
+    <a:lvl4pPr marL="1371600" algn="l" defTabSz="914400" rtl="0" eaLnBrk="1" latinLnBrk="0" hangingPunct="1">
+      <a:defRPr sz="1200" kern="1200">
+        <a:solidFill>
+          <a:schemeClr val="tx1"/>
+        </a:solidFill>
+        <a:latin typeface="+mn-lt"/>
+        <a:ea typeface="+mn-ea"/>
+        <a:cs typeface="+mn-cs"/>
+      </a:defRPr>
+    </a:lvl4pPr>
+    <a:lvl5pPr marL="1828800" algn="l" defTabSz="914400" rtl="0" eaLnBrk="1" latinLnBrk="0" hangingPunct="1">
+      <a:defRPr sz="1200" kern="1200">
+        <a:solidFill>
+          <a:schemeClr val="tx1"/>
+        </a:solidFill>
+        <a:latin typeface="+mn-lt"/>
+        <a:ea typeface="+mn-ea"/>
+        <a:cs typeface="+mn-cs"/>
+      </a:defRPr>
+    </a:lvl5pPr>
+    <a:lvl6pPr marL="2286000" algn="l" defTabSz="914400" rtl="0" eaLnBrk="1" latinLnBrk="0" hangingPunct="1">
+      <a:defRPr sz="1200" kern="1200">
+        <a:solidFill>
+          <a:schemeClr val="tx1"/>
+        </a:solidFill>
+        <a:latin typeface="+mn-lt"/>
+        <a:ea typeface="+mn-ea"/>
+        <a:cs typeface="+mn-cs"/>
+      </a:defRPr>
+    </a:lvl6pPr>
+    <a:lvl7pPr marL="2743200" algn="l" defTabSz="914400" rtl="0" eaLnBrk="1" latinLnBrk="0" hangingPunct="1">
+      <a:defRPr sz="1200" kern="1200">
+        <a:solidFill>
+          <a:schemeClr val="tx1"/>
+        </a:solidFill>
+        <a:latin typeface="+mn-lt"/>
+        <a:ea typeface="+mn-ea"/>
+        <a:cs typeface="+mn-cs"/>
+      </a:defRPr>
+    </a:lvl7pPr>
+    <a:lvl8pPr marL="3200400" algn="l" defTabSz="914400" rtl="0" eaLnBrk="1" latinLnBrk="0" hangingPunct="1">
+      <a:defRPr sz="1200" kern="1200">
+        <a:solidFill>
+          <a:schemeClr val="tx1"/>
+        </a:solidFill>
+        <a:latin typeface="+mn-lt"/>
+        <a:ea typeface="+mn-ea"/>
+        <a:cs typeface="+mn-cs"/>
+      </a:defRPr>
+    </a:lvl8pPr>
+    <a:lvl9pPr marL="3657600" algn="l" defTabSz="914400" rtl="0" eaLnBrk="1" latinLnBrk="0" hangingPunct="1">
+      <a:defRPr sz="1200" kern="1200">
+        <a:solidFill>
+          <a:schemeClr val="tx1"/>
+        </a:solidFill>
+        <a:latin typeface="+mn-lt"/>
+        <a:ea typeface="+mn-ea"/>
+        <a:cs typeface="+mn-cs"/>
+      </a:defRPr>
+    </a:lvl9pPr>
+  </p:notesStyle>
+</p:notesMaster>
+</file>
+
+<file path=ppt/notesSlides/notesSlide1.xml><?xml version="1.0" encoding="utf-8"?>
+<p:notes xmlns:a="http://schemas.openxmlformats.org/drawingml/2006/main" xmlns:r="http://schemas.openxmlformats.org/officeDocument/2006/relationships" xmlns:p="http://schemas.openxmlformats.org/presentationml/2006/main">
+  <p:cSld>
+    <p:spTree>
+      <p:nvGrpSpPr>
+        <p:cNvPr id="1" name=""/>
+        <p:cNvGrpSpPr/>
+        <p:nvPr/>
+      </p:nvGrpSpPr>
+      <p:grpSpPr>
+        <a:xfrm>
+          <a:off x="0" y="0"/>
+          <a:ext cx="0" cy="0"/>
+          <a:chOff x="0" y="0"/>
+          <a:chExt cx="0" cy="0"/>
+        </a:xfrm>
+      </p:grpSpPr>
+      <p:sp>
+        <p:nvSpPr>
+          <p:cNvPr id="2" name="Slide Image Placeholder 1"/>
+          <p:cNvSpPr>
+            <a:spLocks noGrp="1" noRot="1" noChangeAspect="1"/>
+          </p:cNvSpPr>
+          <p:nvPr>
+            <p:ph type="sldImg"/>
+          </p:nvPr>
+        </p:nvSpPr>
+        <p:spPr/>
+      </p:sp>
+      <p:sp>
+        <p:nvSpPr>
+          <p:cNvPr id="3" name="Notes Placeholder 2"/>
+          <p:cNvSpPr>
+            <a:spLocks noGrp="1"/>
+          </p:cNvSpPr>
+          <p:nvPr>
+            <p:ph type="body" idx="1"/>
+          </p:nvPr>
+        </p:nvSpPr>
+        <p:spPr/>
+        <p:txBody>
+          <a:bodyPr/>
+          <a:lstStyle/>
+          <a:p>
+            <a:endParaRPr lang="en-IN"/>
+          </a:p>
+        </p:txBody>
+      </p:sp>
+      <p:sp>
+        <p:nvSpPr>
+          <p:cNvPr id="4" name="Slide Number Placeholder 3"/>
+          <p:cNvSpPr>
+            <a:spLocks noGrp="1"/>
+          </p:cNvSpPr>
+          <p:nvPr>
+            <p:ph type="sldNum" sz="quarter" idx="10"/>
+          </p:nvPr>
+        </p:nvSpPr>
+        <p:spPr/>
+        <p:txBody>
+          <a:bodyPr/>
+          <a:lstStyle/>
+          <a:p>
+            <a:fld id="{ADA51B7C-22E0-49DA-82F6-197A8371FE87}" type="slidenum">
+              <a:rPr lang="en-IN" smtClean="0"/>
+              <a:t>1</a:t>
+            </a:fld>
+            <a:endParaRPr lang="en-IN"/>
+          </a:p>
+        </p:txBody>
+      </p:sp>
+    </p:spTree>
+    <p:extLst>
+      <p:ext uri="{BB962C8B-B14F-4D97-AF65-F5344CB8AC3E}">
+        <p14:creationId xmlns:p14="http://schemas.microsoft.com/office/powerpoint/2010/main" val="1838259050"/>
+      </p:ext>
+    </p:extLst>
+  </p:cSld>
+  <p:clrMapOvr>
+    <a:masterClrMapping/>
+  </p:clrMapOvr>
+</p:notes>
+</file>
+
+<file path=ppt/notesSlides/notesSlide2.xml><?xml version="1.0" encoding="utf-8"?>
+<p:notes xmlns:a="http://schemas.openxmlformats.org/drawingml/2006/main" xmlns:r="http://schemas.openxmlformats.org/officeDocument/2006/relationships" xmlns:p="http://schemas.openxmlformats.org/presentationml/2006/main">
+  <p:cSld>
+    <p:spTree>
+      <p:nvGrpSpPr>
+        <p:cNvPr id="1" name=""/>
+        <p:cNvGrpSpPr/>
+        <p:nvPr/>
+      </p:nvGrpSpPr>
+      <p:grpSpPr>
+        <a:xfrm>
+          <a:off x="0" y="0"/>
+          <a:ext cx="0" cy="0"/>
+          <a:chOff x="0" y="0"/>
+          <a:chExt cx="0" cy="0"/>
+        </a:xfrm>
+      </p:grpSpPr>
+      <p:sp>
+        <p:nvSpPr>
+          <p:cNvPr id="2" name="Slide Image Placeholder 1"/>
+          <p:cNvSpPr>
+            <a:spLocks noGrp="1" noRot="1" noChangeAspect="1"/>
+          </p:cNvSpPr>
+          <p:nvPr>
+            <p:ph type="sldImg"/>
+          </p:nvPr>
+        </p:nvSpPr>
+        <p:spPr/>
+      </p:sp>
+      <p:sp>
+        <p:nvSpPr>
+          <p:cNvPr id="3" name="Notes Placeholder 2"/>
+          <p:cNvSpPr>
+            <a:spLocks noGrp="1"/>
+          </p:cNvSpPr>
+          <p:nvPr>
+            <p:ph type="body" idx="1"/>
+          </p:nvPr>
+        </p:nvSpPr>
+        <p:spPr/>
+        <p:txBody>
+          <a:bodyPr/>
+          <a:lstStyle/>
+          <a:p>
+            <a:endParaRPr lang="en-IN"/>
+          </a:p>
+        </p:txBody>
+      </p:sp>
+      <p:sp>
+        <p:nvSpPr>
+          <p:cNvPr id="4" name="Slide Number Placeholder 3"/>
+          <p:cNvSpPr>
+            <a:spLocks noGrp="1"/>
+          </p:cNvSpPr>
+          <p:nvPr>
+            <p:ph type="sldNum" sz="quarter" idx="10"/>
+          </p:nvPr>
+        </p:nvSpPr>
+        <p:spPr/>
+        <p:txBody>
+          <a:bodyPr/>
+          <a:lstStyle/>
+          <a:p>
+            <a:fld id="{ADA51B7C-22E0-49DA-82F6-197A8371FE87}" type="slidenum">
+              <a:rPr lang="en-IN" smtClean="0"/>
+              <a:t>4</a:t>
+            </a:fld>
+            <a:endParaRPr lang="en-IN"/>
+          </a:p>
+        </p:txBody>
+      </p:sp>
+    </p:spTree>
+    <p:extLst>
+      <p:ext uri="{BB962C8B-B14F-4D97-AF65-F5344CB8AC3E}">
+        <p14:creationId xmlns:p14="http://schemas.microsoft.com/office/powerpoint/2010/main" val="887503241"/>
+      </p:ext>
+    </p:extLst>
+  </p:cSld>
+  <p:clrMapOvr>
+    <a:masterClrMapping/>
+  </p:clrMapOvr>
+</p:notes>
+</file>
+
 <file path=ppt/slideLayouts/slideLayout1.xml><?xml version="1.0" encoding="utf-8"?>
-<p:sldLayout xmlns:a="http://schemas.openxmlformats.org/drawingml/2006/main" xmlns:r="http://schemas.openxmlformats.org/officeDocument/2006/relationships" xmlns:p="http://schemas.openxmlformats.org/presentationml/2006/main" type="title" preserve="1">
+<p:sldLayout xmlns:a="http://schemas.openxmlformats.org/drawingml/2006/main" xmlns:r="http://schemas.openxmlformats.org/officeDocument/2006/relationships" xmlns:p="http://schemas.openxmlformats.org/presentationml/2006/main" showMasterSp="0" type="title" preserve="1">
   <p:cSld name="Title Slide">
     <p:spTree>
       <p:nvGrpSpPr>
@@ -136,6 +658,536 @@
           <a:chExt cx="0" cy="0"/>
         </a:xfrm>
       </p:grpSpPr>
+      <p:grpSp>
+        <p:nvGrpSpPr>
+          <p:cNvPr id="7" name="Group 6"/>
+          <p:cNvGrpSpPr/>
+          <p:nvPr/>
+        </p:nvGrpSpPr>
+        <p:grpSpPr>
+          <a:xfrm>
+            <a:off x="0" y="-8467"/>
+            <a:ext cx="12192000" cy="6866467"/>
+            <a:chOff x="0" y="-8467"/>
+            <a:chExt cx="12192000" cy="6866467"/>
+          </a:xfrm>
+        </p:grpSpPr>
+        <p:cxnSp>
+          <p:nvCxnSpPr>
+            <p:cNvPr id="32" name="Straight Connector 31"/>
+            <p:cNvCxnSpPr/>
+            <p:nvPr/>
+          </p:nvCxnSpPr>
+          <p:spPr>
+            <a:xfrm>
+              <a:off x="9371012" y="0"/>
+              <a:ext cx="1219200" cy="6858000"/>
+            </a:xfrm>
+            <a:prstGeom prst="line">
+              <a:avLst/>
+            </a:prstGeom>
+            <a:ln w="9525">
+              <a:solidFill>
+                <a:schemeClr val="bg1">
+                  <a:lumMod val="75000"/>
+                </a:schemeClr>
+              </a:solidFill>
+            </a:ln>
+          </p:spPr>
+          <p:style>
+            <a:lnRef idx="2">
+              <a:schemeClr val="accent1"/>
+            </a:lnRef>
+            <a:fillRef idx="0">
+              <a:schemeClr val="accent1"/>
+            </a:fillRef>
+            <a:effectRef idx="1">
+              <a:schemeClr val="accent1"/>
+            </a:effectRef>
+            <a:fontRef idx="minor">
+              <a:schemeClr val="tx1"/>
+            </a:fontRef>
+          </p:style>
+        </p:cxnSp>
+        <p:cxnSp>
+          <p:nvCxnSpPr>
+            <p:cNvPr id="21" name="Straight Connector 20"/>
+            <p:cNvCxnSpPr/>
+            <p:nvPr/>
+          </p:nvCxnSpPr>
+          <p:spPr>
+            <a:xfrm flipH="1">
+              <a:off x="7425267" y="3681413"/>
+              <a:ext cx="4763558" cy="3176587"/>
+            </a:xfrm>
+            <a:prstGeom prst="line">
+              <a:avLst/>
+            </a:prstGeom>
+            <a:ln w="9525">
+              <a:solidFill>
+                <a:schemeClr val="bg1">
+                  <a:lumMod val="85000"/>
+                </a:schemeClr>
+              </a:solidFill>
+            </a:ln>
+          </p:spPr>
+          <p:style>
+            <a:lnRef idx="2">
+              <a:schemeClr val="accent1"/>
+            </a:lnRef>
+            <a:fillRef idx="0">
+              <a:schemeClr val="accent1"/>
+            </a:fillRef>
+            <a:effectRef idx="1">
+              <a:schemeClr val="accent1"/>
+            </a:effectRef>
+            <a:fontRef idx="minor">
+              <a:schemeClr val="tx1"/>
+            </a:fontRef>
+          </p:style>
+        </p:cxnSp>
+        <p:sp>
+          <p:nvSpPr>
+            <p:cNvPr id="24" name="Rectangle 23"/>
+            <p:cNvSpPr/>
+            <p:nvPr/>
+          </p:nvSpPr>
+          <p:spPr>
+            <a:xfrm>
+              <a:off x="9181476" y="-8467"/>
+              <a:ext cx="3007349" cy="6866467"/>
+            </a:xfrm>
+            <a:custGeom>
+              <a:avLst/>
+              <a:gdLst/>
+              <a:ahLst/>
+              <a:cxnLst/>
+              <a:rect l="l" t="t" r="r" b="b"/>
+              <a:pathLst>
+                <a:path w="3007349" h="6866467">
+                  <a:moveTo>
+                    <a:pt x="2045532" y="0"/>
+                  </a:moveTo>
+                  <a:lnTo>
+                    <a:pt x="3007349" y="0"/>
+                  </a:lnTo>
+                  <a:lnTo>
+                    <a:pt x="3007349" y="6866467"/>
+                  </a:lnTo>
+                  <a:lnTo>
+                    <a:pt x="0" y="6866467"/>
+                  </a:lnTo>
+                  <a:lnTo>
+                    <a:pt x="2045532" y="0"/>
+                  </a:lnTo>
+                  <a:close/>
+                </a:path>
+              </a:pathLst>
+            </a:custGeom>
+            <a:solidFill>
+              <a:schemeClr val="accent1">
+                <a:alpha val="30000"/>
+              </a:schemeClr>
+            </a:solidFill>
+            <a:ln>
+              <a:noFill/>
+            </a:ln>
+            <a:effectLst/>
+          </p:spPr>
+          <p:style>
+            <a:lnRef idx="1">
+              <a:schemeClr val="accent1"/>
+            </a:lnRef>
+            <a:fillRef idx="3">
+              <a:schemeClr val="accent1"/>
+            </a:fillRef>
+            <a:effectRef idx="2">
+              <a:schemeClr val="accent1"/>
+            </a:effectRef>
+            <a:fontRef idx="minor">
+              <a:schemeClr val="lt1"/>
+            </a:fontRef>
+          </p:style>
+        </p:sp>
+        <p:sp>
+          <p:nvSpPr>
+            <p:cNvPr id="26" name="Rectangle 25"/>
+            <p:cNvSpPr/>
+            <p:nvPr/>
+          </p:nvSpPr>
+          <p:spPr>
+            <a:xfrm>
+              <a:off x="9603442" y="-8467"/>
+              <a:ext cx="2588558" cy="6866467"/>
+            </a:xfrm>
+            <a:custGeom>
+              <a:avLst/>
+              <a:gdLst/>
+              <a:ahLst/>
+              <a:cxnLst/>
+              <a:rect l="l" t="t" r="r" b="b"/>
+              <a:pathLst>
+                <a:path w="2573311" h="6866467">
+                  <a:moveTo>
+                    <a:pt x="0" y="0"/>
+                  </a:moveTo>
+                  <a:lnTo>
+                    <a:pt x="2573311" y="0"/>
+                  </a:lnTo>
+                  <a:lnTo>
+                    <a:pt x="2573311" y="6866467"/>
+                  </a:lnTo>
+                  <a:lnTo>
+                    <a:pt x="1202336" y="6866467"/>
+                  </a:lnTo>
+                  <a:lnTo>
+                    <a:pt x="0" y="0"/>
+                  </a:lnTo>
+                  <a:close/>
+                </a:path>
+              </a:pathLst>
+            </a:custGeom>
+            <a:solidFill>
+              <a:schemeClr val="accent1">
+                <a:alpha val="20000"/>
+              </a:schemeClr>
+            </a:solidFill>
+            <a:ln>
+              <a:noFill/>
+            </a:ln>
+            <a:effectLst/>
+          </p:spPr>
+          <p:style>
+            <a:lnRef idx="1">
+              <a:schemeClr val="accent1"/>
+            </a:lnRef>
+            <a:fillRef idx="3">
+              <a:schemeClr val="accent1"/>
+            </a:fillRef>
+            <a:effectRef idx="2">
+              <a:schemeClr val="accent1"/>
+            </a:effectRef>
+            <a:fontRef idx="minor">
+              <a:schemeClr val="lt1"/>
+            </a:fontRef>
+          </p:style>
+        </p:sp>
+        <p:sp>
+          <p:nvSpPr>
+            <p:cNvPr id="27" name="Isosceles Triangle 26"/>
+            <p:cNvSpPr/>
+            <p:nvPr/>
+          </p:nvSpPr>
+          <p:spPr>
+            <a:xfrm>
+              <a:off x="8932333" y="3048000"/>
+              <a:ext cx="3259667" cy="3810000"/>
+            </a:xfrm>
+            <a:prstGeom prst="triangle">
+              <a:avLst>
+                <a:gd name="adj" fmla="val 100000"/>
+              </a:avLst>
+            </a:prstGeom>
+            <a:solidFill>
+              <a:schemeClr val="accent2">
+                <a:alpha val="72000"/>
+              </a:schemeClr>
+            </a:solidFill>
+            <a:ln>
+              <a:noFill/>
+            </a:ln>
+            <a:effectLst/>
+          </p:spPr>
+          <p:style>
+            <a:lnRef idx="1">
+              <a:schemeClr val="accent1"/>
+            </a:lnRef>
+            <a:fillRef idx="3">
+              <a:schemeClr val="accent1"/>
+            </a:fillRef>
+            <a:effectRef idx="2">
+              <a:schemeClr val="accent1"/>
+            </a:effectRef>
+            <a:fontRef idx="minor">
+              <a:schemeClr val="lt1"/>
+            </a:fontRef>
+          </p:style>
+        </p:sp>
+        <p:sp>
+          <p:nvSpPr>
+            <p:cNvPr id="28" name="Rectangle 27"/>
+            <p:cNvSpPr/>
+            <p:nvPr/>
+          </p:nvSpPr>
+          <p:spPr>
+            <a:xfrm>
+              <a:off x="9334500" y="-8467"/>
+              <a:ext cx="2854326" cy="6866467"/>
+            </a:xfrm>
+            <a:custGeom>
+              <a:avLst/>
+              <a:gdLst/>
+              <a:ahLst/>
+              <a:cxnLst/>
+              <a:rect l="l" t="t" r="r" b="b"/>
+              <a:pathLst>
+                <a:path w="2858013" h="6866467">
+                  <a:moveTo>
+                    <a:pt x="0" y="0"/>
+                  </a:moveTo>
+                  <a:lnTo>
+                    <a:pt x="2858013" y="0"/>
+                  </a:lnTo>
+                  <a:lnTo>
+                    <a:pt x="2858013" y="6866467"/>
+                  </a:lnTo>
+                  <a:lnTo>
+                    <a:pt x="2473942" y="6866467"/>
+                  </a:lnTo>
+                  <a:lnTo>
+                    <a:pt x="0" y="0"/>
+                  </a:lnTo>
+                  <a:close/>
+                </a:path>
+              </a:pathLst>
+            </a:custGeom>
+            <a:solidFill>
+              <a:schemeClr val="accent2">
+                <a:lumMod val="75000"/>
+                <a:alpha val="70000"/>
+              </a:schemeClr>
+            </a:solidFill>
+            <a:ln>
+              <a:noFill/>
+            </a:ln>
+            <a:effectLst/>
+          </p:spPr>
+          <p:style>
+            <a:lnRef idx="1">
+              <a:schemeClr val="accent1"/>
+            </a:lnRef>
+            <a:fillRef idx="3">
+              <a:schemeClr val="accent1"/>
+            </a:fillRef>
+            <a:effectRef idx="2">
+              <a:schemeClr val="accent1"/>
+            </a:effectRef>
+            <a:fontRef idx="minor">
+              <a:schemeClr val="lt1"/>
+            </a:fontRef>
+          </p:style>
+        </p:sp>
+        <p:sp>
+          <p:nvSpPr>
+            <p:cNvPr id="29" name="Rectangle 28"/>
+            <p:cNvSpPr/>
+            <p:nvPr/>
+          </p:nvSpPr>
+          <p:spPr>
+            <a:xfrm>
+              <a:off x="10898730" y="-8467"/>
+              <a:ext cx="1290094" cy="6866467"/>
+            </a:xfrm>
+            <a:custGeom>
+              <a:avLst/>
+              <a:gdLst/>
+              <a:ahLst/>
+              <a:cxnLst/>
+              <a:rect l="l" t="t" r="r" b="b"/>
+              <a:pathLst>
+                <a:path w="1290094" h="6858000">
+                  <a:moveTo>
+                    <a:pt x="1019735" y="0"/>
+                  </a:moveTo>
+                  <a:lnTo>
+                    <a:pt x="1290094" y="0"/>
+                  </a:lnTo>
+                  <a:lnTo>
+                    <a:pt x="1290094" y="6858000"/>
+                  </a:lnTo>
+                  <a:lnTo>
+                    <a:pt x="0" y="6858000"/>
+                  </a:lnTo>
+                  <a:lnTo>
+                    <a:pt x="1019735" y="0"/>
+                  </a:lnTo>
+                  <a:close/>
+                </a:path>
+              </a:pathLst>
+            </a:custGeom>
+            <a:solidFill>
+              <a:schemeClr val="accent1">
+                <a:lumMod val="60000"/>
+                <a:lumOff val="40000"/>
+                <a:alpha val="70000"/>
+              </a:schemeClr>
+            </a:solidFill>
+            <a:ln>
+              <a:noFill/>
+            </a:ln>
+            <a:effectLst/>
+          </p:spPr>
+          <p:style>
+            <a:lnRef idx="1">
+              <a:schemeClr val="accent1"/>
+            </a:lnRef>
+            <a:fillRef idx="3">
+              <a:schemeClr val="accent1"/>
+            </a:fillRef>
+            <a:effectRef idx="2">
+              <a:schemeClr val="accent1"/>
+            </a:effectRef>
+            <a:fontRef idx="minor">
+              <a:schemeClr val="lt1"/>
+            </a:fontRef>
+          </p:style>
+        </p:sp>
+        <p:sp>
+          <p:nvSpPr>
+            <p:cNvPr id="30" name="Rectangle 29"/>
+            <p:cNvSpPr/>
+            <p:nvPr/>
+          </p:nvSpPr>
+          <p:spPr>
+            <a:xfrm>
+              <a:off x="10938999" y="-8467"/>
+              <a:ext cx="1249825" cy="6866467"/>
+            </a:xfrm>
+            <a:custGeom>
+              <a:avLst/>
+              <a:gdLst/>
+              <a:ahLst/>
+              <a:cxnLst/>
+              <a:rect l="l" t="t" r="r" b="b"/>
+              <a:pathLst>
+                <a:path w="1249825" h="6858000">
+                  <a:moveTo>
+                    <a:pt x="0" y="0"/>
+                  </a:moveTo>
+                  <a:lnTo>
+                    <a:pt x="1249825" y="0"/>
+                  </a:lnTo>
+                  <a:lnTo>
+                    <a:pt x="1249825" y="6858000"/>
+                  </a:lnTo>
+                  <a:lnTo>
+                    <a:pt x="1109382" y="6858000"/>
+                  </a:lnTo>
+                  <a:lnTo>
+                    <a:pt x="0" y="0"/>
+                  </a:lnTo>
+                  <a:close/>
+                </a:path>
+              </a:pathLst>
+            </a:custGeom>
+            <a:solidFill>
+              <a:schemeClr val="accent1">
+                <a:alpha val="65000"/>
+              </a:schemeClr>
+            </a:solidFill>
+            <a:ln>
+              <a:noFill/>
+            </a:ln>
+            <a:effectLst/>
+          </p:spPr>
+          <p:style>
+            <a:lnRef idx="1">
+              <a:schemeClr val="accent1"/>
+            </a:lnRef>
+            <a:fillRef idx="3">
+              <a:schemeClr val="accent1"/>
+            </a:fillRef>
+            <a:effectRef idx="2">
+              <a:schemeClr val="accent1"/>
+            </a:effectRef>
+            <a:fontRef idx="minor">
+              <a:schemeClr val="lt1"/>
+            </a:fontRef>
+          </p:style>
+        </p:sp>
+        <p:sp>
+          <p:nvSpPr>
+            <p:cNvPr id="31" name="Isosceles Triangle 30"/>
+            <p:cNvSpPr/>
+            <p:nvPr/>
+          </p:nvSpPr>
+          <p:spPr>
+            <a:xfrm>
+              <a:off x="10371666" y="3589867"/>
+              <a:ext cx="1817159" cy="3268133"/>
+            </a:xfrm>
+            <a:prstGeom prst="triangle">
+              <a:avLst>
+                <a:gd name="adj" fmla="val 100000"/>
+              </a:avLst>
+            </a:prstGeom>
+            <a:solidFill>
+              <a:schemeClr val="accent1">
+                <a:alpha val="80000"/>
+              </a:schemeClr>
+            </a:solidFill>
+            <a:ln>
+              <a:noFill/>
+            </a:ln>
+            <a:effectLst/>
+          </p:spPr>
+          <p:style>
+            <a:lnRef idx="1">
+              <a:schemeClr val="accent1"/>
+            </a:lnRef>
+            <a:fillRef idx="3">
+              <a:schemeClr val="accent1"/>
+            </a:fillRef>
+            <a:effectRef idx="2">
+              <a:schemeClr val="accent1"/>
+            </a:effectRef>
+            <a:fontRef idx="minor">
+              <a:schemeClr val="lt1"/>
+            </a:fontRef>
+          </p:style>
+        </p:sp>
+        <p:sp>
+          <p:nvSpPr>
+            <p:cNvPr id="19" name="Isosceles Triangle 18"/>
+            <p:cNvSpPr/>
+            <p:nvPr/>
+          </p:nvSpPr>
+          <p:spPr>
+            <a:xfrm rot="10800000">
+              <a:off x="0" y="0"/>
+              <a:ext cx="842596" cy="5666154"/>
+            </a:xfrm>
+            <a:prstGeom prst="triangle">
+              <a:avLst>
+                <a:gd name="adj" fmla="val 100000"/>
+              </a:avLst>
+            </a:prstGeom>
+            <a:solidFill>
+              <a:schemeClr val="accent1">
+                <a:alpha val="85000"/>
+              </a:schemeClr>
+            </a:solidFill>
+            <a:ln>
+              <a:noFill/>
+            </a:ln>
+            <a:effectLst/>
+          </p:spPr>
+          <p:style>
+            <a:lnRef idx="1">
+              <a:schemeClr val="accent1"/>
+            </a:lnRef>
+            <a:fillRef idx="3">
+              <a:schemeClr val="accent1"/>
+            </a:fillRef>
+            <a:effectRef idx="2">
+              <a:schemeClr val="accent1"/>
+            </a:effectRef>
+            <a:fontRef idx="minor">
+              <a:schemeClr val="lt1"/>
+            </a:fontRef>
+          </p:style>
+        </p:sp>
+      </p:grpSp>
       <p:sp>
         <p:nvSpPr>
           <p:cNvPr id="2" name="Title 1"/>
@@ -148,15 +1200,21 @@
         </p:nvSpPr>
         <p:spPr>
           <a:xfrm>
-            <a:off x="1524000" y="1122363"/>
-            <a:ext cx="9144000" cy="2387600"/>
+            <a:off x="1507067" y="2404534"/>
+            <a:ext cx="7766936" cy="1646302"/>
           </a:xfrm>
         </p:spPr>
         <p:txBody>
-          <a:bodyPr anchor="b"/>
+          <a:bodyPr anchor="b">
+            <a:noAutofit/>
+          </a:bodyPr>
           <a:lstStyle>
-            <a:lvl1pPr algn="ctr">
-              <a:defRPr sz="6000"/>
+            <a:lvl1pPr algn="r">
+              <a:defRPr sz="5400">
+                <a:solidFill>
+                  <a:schemeClr val="accent1"/>
+                </a:solidFill>
+              </a:defRPr>
             </a:lvl1pPr>
           </a:lstStyle>
           <a:p>
@@ -164,7 +1222,7 @@
               <a:rPr lang="en-US" smtClean="0"/>
               <a:t>Click to edit Master title style</a:t>
             </a:r>
-            <a:endParaRPr lang="en-IN"/>
+            <a:endParaRPr lang="en-US" dirty="0"/>
           </a:p>
         </p:txBody>
       </p:sp>
@@ -180,48 +1238,103 @@
         </p:nvSpPr>
         <p:spPr>
           <a:xfrm>
-            <a:off x="1524000" y="3602038"/>
-            <a:ext cx="9144000" cy="1655762"/>
+            <a:off x="1507067" y="4050833"/>
+            <a:ext cx="7766936" cy="1096899"/>
           </a:xfrm>
         </p:spPr>
         <p:txBody>
-          <a:bodyPr/>
+          <a:bodyPr anchor="t"/>
           <a:lstStyle>
-            <a:lvl1pPr marL="0" indent="0" algn="ctr">
-              <a:buNone/>
-              <a:defRPr sz="2400"/>
+            <a:lvl1pPr marL="0" indent="0" algn="r">
+              <a:buNone/>
+              <a:defRPr>
+                <a:solidFill>
+                  <a:schemeClr val="tx1">
+                    <a:lumMod val="50000"/>
+                    <a:lumOff val="50000"/>
+                  </a:schemeClr>
+                </a:solidFill>
+              </a:defRPr>
             </a:lvl1pPr>
             <a:lvl2pPr marL="457200" indent="0" algn="ctr">
               <a:buNone/>
-              <a:defRPr sz="2000"/>
+              <a:defRPr>
+                <a:solidFill>
+                  <a:schemeClr val="tx1">
+                    <a:tint val="75000"/>
+                  </a:schemeClr>
+                </a:solidFill>
+              </a:defRPr>
             </a:lvl2pPr>
             <a:lvl3pPr marL="914400" indent="0" algn="ctr">
               <a:buNone/>
-              <a:defRPr sz="1800"/>
+              <a:defRPr>
+                <a:solidFill>
+                  <a:schemeClr val="tx1">
+                    <a:tint val="75000"/>
+                  </a:schemeClr>
+                </a:solidFill>
+              </a:defRPr>
             </a:lvl3pPr>
             <a:lvl4pPr marL="1371600" indent="0" algn="ctr">
               <a:buNone/>
-              <a:defRPr sz="1600"/>
+              <a:defRPr>
+                <a:solidFill>
+                  <a:schemeClr val="tx1">
+                    <a:tint val="75000"/>
+                  </a:schemeClr>
+                </a:solidFill>
+              </a:defRPr>
             </a:lvl4pPr>
             <a:lvl5pPr marL="1828800" indent="0" algn="ctr">
               <a:buNone/>
-              <a:defRPr sz="1600"/>
+              <a:defRPr>
+                <a:solidFill>
+                  <a:schemeClr val="tx1">
+                    <a:tint val="75000"/>
+                  </a:schemeClr>
+                </a:solidFill>
+              </a:defRPr>
             </a:lvl5pPr>
             <a:lvl6pPr marL="2286000" indent="0" algn="ctr">
               <a:buNone/>
-              <a:defRPr sz="1600"/>
+              <a:defRPr>
+                <a:solidFill>
+                  <a:schemeClr val="tx1">
+                    <a:tint val="75000"/>
+                  </a:schemeClr>
+                </a:solidFill>
+              </a:defRPr>
             </a:lvl6pPr>
             <a:lvl7pPr marL="2743200" indent="0" algn="ctr">
               <a:buNone/>
-              <a:defRPr sz="1600"/>
+              <a:defRPr>
+                <a:solidFill>
+                  <a:schemeClr val="tx1">
+                    <a:tint val="75000"/>
+                  </a:schemeClr>
+                </a:solidFill>
+              </a:defRPr>
             </a:lvl7pPr>
             <a:lvl8pPr marL="3200400" indent="0" algn="ctr">
               <a:buNone/>
-              <a:defRPr sz="1600"/>
+              <a:defRPr>
+                <a:solidFill>
+                  <a:schemeClr val="tx1">
+                    <a:tint val="75000"/>
+                  </a:schemeClr>
+                </a:solidFill>
+              </a:defRPr>
             </a:lvl8pPr>
             <a:lvl9pPr marL="3657600" indent="0" algn="ctr">
               <a:buNone/>
-              <a:defRPr sz="1600"/>
+              <a:defRPr>
+                <a:solidFill>
+                  <a:schemeClr val="tx1">
+                    <a:tint val="75000"/>
+                  </a:schemeClr>
+                </a:solidFill>
+              </a:defRPr>
             </a:lvl9pPr>
           </a:lstStyle>
           <a:p>
@@ -229,7 +1342,7 @@
               <a:rPr lang="en-US" smtClean="0"/>
               <a:t>Click to edit Master subtitle style</a:t>
             </a:r>
-            <a:endParaRPr lang="en-IN"/>
+            <a:endParaRPr lang="en-US" dirty="0"/>
           </a:p>
         </p:txBody>
       </p:sp>
@@ -250,7 +1363,7 @@
           <a:p>
             <a:fld id="{A27DF4BB-5277-4EF6-9A1A-B2A682537D62}" type="datetimeFigureOut">
               <a:rPr lang="en-IN" smtClean="0"/>
-              <a:t>01-05-2022</a:t>
+              <a:t>05-05-2022</a:t>
             </a:fld>
             <a:endParaRPr lang="en-IN"/>
           </a:p>
@@ -301,7 +1414,7 @@
     </p:spTree>
     <p:extLst>
       <p:ext uri="{BB962C8B-B14F-4D97-AF65-F5344CB8AC3E}">
-        <p14:creationId xmlns:p14="http://schemas.microsoft.com/office/powerpoint/2010/main" val="4282038340"/>
+        <p14:creationId xmlns:p14="http://schemas.microsoft.com/office/powerpoint/2010/main" val="1571927293"/>
       </p:ext>
     </p:extLst>
   </p:cSld>
@@ -312,6 +1425,1619 @@
 </file>
 
 <file path=ppt/slideLayouts/slideLayout10.xml><?xml version="1.0" encoding="utf-8"?>
+<p:sldLayout xmlns:a="http://schemas.openxmlformats.org/drawingml/2006/main" xmlns:r="http://schemas.openxmlformats.org/officeDocument/2006/relationships" xmlns:p="http://schemas.openxmlformats.org/presentationml/2006/main" preserve="1">
+  <p:cSld name="Title and Caption">
+    <p:spTree>
+      <p:nvGrpSpPr>
+        <p:cNvPr id="1" name=""/>
+        <p:cNvGrpSpPr/>
+        <p:nvPr/>
+      </p:nvGrpSpPr>
+      <p:grpSpPr>
+        <a:xfrm>
+          <a:off x="0" y="0"/>
+          <a:ext cx="0" cy="0"/>
+          <a:chOff x="0" y="0"/>
+          <a:chExt cx="0" cy="0"/>
+        </a:xfrm>
+      </p:grpSpPr>
+      <p:sp>
+        <p:nvSpPr>
+          <p:cNvPr id="2" name="Title 1"/>
+          <p:cNvSpPr>
+            <a:spLocks noGrp="1"/>
+          </p:cNvSpPr>
+          <p:nvPr>
+            <p:ph type="title"/>
+          </p:nvPr>
+        </p:nvSpPr>
+        <p:spPr>
+          <a:xfrm>
+            <a:off x="677335" y="609600"/>
+            <a:ext cx="8596668" cy="3403600"/>
+          </a:xfrm>
+        </p:spPr>
+        <p:txBody>
+          <a:bodyPr anchor="ctr">
+            <a:normAutofit/>
+          </a:bodyPr>
+          <a:lstStyle>
+            <a:lvl1pPr algn="l">
+              <a:defRPr sz="4400" b="0" cap="none"/>
+            </a:lvl1pPr>
+          </a:lstStyle>
+          <a:p>
+            <a:r>
+              <a:rPr lang="en-US" smtClean="0"/>
+              <a:t>Click to edit Master title style</a:t>
+            </a:r>
+            <a:endParaRPr lang="en-US" dirty="0"/>
+          </a:p>
+        </p:txBody>
+      </p:sp>
+      <p:sp>
+        <p:nvSpPr>
+          <p:cNvPr id="3" name="Text Placeholder 2"/>
+          <p:cNvSpPr>
+            <a:spLocks noGrp="1"/>
+          </p:cNvSpPr>
+          <p:nvPr>
+            <p:ph type="body" idx="1"/>
+          </p:nvPr>
+        </p:nvSpPr>
+        <p:spPr>
+          <a:xfrm>
+            <a:off x="677335" y="4470400"/>
+            <a:ext cx="8596668" cy="1570962"/>
+          </a:xfrm>
+        </p:spPr>
+        <p:txBody>
+          <a:bodyPr anchor="ctr">
+            <a:normAutofit/>
+          </a:bodyPr>
+          <a:lstStyle>
+            <a:lvl1pPr marL="0" indent="0" algn="l">
+              <a:buNone/>
+              <a:defRPr sz="1800">
+                <a:solidFill>
+                  <a:schemeClr val="tx1">
+                    <a:lumMod val="75000"/>
+                    <a:lumOff val="25000"/>
+                  </a:schemeClr>
+                </a:solidFill>
+              </a:defRPr>
+            </a:lvl1pPr>
+            <a:lvl2pPr marL="457200" indent="0">
+              <a:buNone/>
+              <a:defRPr sz="1800">
+                <a:solidFill>
+                  <a:schemeClr val="tx1">
+                    <a:tint val="75000"/>
+                  </a:schemeClr>
+                </a:solidFill>
+              </a:defRPr>
+            </a:lvl2pPr>
+            <a:lvl3pPr marL="914400" indent="0">
+              <a:buNone/>
+              <a:defRPr sz="1600">
+                <a:solidFill>
+                  <a:schemeClr val="tx1">
+                    <a:tint val="75000"/>
+                  </a:schemeClr>
+                </a:solidFill>
+              </a:defRPr>
+            </a:lvl3pPr>
+            <a:lvl4pPr marL="1371600" indent="0">
+              <a:buNone/>
+              <a:defRPr sz="1400">
+                <a:solidFill>
+                  <a:schemeClr val="tx1">
+                    <a:tint val="75000"/>
+                  </a:schemeClr>
+                </a:solidFill>
+              </a:defRPr>
+            </a:lvl4pPr>
+            <a:lvl5pPr marL="1828800" indent="0">
+              <a:buNone/>
+              <a:defRPr sz="1400">
+                <a:solidFill>
+                  <a:schemeClr val="tx1">
+                    <a:tint val="75000"/>
+                  </a:schemeClr>
+                </a:solidFill>
+              </a:defRPr>
+            </a:lvl5pPr>
+            <a:lvl6pPr marL="2286000" indent="0">
+              <a:buNone/>
+              <a:defRPr sz="1400">
+                <a:solidFill>
+                  <a:schemeClr val="tx1">
+                    <a:tint val="75000"/>
+                  </a:schemeClr>
+                </a:solidFill>
+              </a:defRPr>
+            </a:lvl6pPr>
+            <a:lvl7pPr marL="2743200" indent="0">
+              <a:buNone/>
+              <a:defRPr sz="1400">
+                <a:solidFill>
+                  <a:schemeClr val="tx1">
+                    <a:tint val="75000"/>
+                  </a:schemeClr>
+                </a:solidFill>
+              </a:defRPr>
+            </a:lvl7pPr>
+            <a:lvl8pPr marL="3200400" indent="0">
+              <a:buNone/>
+              <a:defRPr sz="1400">
+                <a:solidFill>
+                  <a:schemeClr val="tx1">
+                    <a:tint val="75000"/>
+                  </a:schemeClr>
+                </a:solidFill>
+              </a:defRPr>
+            </a:lvl8pPr>
+            <a:lvl9pPr marL="3657600" indent="0">
+              <a:buNone/>
+              <a:defRPr sz="1400">
+                <a:solidFill>
+                  <a:schemeClr val="tx1">
+                    <a:tint val="75000"/>
+                  </a:schemeClr>
+                </a:solidFill>
+              </a:defRPr>
+            </a:lvl9pPr>
+          </a:lstStyle>
+          <a:p>
+            <a:pPr lvl="0"/>
+            <a:r>
+              <a:rPr lang="en-US" smtClean="0"/>
+              <a:t>Click to edit Master text styles</a:t>
+            </a:r>
+          </a:p>
+        </p:txBody>
+      </p:sp>
+      <p:sp>
+        <p:nvSpPr>
+          <p:cNvPr id="4" name="Date Placeholder 3"/>
+          <p:cNvSpPr>
+            <a:spLocks noGrp="1"/>
+          </p:cNvSpPr>
+          <p:nvPr>
+            <p:ph type="dt" sz="half" idx="10"/>
+          </p:nvPr>
+        </p:nvSpPr>
+        <p:spPr/>
+        <p:txBody>
+          <a:bodyPr/>
+          <a:lstStyle/>
+          <a:p>
+            <a:fld id="{A27DF4BB-5277-4EF6-9A1A-B2A682537D62}" type="datetimeFigureOut">
+              <a:rPr lang="en-IN" smtClean="0"/>
+              <a:t>05-05-2022</a:t>
+            </a:fld>
+            <a:endParaRPr lang="en-IN"/>
+          </a:p>
+        </p:txBody>
+      </p:sp>
+      <p:sp>
+        <p:nvSpPr>
+          <p:cNvPr id="5" name="Footer Placeholder 4"/>
+          <p:cNvSpPr>
+            <a:spLocks noGrp="1"/>
+          </p:cNvSpPr>
+          <p:nvPr>
+            <p:ph type="ftr" sz="quarter" idx="11"/>
+          </p:nvPr>
+        </p:nvSpPr>
+        <p:spPr/>
+        <p:txBody>
+          <a:bodyPr/>
+          <a:lstStyle/>
+          <a:p>
+            <a:endParaRPr lang="en-IN"/>
+          </a:p>
+        </p:txBody>
+      </p:sp>
+      <p:sp>
+        <p:nvSpPr>
+          <p:cNvPr id="6" name="Slide Number Placeholder 5"/>
+          <p:cNvSpPr>
+            <a:spLocks noGrp="1"/>
+          </p:cNvSpPr>
+          <p:nvPr>
+            <p:ph type="sldNum" sz="quarter" idx="12"/>
+          </p:nvPr>
+        </p:nvSpPr>
+        <p:spPr/>
+        <p:txBody>
+          <a:bodyPr/>
+          <a:lstStyle/>
+          <a:p>
+            <a:fld id="{35DC4E4B-0D24-40EC-A85F-674D5CAE1E49}" type="slidenum">
+              <a:rPr lang="en-IN" smtClean="0"/>
+              <a:t>‹#›</a:t>
+            </a:fld>
+            <a:endParaRPr lang="en-IN"/>
+          </a:p>
+        </p:txBody>
+      </p:sp>
+    </p:spTree>
+    <p:extLst>
+      <p:ext uri="{BB962C8B-B14F-4D97-AF65-F5344CB8AC3E}">
+        <p14:creationId xmlns:p14="http://schemas.microsoft.com/office/powerpoint/2010/main" val="1877721898"/>
+      </p:ext>
+    </p:extLst>
+  </p:cSld>
+  <p:clrMapOvr>
+    <a:masterClrMapping/>
+  </p:clrMapOvr>
+</p:sldLayout>
+</file>
+
+<file path=ppt/slideLayouts/slideLayout11.xml><?xml version="1.0" encoding="utf-8"?>
+<p:sldLayout xmlns:a="http://schemas.openxmlformats.org/drawingml/2006/main" xmlns:r="http://schemas.openxmlformats.org/officeDocument/2006/relationships" xmlns:p="http://schemas.openxmlformats.org/presentationml/2006/main" preserve="1">
+  <p:cSld name="Quote with Caption">
+    <p:spTree>
+      <p:nvGrpSpPr>
+        <p:cNvPr id="1" name=""/>
+        <p:cNvGrpSpPr/>
+        <p:nvPr/>
+      </p:nvGrpSpPr>
+      <p:grpSpPr>
+        <a:xfrm>
+          <a:off x="0" y="0"/>
+          <a:ext cx="0" cy="0"/>
+          <a:chOff x="0" y="0"/>
+          <a:chExt cx="0" cy="0"/>
+        </a:xfrm>
+      </p:grpSpPr>
+      <p:sp>
+        <p:nvSpPr>
+          <p:cNvPr id="2" name="Title 1"/>
+          <p:cNvSpPr>
+            <a:spLocks noGrp="1"/>
+          </p:cNvSpPr>
+          <p:nvPr>
+            <p:ph type="title"/>
+          </p:nvPr>
+        </p:nvSpPr>
+        <p:spPr>
+          <a:xfrm>
+            <a:off x="931334" y="609600"/>
+            <a:ext cx="8094134" cy="3022600"/>
+          </a:xfrm>
+        </p:spPr>
+        <p:txBody>
+          <a:bodyPr anchor="ctr">
+            <a:normAutofit/>
+          </a:bodyPr>
+          <a:lstStyle>
+            <a:lvl1pPr algn="l">
+              <a:defRPr sz="4400" b="0" cap="none"/>
+            </a:lvl1pPr>
+          </a:lstStyle>
+          <a:p>
+            <a:r>
+              <a:rPr lang="en-US" smtClean="0"/>
+              <a:t>Click to edit Master title style</a:t>
+            </a:r>
+            <a:endParaRPr lang="en-US" dirty="0"/>
+          </a:p>
+        </p:txBody>
+      </p:sp>
+      <p:sp>
+        <p:nvSpPr>
+          <p:cNvPr id="23" name="Text Placeholder 9"/>
+          <p:cNvSpPr>
+            <a:spLocks noGrp="1"/>
+          </p:cNvSpPr>
+          <p:nvPr>
+            <p:ph type="body" sz="quarter" idx="13"/>
+          </p:nvPr>
+        </p:nvSpPr>
+        <p:spPr>
+          <a:xfrm>
+            <a:off x="1366139" y="3632200"/>
+            <a:ext cx="7224524" cy="381000"/>
+          </a:xfrm>
+        </p:spPr>
+        <p:txBody>
+          <a:bodyPr anchor="ctr">
+            <a:noAutofit/>
+          </a:bodyPr>
+          <a:lstStyle>
+            <a:lvl1pPr marL="0" indent="0">
+              <a:buFontTx/>
+              <a:buNone/>
+              <a:defRPr sz="1600">
+                <a:solidFill>
+                  <a:schemeClr val="tx1">
+                    <a:lumMod val="50000"/>
+                    <a:lumOff val="50000"/>
+                  </a:schemeClr>
+                </a:solidFill>
+              </a:defRPr>
+            </a:lvl1pPr>
+            <a:lvl2pPr marL="457200" indent="0">
+              <a:buFontTx/>
+              <a:buNone/>
+              <a:defRPr/>
+            </a:lvl2pPr>
+            <a:lvl3pPr marL="914400" indent="0">
+              <a:buFontTx/>
+              <a:buNone/>
+              <a:defRPr/>
+            </a:lvl3pPr>
+            <a:lvl4pPr marL="1371600" indent="0">
+              <a:buFontTx/>
+              <a:buNone/>
+              <a:defRPr/>
+            </a:lvl4pPr>
+            <a:lvl5pPr marL="1828800" indent="0">
+              <a:buFontTx/>
+              <a:buNone/>
+              <a:defRPr/>
+            </a:lvl5pPr>
+          </a:lstStyle>
+          <a:p>
+            <a:pPr lvl="0"/>
+            <a:r>
+              <a:rPr lang="en-US" smtClean="0"/>
+              <a:t>Click to edit Master text styles</a:t>
+            </a:r>
+          </a:p>
+        </p:txBody>
+      </p:sp>
+      <p:sp>
+        <p:nvSpPr>
+          <p:cNvPr id="3" name="Text Placeholder 2"/>
+          <p:cNvSpPr>
+            <a:spLocks noGrp="1"/>
+          </p:cNvSpPr>
+          <p:nvPr>
+            <p:ph type="body" idx="1"/>
+          </p:nvPr>
+        </p:nvSpPr>
+        <p:spPr>
+          <a:xfrm>
+            <a:off x="677335" y="4470400"/>
+            <a:ext cx="8596668" cy="1570962"/>
+          </a:xfrm>
+        </p:spPr>
+        <p:txBody>
+          <a:bodyPr anchor="ctr">
+            <a:normAutofit/>
+          </a:bodyPr>
+          <a:lstStyle>
+            <a:lvl1pPr marL="0" indent="0" algn="l">
+              <a:buNone/>
+              <a:defRPr sz="1800">
+                <a:solidFill>
+                  <a:schemeClr val="tx1">
+                    <a:lumMod val="75000"/>
+                    <a:lumOff val="25000"/>
+                  </a:schemeClr>
+                </a:solidFill>
+              </a:defRPr>
+            </a:lvl1pPr>
+            <a:lvl2pPr marL="457200" indent="0">
+              <a:buNone/>
+              <a:defRPr sz="1800">
+                <a:solidFill>
+                  <a:schemeClr val="tx1">
+                    <a:tint val="75000"/>
+                  </a:schemeClr>
+                </a:solidFill>
+              </a:defRPr>
+            </a:lvl2pPr>
+            <a:lvl3pPr marL="914400" indent="0">
+              <a:buNone/>
+              <a:defRPr sz="1600">
+                <a:solidFill>
+                  <a:schemeClr val="tx1">
+                    <a:tint val="75000"/>
+                  </a:schemeClr>
+                </a:solidFill>
+              </a:defRPr>
+            </a:lvl3pPr>
+            <a:lvl4pPr marL="1371600" indent="0">
+              <a:buNone/>
+              <a:defRPr sz="1400">
+                <a:solidFill>
+                  <a:schemeClr val="tx1">
+                    <a:tint val="75000"/>
+                  </a:schemeClr>
+                </a:solidFill>
+              </a:defRPr>
+            </a:lvl4pPr>
+            <a:lvl5pPr marL="1828800" indent="0">
+              <a:buNone/>
+              <a:defRPr sz="1400">
+                <a:solidFill>
+                  <a:schemeClr val="tx1">
+                    <a:tint val="75000"/>
+                  </a:schemeClr>
+                </a:solidFill>
+              </a:defRPr>
+            </a:lvl5pPr>
+            <a:lvl6pPr marL="2286000" indent="0">
+              <a:buNone/>
+              <a:defRPr sz="1400">
+                <a:solidFill>
+                  <a:schemeClr val="tx1">
+                    <a:tint val="75000"/>
+                  </a:schemeClr>
+                </a:solidFill>
+              </a:defRPr>
+            </a:lvl6pPr>
+            <a:lvl7pPr marL="2743200" indent="0">
+              <a:buNone/>
+              <a:defRPr sz="1400">
+                <a:solidFill>
+                  <a:schemeClr val="tx1">
+                    <a:tint val="75000"/>
+                  </a:schemeClr>
+                </a:solidFill>
+              </a:defRPr>
+            </a:lvl7pPr>
+            <a:lvl8pPr marL="3200400" indent="0">
+              <a:buNone/>
+              <a:defRPr sz="1400">
+                <a:solidFill>
+                  <a:schemeClr val="tx1">
+                    <a:tint val="75000"/>
+                  </a:schemeClr>
+                </a:solidFill>
+              </a:defRPr>
+            </a:lvl8pPr>
+            <a:lvl9pPr marL="3657600" indent="0">
+              <a:buNone/>
+              <a:defRPr sz="1400">
+                <a:solidFill>
+                  <a:schemeClr val="tx1">
+                    <a:tint val="75000"/>
+                  </a:schemeClr>
+                </a:solidFill>
+              </a:defRPr>
+            </a:lvl9pPr>
+          </a:lstStyle>
+          <a:p>
+            <a:pPr lvl="0"/>
+            <a:r>
+              <a:rPr lang="en-US" smtClean="0"/>
+              <a:t>Click to edit Master text styles</a:t>
+            </a:r>
+          </a:p>
+        </p:txBody>
+      </p:sp>
+      <p:sp>
+        <p:nvSpPr>
+          <p:cNvPr id="4" name="Date Placeholder 3"/>
+          <p:cNvSpPr>
+            <a:spLocks noGrp="1"/>
+          </p:cNvSpPr>
+          <p:nvPr>
+            <p:ph type="dt" sz="half" idx="10"/>
+          </p:nvPr>
+        </p:nvSpPr>
+        <p:spPr/>
+        <p:txBody>
+          <a:bodyPr/>
+          <a:lstStyle/>
+          <a:p>
+            <a:fld id="{A27DF4BB-5277-4EF6-9A1A-B2A682537D62}" type="datetimeFigureOut">
+              <a:rPr lang="en-IN" smtClean="0"/>
+              <a:t>05-05-2022</a:t>
+            </a:fld>
+            <a:endParaRPr lang="en-IN"/>
+          </a:p>
+        </p:txBody>
+      </p:sp>
+      <p:sp>
+        <p:nvSpPr>
+          <p:cNvPr id="5" name="Footer Placeholder 4"/>
+          <p:cNvSpPr>
+            <a:spLocks noGrp="1"/>
+          </p:cNvSpPr>
+          <p:nvPr>
+            <p:ph type="ftr" sz="quarter" idx="11"/>
+          </p:nvPr>
+        </p:nvSpPr>
+        <p:spPr/>
+        <p:txBody>
+          <a:bodyPr/>
+          <a:lstStyle/>
+          <a:p>
+            <a:endParaRPr lang="en-IN"/>
+          </a:p>
+        </p:txBody>
+      </p:sp>
+      <p:sp>
+        <p:nvSpPr>
+          <p:cNvPr id="6" name="Slide Number Placeholder 5"/>
+          <p:cNvSpPr>
+            <a:spLocks noGrp="1"/>
+          </p:cNvSpPr>
+          <p:nvPr>
+            <p:ph type="sldNum" sz="quarter" idx="12"/>
+          </p:nvPr>
+        </p:nvSpPr>
+        <p:spPr/>
+        <p:txBody>
+          <a:bodyPr/>
+          <a:lstStyle/>
+          <a:p>
+            <a:fld id="{35DC4E4B-0D24-40EC-A85F-674D5CAE1E49}" type="slidenum">
+              <a:rPr lang="en-IN" smtClean="0"/>
+              <a:t>‹#›</a:t>
+            </a:fld>
+            <a:endParaRPr lang="en-IN"/>
+          </a:p>
+        </p:txBody>
+      </p:sp>
+      <p:sp>
+        <p:nvSpPr>
+          <p:cNvPr id="20" name="TextBox 19"/>
+          <p:cNvSpPr txBox="1"/>
+          <p:nvPr/>
+        </p:nvSpPr>
+        <p:spPr>
+          <a:xfrm>
+            <a:off x="541870" y="790378"/>
+            <a:ext cx="609600" cy="584776"/>
+          </a:xfrm>
+          <a:prstGeom prst="rect">
+            <a:avLst/>
+          </a:prstGeom>
+        </p:spPr>
+        <p:txBody>
+          <a:bodyPr vert="horz" lIns="91440" tIns="45720" rIns="91440" bIns="45720" rtlCol="0" anchor="ctr">
+            <a:noAutofit/>
+          </a:bodyPr>
+          <a:lstStyle/>
+          <a:p>
+            <a:pPr lvl="0"/>
+            <a:r>
+              <a:rPr lang="en-US" sz="8000" baseline="0" dirty="0">
+                <a:ln w="3175" cmpd="sng">
+                  <a:noFill/>
+                </a:ln>
+                <a:solidFill>
+                  <a:schemeClr val="accent1">
+                    <a:lumMod val="60000"/>
+                    <a:lumOff val="40000"/>
+                  </a:schemeClr>
+                </a:solidFill>
+                <a:effectLst/>
+                <a:latin typeface="Arial"/>
+              </a:rPr>
+              <a:t>“</a:t>
+            </a:r>
+          </a:p>
+        </p:txBody>
+      </p:sp>
+      <p:sp>
+        <p:nvSpPr>
+          <p:cNvPr id="22" name="TextBox 21"/>
+          <p:cNvSpPr txBox="1"/>
+          <p:nvPr/>
+        </p:nvSpPr>
+        <p:spPr>
+          <a:xfrm>
+            <a:off x="8893011" y="2886556"/>
+            <a:ext cx="609600" cy="584776"/>
+          </a:xfrm>
+          <a:prstGeom prst="rect">
+            <a:avLst/>
+          </a:prstGeom>
+        </p:spPr>
+        <p:txBody>
+          <a:bodyPr vert="horz" lIns="91440" tIns="45720" rIns="91440" bIns="45720" rtlCol="0" anchor="ctr">
+            <a:noAutofit/>
+          </a:bodyPr>
+          <a:lstStyle/>
+          <a:p>
+            <a:pPr lvl="0"/>
+            <a:r>
+              <a:rPr lang="en-US" sz="8000" baseline="0" dirty="0">
+                <a:ln w="3175" cmpd="sng">
+                  <a:noFill/>
+                </a:ln>
+                <a:solidFill>
+                  <a:schemeClr val="accent1">
+                    <a:lumMod val="60000"/>
+                    <a:lumOff val="40000"/>
+                  </a:schemeClr>
+                </a:solidFill>
+                <a:latin typeface="Arial"/>
+              </a:rPr>
+              <a:t>”</a:t>
+            </a:r>
+            <a:endParaRPr lang="en-US" dirty="0">
+              <a:solidFill>
+                <a:schemeClr val="accent1">
+                  <a:lumMod val="60000"/>
+                  <a:lumOff val="40000"/>
+                </a:schemeClr>
+              </a:solidFill>
+              <a:latin typeface="Arial"/>
+            </a:endParaRPr>
+          </a:p>
+        </p:txBody>
+      </p:sp>
+    </p:spTree>
+    <p:extLst>
+      <p:ext uri="{BB962C8B-B14F-4D97-AF65-F5344CB8AC3E}">
+        <p14:creationId xmlns:p14="http://schemas.microsoft.com/office/powerpoint/2010/main" val="2275009447"/>
+      </p:ext>
+    </p:extLst>
+  </p:cSld>
+  <p:clrMapOvr>
+    <a:masterClrMapping/>
+  </p:clrMapOvr>
+</p:sldLayout>
+</file>
+
+<file path=ppt/slideLayouts/slideLayout12.xml><?xml version="1.0" encoding="utf-8"?>
+<p:sldLayout xmlns:a="http://schemas.openxmlformats.org/drawingml/2006/main" xmlns:r="http://schemas.openxmlformats.org/officeDocument/2006/relationships" xmlns:p="http://schemas.openxmlformats.org/presentationml/2006/main" preserve="1">
+  <p:cSld name="Name Card">
+    <p:spTree>
+      <p:nvGrpSpPr>
+        <p:cNvPr id="1" name=""/>
+        <p:cNvGrpSpPr/>
+        <p:nvPr/>
+      </p:nvGrpSpPr>
+      <p:grpSpPr>
+        <a:xfrm>
+          <a:off x="0" y="0"/>
+          <a:ext cx="0" cy="0"/>
+          <a:chOff x="0" y="0"/>
+          <a:chExt cx="0" cy="0"/>
+        </a:xfrm>
+      </p:grpSpPr>
+      <p:sp>
+        <p:nvSpPr>
+          <p:cNvPr id="2" name="Title 1"/>
+          <p:cNvSpPr>
+            <a:spLocks noGrp="1"/>
+          </p:cNvSpPr>
+          <p:nvPr>
+            <p:ph type="title"/>
+          </p:nvPr>
+        </p:nvSpPr>
+        <p:spPr>
+          <a:xfrm>
+            <a:off x="677335" y="1931988"/>
+            <a:ext cx="8596668" cy="2595460"/>
+          </a:xfrm>
+        </p:spPr>
+        <p:txBody>
+          <a:bodyPr anchor="b">
+            <a:normAutofit/>
+          </a:bodyPr>
+          <a:lstStyle>
+            <a:lvl1pPr algn="l">
+              <a:defRPr sz="4400" b="0" cap="none"/>
+            </a:lvl1pPr>
+          </a:lstStyle>
+          <a:p>
+            <a:r>
+              <a:rPr lang="en-US" smtClean="0"/>
+              <a:t>Click to edit Master title style</a:t>
+            </a:r>
+            <a:endParaRPr lang="en-US" dirty="0"/>
+          </a:p>
+        </p:txBody>
+      </p:sp>
+      <p:sp>
+        <p:nvSpPr>
+          <p:cNvPr id="3" name="Text Placeholder 2"/>
+          <p:cNvSpPr>
+            <a:spLocks noGrp="1"/>
+          </p:cNvSpPr>
+          <p:nvPr>
+            <p:ph type="body" idx="1"/>
+          </p:nvPr>
+        </p:nvSpPr>
+        <p:spPr>
+          <a:xfrm>
+            <a:off x="677335" y="4527448"/>
+            <a:ext cx="8596668" cy="1513914"/>
+          </a:xfrm>
+        </p:spPr>
+        <p:txBody>
+          <a:bodyPr anchor="t">
+            <a:normAutofit/>
+          </a:bodyPr>
+          <a:lstStyle>
+            <a:lvl1pPr marL="0" indent="0" algn="l">
+              <a:buNone/>
+              <a:defRPr sz="1800">
+                <a:solidFill>
+                  <a:schemeClr val="tx1">
+                    <a:lumMod val="75000"/>
+                    <a:lumOff val="25000"/>
+                  </a:schemeClr>
+                </a:solidFill>
+              </a:defRPr>
+            </a:lvl1pPr>
+            <a:lvl2pPr marL="457200" indent="0">
+              <a:buNone/>
+              <a:defRPr sz="1800">
+                <a:solidFill>
+                  <a:schemeClr val="tx1">
+                    <a:tint val="75000"/>
+                  </a:schemeClr>
+                </a:solidFill>
+              </a:defRPr>
+            </a:lvl2pPr>
+            <a:lvl3pPr marL="914400" indent="0">
+              <a:buNone/>
+              <a:defRPr sz="1600">
+                <a:solidFill>
+                  <a:schemeClr val="tx1">
+                    <a:tint val="75000"/>
+                  </a:schemeClr>
+                </a:solidFill>
+              </a:defRPr>
+            </a:lvl3pPr>
+            <a:lvl4pPr marL="1371600" indent="0">
+              <a:buNone/>
+              <a:defRPr sz="1400">
+                <a:solidFill>
+                  <a:schemeClr val="tx1">
+                    <a:tint val="75000"/>
+                  </a:schemeClr>
+                </a:solidFill>
+              </a:defRPr>
+            </a:lvl4pPr>
+            <a:lvl5pPr marL="1828800" indent="0">
+              <a:buNone/>
+              <a:defRPr sz="1400">
+                <a:solidFill>
+                  <a:schemeClr val="tx1">
+                    <a:tint val="75000"/>
+                  </a:schemeClr>
+                </a:solidFill>
+              </a:defRPr>
+            </a:lvl5pPr>
+            <a:lvl6pPr marL="2286000" indent="0">
+              <a:buNone/>
+              <a:defRPr sz="1400">
+                <a:solidFill>
+                  <a:schemeClr val="tx1">
+                    <a:tint val="75000"/>
+                  </a:schemeClr>
+                </a:solidFill>
+              </a:defRPr>
+            </a:lvl6pPr>
+            <a:lvl7pPr marL="2743200" indent="0">
+              <a:buNone/>
+              <a:defRPr sz="1400">
+                <a:solidFill>
+                  <a:schemeClr val="tx1">
+                    <a:tint val="75000"/>
+                  </a:schemeClr>
+                </a:solidFill>
+              </a:defRPr>
+            </a:lvl7pPr>
+            <a:lvl8pPr marL="3200400" indent="0">
+              <a:buNone/>
+              <a:defRPr sz="1400">
+                <a:solidFill>
+                  <a:schemeClr val="tx1">
+                    <a:tint val="75000"/>
+                  </a:schemeClr>
+                </a:solidFill>
+              </a:defRPr>
+            </a:lvl8pPr>
+            <a:lvl9pPr marL="3657600" indent="0">
+              <a:buNone/>
+              <a:defRPr sz="1400">
+                <a:solidFill>
+                  <a:schemeClr val="tx1">
+                    <a:tint val="75000"/>
+                  </a:schemeClr>
+                </a:solidFill>
+              </a:defRPr>
+            </a:lvl9pPr>
+          </a:lstStyle>
+          <a:p>
+            <a:pPr lvl="0"/>
+            <a:r>
+              <a:rPr lang="en-US" smtClean="0"/>
+              <a:t>Click to edit Master text styles</a:t>
+            </a:r>
+          </a:p>
+        </p:txBody>
+      </p:sp>
+      <p:sp>
+        <p:nvSpPr>
+          <p:cNvPr id="4" name="Date Placeholder 3"/>
+          <p:cNvSpPr>
+            <a:spLocks noGrp="1"/>
+          </p:cNvSpPr>
+          <p:nvPr>
+            <p:ph type="dt" sz="half" idx="10"/>
+          </p:nvPr>
+        </p:nvSpPr>
+        <p:spPr/>
+        <p:txBody>
+          <a:bodyPr/>
+          <a:lstStyle/>
+          <a:p>
+            <a:fld id="{A27DF4BB-5277-4EF6-9A1A-B2A682537D62}" type="datetimeFigureOut">
+              <a:rPr lang="en-IN" smtClean="0"/>
+              <a:t>05-05-2022</a:t>
+            </a:fld>
+            <a:endParaRPr lang="en-IN"/>
+          </a:p>
+        </p:txBody>
+      </p:sp>
+      <p:sp>
+        <p:nvSpPr>
+          <p:cNvPr id="5" name="Footer Placeholder 4"/>
+          <p:cNvSpPr>
+            <a:spLocks noGrp="1"/>
+          </p:cNvSpPr>
+          <p:nvPr>
+            <p:ph type="ftr" sz="quarter" idx="11"/>
+          </p:nvPr>
+        </p:nvSpPr>
+        <p:spPr/>
+        <p:txBody>
+          <a:bodyPr/>
+          <a:lstStyle/>
+          <a:p>
+            <a:endParaRPr lang="en-IN"/>
+          </a:p>
+        </p:txBody>
+      </p:sp>
+      <p:sp>
+        <p:nvSpPr>
+          <p:cNvPr id="6" name="Slide Number Placeholder 5"/>
+          <p:cNvSpPr>
+            <a:spLocks noGrp="1"/>
+          </p:cNvSpPr>
+          <p:nvPr>
+            <p:ph type="sldNum" sz="quarter" idx="12"/>
+          </p:nvPr>
+        </p:nvSpPr>
+        <p:spPr/>
+        <p:txBody>
+          <a:bodyPr/>
+          <a:lstStyle/>
+          <a:p>
+            <a:fld id="{35DC4E4B-0D24-40EC-A85F-674D5CAE1E49}" type="slidenum">
+              <a:rPr lang="en-IN" smtClean="0"/>
+              <a:t>‹#›</a:t>
+            </a:fld>
+            <a:endParaRPr lang="en-IN"/>
+          </a:p>
+        </p:txBody>
+      </p:sp>
+    </p:spTree>
+    <p:extLst>
+      <p:ext uri="{BB962C8B-B14F-4D97-AF65-F5344CB8AC3E}">
+        <p14:creationId xmlns:p14="http://schemas.microsoft.com/office/powerpoint/2010/main" val="1540381448"/>
+      </p:ext>
+    </p:extLst>
+  </p:cSld>
+  <p:clrMapOvr>
+    <a:masterClrMapping/>
+  </p:clrMapOvr>
+</p:sldLayout>
+</file>
+
+<file path=ppt/slideLayouts/slideLayout13.xml><?xml version="1.0" encoding="utf-8"?>
+<p:sldLayout xmlns:a="http://schemas.openxmlformats.org/drawingml/2006/main" xmlns:r="http://schemas.openxmlformats.org/officeDocument/2006/relationships" xmlns:p="http://schemas.openxmlformats.org/presentationml/2006/main" preserve="1">
+  <p:cSld name="Quote Name Card">
+    <p:spTree>
+      <p:nvGrpSpPr>
+        <p:cNvPr id="1" name=""/>
+        <p:cNvGrpSpPr/>
+        <p:nvPr/>
+      </p:nvGrpSpPr>
+      <p:grpSpPr>
+        <a:xfrm>
+          <a:off x="0" y="0"/>
+          <a:ext cx="0" cy="0"/>
+          <a:chOff x="0" y="0"/>
+          <a:chExt cx="0" cy="0"/>
+        </a:xfrm>
+      </p:grpSpPr>
+      <p:sp>
+        <p:nvSpPr>
+          <p:cNvPr id="2" name="Title 1"/>
+          <p:cNvSpPr>
+            <a:spLocks noGrp="1"/>
+          </p:cNvSpPr>
+          <p:nvPr>
+            <p:ph type="title"/>
+          </p:nvPr>
+        </p:nvSpPr>
+        <p:spPr>
+          <a:xfrm>
+            <a:off x="931334" y="609600"/>
+            <a:ext cx="8094134" cy="3022600"/>
+          </a:xfrm>
+        </p:spPr>
+        <p:txBody>
+          <a:bodyPr anchor="ctr">
+            <a:normAutofit/>
+          </a:bodyPr>
+          <a:lstStyle>
+            <a:lvl1pPr algn="l">
+              <a:defRPr sz="4400" b="0" cap="none"/>
+            </a:lvl1pPr>
+          </a:lstStyle>
+          <a:p>
+            <a:r>
+              <a:rPr lang="en-US" smtClean="0"/>
+              <a:t>Click to edit Master title style</a:t>
+            </a:r>
+            <a:endParaRPr lang="en-US" dirty="0"/>
+          </a:p>
+        </p:txBody>
+      </p:sp>
+      <p:sp>
+        <p:nvSpPr>
+          <p:cNvPr id="23" name="Text Placeholder 9"/>
+          <p:cNvSpPr>
+            <a:spLocks noGrp="1"/>
+          </p:cNvSpPr>
+          <p:nvPr>
+            <p:ph type="body" sz="quarter" idx="13"/>
+          </p:nvPr>
+        </p:nvSpPr>
+        <p:spPr>
+          <a:xfrm>
+            <a:off x="677332" y="4013200"/>
+            <a:ext cx="8596669" cy="514248"/>
+          </a:xfrm>
+        </p:spPr>
+        <p:txBody>
+          <a:bodyPr anchor="b">
+            <a:noAutofit/>
+          </a:bodyPr>
+          <a:lstStyle>
+            <a:lvl1pPr marL="0" indent="0">
+              <a:buFontTx/>
+              <a:buNone/>
+              <a:defRPr sz="2400">
+                <a:solidFill>
+                  <a:schemeClr val="tx1">
+                    <a:lumMod val="75000"/>
+                    <a:lumOff val="25000"/>
+                  </a:schemeClr>
+                </a:solidFill>
+              </a:defRPr>
+            </a:lvl1pPr>
+            <a:lvl2pPr marL="457200" indent="0">
+              <a:buFontTx/>
+              <a:buNone/>
+              <a:defRPr/>
+            </a:lvl2pPr>
+            <a:lvl3pPr marL="914400" indent="0">
+              <a:buFontTx/>
+              <a:buNone/>
+              <a:defRPr/>
+            </a:lvl3pPr>
+            <a:lvl4pPr marL="1371600" indent="0">
+              <a:buFontTx/>
+              <a:buNone/>
+              <a:defRPr/>
+            </a:lvl4pPr>
+            <a:lvl5pPr marL="1828800" indent="0">
+              <a:buFontTx/>
+              <a:buNone/>
+              <a:defRPr/>
+            </a:lvl5pPr>
+          </a:lstStyle>
+          <a:p>
+            <a:pPr lvl="0"/>
+            <a:r>
+              <a:rPr lang="en-US" smtClean="0"/>
+              <a:t>Click to edit Master text styles</a:t>
+            </a:r>
+          </a:p>
+        </p:txBody>
+      </p:sp>
+      <p:sp>
+        <p:nvSpPr>
+          <p:cNvPr id="3" name="Text Placeholder 2"/>
+          <p:cNvSpPr>
+            <a:spLocks noGrp="1"/>
+          </p:cNvSpPr>
+          <p:nvPr>
+            <p:ph type="body" idx="1"/>
+          </p:nvPr>
+        </p:nvSpPr>
+        <p:spPr>
+          <a:xfrm>
+            <a:off x="677335" y="4527448"/>
+            <a:ext cx="8596668" cy="1513914"/>
+          </a:xfrm>
+        </p:spPr>
+        <p:txBody>
+          <a:bodyPr anchor="t">
+            <a:normAutofit/>
+          </a:bodyPr>
+          <a:lstStyle>
+            <a:lvl1pPr marL="0" indent="0" algn="l">
+              <a:buNone/>
+              <a:defRPr sz="1800">
+                <a:solidFill>
+                  <a:schemeClr val="tx1">
+                    <a:lumMod val="50000"/>
+                    <a:lumOff val="50000"/>
+                  </a:schemeClr>
+                </a:solidFill>
+              </a:defRPr>
+            </a:lvl1pPr>
+            <a:lvl2pPr marL="457200" indent="0">
+              <a:buNone/>
+              <a:defRPr sz="1800">
+                <a:solidFill>
+                  <a:schemeClr val="tx1">
+                    <a:tint val="75000"/>
+                  </a:schemeClr>
+                </a:solidFill>
+              </a:defRPr>
+            </a:lvl2pPr>
+            <a:lvl3pPr marL="914400" indent="0">
+              <a:buNone/>
+              <a:defRPr sz="1600">
+                <a:solidFill>
+                  <a:schemeClr val="tx1">
+                    <a:tint val="75000"/>
+                  </a:schemeClr>
+                </a:solidFill>
+              </a:defRPr>
+            </a:lvl3pPr>
+            <a:lvl4pPr marL="1371600" indent="0">
+              <a:buNone/>
+              <a:defRPr sz="1400">
+                <a:solidFill>
+                  <a:schemeClr val="tx1">
+                    <a:tint val="75000"/>
+                  </a:schemeClr>
+                </a:solidFill>
+              </a:defRPr>
+            </a:lvl4pPr>
+            <a:lvl5pPr marL="1828800" indent="0">
+              <a:buNone/>
+              <a:defRPr sz="1400">
+                <a:solidFill>
+                  <a:schemeClr val="tx1">
+                    <a:tint val="75000"/>
+                  </a:schemeClr>
+                </a:solidFill>
+              </a:defRPr>
+            </a:lvl5pPr>
+            <a:lvl6pPr marL="2286000" indent="0">
+              <a:buNone/>
+              <a:defRPr sz="1400">
+                <a:solidFill>
+                  <a:schemeClr val="tx1">
+                    <a:tint val="75000"/>
+                  </a:schemeClr>
+                </a:solidFill>
+              </a:defRPr>
+            </a:lvl6pPr>
+            <a:lvl7pPr marL="2743200" indent="0">
+              <a:buNone/>
+              <a:defRPr sz="1400">
+                <a:solidFill>
+                  <a:schemeClr val="tx1">
+                    <a:tint val="75000"/>
+                  </a:schemeClr>
+                </a:solidFill>
+              </a:defRPr>
+            </a:lvl7pPr>
+            <a:lvl8pPr marL="3200400" indent="0">
+              <a:buNone/>
+              <a:defRPr sz="1400">
+                <a:solidFill>
+                  <a:schemeClr val="tx1">
+                    <a:tint val="75000"/>
+                  </a:schemeClr>
+                </a:solidFill>
+              </a:defRPr>
+            </a:lvl8pPr>
+            <a:lvl9pPr marL="3657600" indent="0">
+              <a:buNone/>
+              <a:defRPr sz="1400">
+                <a:solidFill>
+                  <a:schemeClr val="tx1">
+                    <a:tint val="75000"/>
+                  </a:schemeClr>
+                </a:solidFill>
+              </a:defRPr>
+            </a:lvl9pPr>
+          </a:lstStyle>
+          <a:p>
+            <a:pPr lvl="0"/>
+            <a:r>
+              <a:rPr lang="en-US" smtClean="0"/>
+              <a:t>Click to edit Master text styles</a:t>
+            </a:r>
+          </a:p>
+        </p:txBody>
+      </p:sp>
+      <p:sp>
+        <p:nvSpPr>
+          <p:cNvPr id="4" name="Date Placeholder 3"/>
+          <p:cNvSpPr>
+            <a:spLocks noGrp="1"/>
+          </p:cNvSpPr>
+          <p:nvPr>
+            <p:ph type="dt" sz="half" idx="10"/>
+          </p:nvPr>
+        </p:nvSpPr>
+        <p:spPr/>
+        <p:txBody>
+          <a:bodyPr/>
+          <a:lstStyle/>
+          <a:p>
+            <a:fld id="{A27DF4BB-5277-4EF6-9A1A-B2A682537D62}" type="datetimeFigureOut">
+              <a:rPr lang="en-IN" smtClean="0"/>
+              <a:t>05-05-2022</a:t>
+            </a:fld>
+            <a:endParaRPr lang="en-IN"/>
+          </a:p>
+        </p:txBody>
+      </p:sp>
+      <p:sp>
+        <p:nvSpPr>
+          <p:cNvPr id="5" name="Footer Placeholder 4"/>
+          <p:cNvSpPr>
+            <a:spLocks noGrp="1"/>
+          </p:cNvSpPr>
+          <p:nvPr>
+            <p:ph type="ftr" sz="quarter" idx="11"/>
+          </p:nvPr>
+        </p:nvSpPr>
+        <p:spPr/>
+        <p:txBody>
+          <a:bodyPr/>
+          <a:lstStyle/>
+          <a:p>
+            <a:endParaRPr lang="en-IN"/>
+          </a:p>
+        </p:txBody>
+      </p:sp>
+      <p:sp>
+        <p:nvSpPr>
+          <p:cNvPr id="6" name="Slide Number Placeholder 5"/>
+          <p:cNvSpPr>
+            <a:spLocks noGrp="1"/>
+          </p:cNvSpPr>
+          <p:nvPr>
+            <p:ph type="sldNum" sz="quarter" idx="12"/>
+          </p:nvPr>
+        </p:nvSpPr>
+        <p:spPr/>
+        <p:txBody>
+          <a:bodyPr/>
+          <a:lstStyle/>
+          <a:p>
+            <a:fld id="{35DC4E4B-0D24-40EC-A85F-674D5CAE1E49}" type="slidenum">
+              <a:rPr lang="en-IN" smtClean="0"/>
+              <a:t>‹#›</a:t>
+            </a:fld>
+            <a:endParaRPr lang="en-IN"/>
+          </a:p>
+        </p:txBody>
+      </p:sp>
+      <p:sp>
+        <p:nvSpPr>
+          <p:cNvPr id="24" name="TextBox 23"/>
+          <p:cNvSpPr txBox="1"/>
+          <p:nvPr/>
+        </p:nvSpPr>
+        <p:spPr>
+          <a:xfrm>
+            <a:off x="541870" y="790378"/>
+            <a:ext cx="609600" cy="584776"/>
+          </a:xfrm>
+          <a:prstGeom prst="rect">
+            <a:avLst/>
+          </a:prstGeom>
+        </p:spPr>
+        <p:txBody>
+          <a:bodyPr vert="horz" lIns="91440" tIns="45720" rIns="91440" bIns="45720" rtlCol="0" anchor="ctr">
+            <a:noAutofit/>
+          </a:bodyPr>
+          <a:lstStyle/>
+          <a:p>
+            <a:pPr lvl="0"/>
+            <a:r>
+              <a:rPr lang="en-US" sz="8000" baseline="0" dirty="0">
+                <a:ln w="3175" cmpd="sng">
+                  <a:noFill/>
+                </a:ln>
+                <a:solidFill>
+                  <a:schemeClr val="accent1">
+                    <a:lumMod val="60000"/>
+                    <a:lumOff val="40000"/>
+                  </a:schemeClr>
+                </a:solidFill>
+                <a:effectLst/>
+                <a:latin typeface="Arial"/>
+              </a:rPr>
+              <a:t>“</a:t>
+            </a:r>
+          </a:p>
+        </p:txBody>
+      </p:sp>
+      <p:sp>
+        <p:nvSpPr>
+          <p:cNvPr id="25" name="TextBox 24"/>
+          <p:cNvSpPr txBox="1"/>
+          <p:nvPr/>
+        </p:nvSpPr>
+        <p:spPr>
+          <a:xfrm>
+            <a:off x="8893011" y="2886556"/>
+            <a:ext cx="609600" cy="584776"/>
+          </a:xfrm>
+          <a:prstGeom prst="rect">
+            <a:avLst/>
+          </a:prstGeom>
+        </p:spPr>
+        <p:txBody>
+          <a:bodyPr vert="horz" lIns="91440" tIns="45720" rIns="91440" bIns="45720" rtlCol="0" anchor="ctr">
+            <a:noAutofit/>
+          </a:bodyPr>
+          <a:lstStyle/>
+          <a:p>
+            <a:pPr lvl="0"/>
+            <a:r>
+              <a:rPr lang="en-US" sz="8000" baseline="0" dirty="0">
+                <a:ln w="3175" cmpd="sng">
+                  <a:noFill/>
+                </a:ln>
+                <a:solidFill>
+                  <a:schemeClr val="accent1">
+                    <a:lumMod val="60000"/>
+                    <a:lumOff val="40000"/>
+                  </a:schemeClr>
+                </a:solidFill>
+                <a:effectLst/>
+                <a:latin typeface="Arial"/>
+              </a:rPr>
+              <a:t>”</a:t>
+            </a:r>
+          </a:p>
+        </p:txBody>
+      </p:sp>
+    </p:spTree>
+    <p:extLst>
+      <p:ext uri="{BB962C8B-B14F-4D97-AF65-F5344CB8AC3E}">
+        <p14:creationId xmlns:p14="http://schemas.microsoft.com/office/powerpoint/2010/main" val="2185845219"/>
+      </p:ext>
+    </p:extLst>
+  </p:cSld>
+  <p:clrMapOvr>
+    <a:masterClrMapping/>
+  </p:clrMapOvr>
+</p:sldLayout>
+</file>
+
+<file path=ppt/slideLayouts/slideLayout14.xml><?xml version="1.0" encoding="utf-8"?>
+<p:sldLayout xmlns:a="http://schemas.openxmlformats.org/drawingml/2006/main" xmlns:r="http://schemas.openxmlformats.org/officeDocument/2006/relationships" xmlns:p="http://schemas.openxmlformats.org/presentationml/2006/main" preserve="1">
+  <p:cSld name="True or False">
+    <p:spTree>
+      <p:nvGrpSpPr>
+        <p:cNvPr id="1" name=""/>
+        <p:cNvGrpSpPr/>
+        <p:nvPr/>
+      </p:nvGrpSpPr>
+      <p:grpSpPr>
+        <a:xfrm>
+          <a:off x="0" y="0"/>
+          <a:ext cx="0" cy="0"/>
+          <a:chOff x="0" y="0"/>
+          <a:chExt cx="0" cy="0"/>
+        </a:xfrm>
+      </p:grpSpPr>
+      <p:sp>
+        <p:nvSpPr>
+          <p:cNvPr id="2" name="Title 1"/>
+          <p:cNvSpPr>
+            <a:spLocks noGrp="1"/>
+          </p:cNvSpPr>
+          <p:nvPr>
+            <p:ph type="title"/>
+          </p:nvPr>
+        </p:nvSpPr>
+        <p:spPr>
+          <a:xfrm>
+            <a:off x="685799" y="609600"/>
+            <a:ext cx="8588203" cy="3022600"/>
+          </a:xfrm>
+        </p:spPr>
+        <p:txBody>
+          <a:bodyPr anchor="ctr">
+            <a:normAutofit/>
+          </a:bodyPr>
+          <a:lstStyle>
+            <a:lvl1pPr algn="l">
+              <a:defRPr sz="4400" b="0" cap="none"/>
+            </a:lvl1pPr>
+          </a:lstStyle>
+          <a:p>
+            <a:r>
+              <a:rPr lang="en-US" smtClean="0"/>
+              <a:t>Click to edit Master title style</a:t>
+            </a:r>
+            <a:endParaRPr lang="en-US" dirty="0"/>
+          </a:p>
+        </p:txBody>
+      </p:sp>
+      <p:sp>
+        <p:nvSpPr>
+          <p:cNvPr id="23" name="Text Placeholder 9"/>
+          <p:cNvSpPr>
+            <a:spLocks noGrp="1"/>
+          </p:cNvSpPr>
+          <p:nvPr>
+            <p:ph type="body" sz="quarter" idx="13"/>
+          </p:nvPr>
+        </p:nvSpPr>
+        <p:spPr>
+          <a:xfrm>
+            <a:off x="677332" y="4013200"/>
+            <a:ext cx="8596669" cy="514248"/>
+          </a:xfrm>
+        </p:spPr>
+        <p:txBody>
+          <a:bodyPr anchor="b">
+            <a:noAutofit/>
+          </a:bodyPr>
+          <a:lstStyle>
+            <a:lvl1pPr marL="0" indent="0">
+              <a:buFontTx/>
+              <a:buNone/>
+              <a:defRPr sz="2400">
+                <a:solidFill>
+                  <a:schemeClr val="accent1"/>
+                </a:solidFill>
+              </a:defRPr>
+            </a:lvl1pPr>
+            <a:lvl2pPr marL="457200" indent="0">
+              <a:buFontTx/>
+              <a:buNone/>
+              <a:defRPr/>
+            </a:lvl2pPr>
+            <a:lvl3pPr marL="914400" indent="0">
+              <a:buFontTx/>
+              <a:buNone/>
+              <a:defRPr/>
+            </a:lvl3pPr>
+            <a:lvl4pPr marL="1371600" indent="0">
+              <a:buFontTx/>
+              <a:buNone/>
+              <a:defRPr/>
+            </a:lvl4pPr>
+            <a:lvl5pPr marL="1828800" indent="0">
+              <a:buFontTx/>
+              <a:buNone/>
+              <a:defRPr/>
+            </a:lvl5pPr>
+          </a:lstStyle>
+          <a:p>
+            <a:pPr lvl="0"/>
+            <a:r>
+              <a:rPr lang="en-US" smtClean="0"/>
+              <a:t>Click to edit Master text styles</a:t>
+            </a:r>
+          </a:p>
+        </p:txBody>
+      </p:sp>
+      <p:sp>
+        <p:nvSpPr>
+          <p:cNvPr id="3" name="Text Placeholder 2"/>
+          <p:cNvSpPr>
+            <a:spLocks noGrp="1"/>
+          </p:cNvSpPr>
+          <p:nvPr>
+            <p:ph type="body" idx="1"/>
+          </p:nvPr>
+        </p:nvSpPr>
+        <p:spPr>
+          <a:xfrm>
+            <a:off x="677335" y="4527448"/>
+            <a:ext cx="8596668" cy="1513914"/>
+          </a:xfrm>
+        </p:spPr>
+        <p:txBody>
+          <a:bodyPr anchor="t">
+            <a:normAutofit/>
+          </a:bodyPr>
+          <a:lstStyle>
+            <a:lvl1pPr marL="0" indent="0" algn="l">
+              <a:buNone/>
+              <a:defRPr sz="1800">
+                <a:solidFill>
+                  <a:schemeClr val="tx1">
+                    <a:lumMod val="50000"/>
+                    <a:lumOff val="50000"/>
+                  </a:schemeClr>
+                </a:solidFill>
+              </a:defRPr>
+            </a:lvl1pPr>
+            <a:lvl2pPr marL="457200" indent="0">
+              <a:buNone/>
+              <a:defRPr sz="1800">
+                <a:solidFill>
+                  <a:schemeClr val="tx1">
+                    <a:tint val="75000"/>
+                  </a:schemeClr>
+                </a:solidFill>
+              </a:defRPr>
+            </a:lvl2pPr>
+            <a:lvl3pPr marL="914400" indent="0">
+              <a:buNone/>
+              <a:defRPr sz="1600">
+                <a:solidFill>
+                  <a:schemeClr val="tx1">
+                    <a:tint val="75000"/>
+                  </a:schemeClr>
+                </a:solidFill>
+              </a:defRPr>
+            </a:lvl3pPr>
+            <a:lvl4pPr marL="1371600" indent="0">
+              <a:buNone/>
+              <a:defRPr sz="1400">
+                <a:solidFill>
+                  <a:schemeClr val="tx1">
+                    <a:tint val="75000"/>
+                  </a:schemeClr>
+                </a:solidFill>
+              </a:defRPr>
+            </a:lvl4pPr>
+            <a:lvl5pPr marL="1828800" indent="0">
+              <a:buNone/>
+              <a:defRPr sz="1400">
+                <a:solidFill>
+                  <a:schemeClr val="tx1">
+                    <a:tint val="75000"/>
+                  </a:schemeClr>
+                </a:solidFill>
+              </a:defRPr>
+            </a:lvl5pPr>
+            <a:lvl6pPr marL="2286000" indent="0">
+              <a:buNone/>
+              <a:defRPr sz="1400">
+                <a:solidFill>
+                  <a:schemeClr val="tx1">
+                    <a:tint val="75000"/>
+                  </a:schemeClr>
+                </a:solidFill>
+              </a:defRPr>
+            </a:lvl6pPr>
+            <a:lvl7pPr marL="2743200" indent="0">
+              <a:buNone/>
+              <a:defRPr sz="1400">
+                <a:solidFill>
+                  <a:schemeClr val="tx1">
+                    <a:tint val="75000"/>
+                  </a:schemeClr>
+                </a:solidFill>
+              </a:defRPr>
+            </a:lvl7pPr>
+            <a:lvl8pPr marL="3200400" indent="0">
+              <a:buNone/>
+              <a:defRPr sz="1400">
+                <a:solidFill>
+                  <a:schemeClr val="tx1">
+                    <a:tint val="75000"/>
+                  </a:schemeClr>
+                </a:solidFill>
+              </a:defRPr>
+            </a:lvl8pPr>
+            <a:lvl9pPr marL="3657600" indent="0">
+              <a:buNone/>
+              <a:defRPr sz="1400">
+                <a:solidFill>
+                  <a:schemeClr val="tx1">
+                    <a:tint val="75000"/>
+                  </a:schemeClr>
+                </a:solidFill>
+              </a:defRPr>
+            </a:lvl9pPr>
+          </a:lstStyle>
+          <a:p>
+            <a:pPr lvl="0"/>
+            <a:r>
+              <a:rPr lang="en-US" smtClean="0"/>
+              <a:t>Click to edit Master text styles</a:t>
+            </a:r>
+          </a:p>
+        </p:txBody>
+      </p:sp>
+      <p:sp>
+        <p:nvSpPr>
+          <p:cNvPr id="4" name="Date Placeholder 3"/>
+          <p:cNvSpPr>
+            <a:spLocks noGrp="1"/>
+          </p:cNvSpPr>
+          <p:nvPr>
+            <p:ph type="dt" sz="half" idx="10"/>
+          </p:nvPr>
+        </p:nvSpPr>
+        <p:spPr/>
+        <p:txBody>
+          <a:bodyPr/>
+          <a:lstStyle/>
+          <a:p>
+            <a:fld id="{A27DF4BB-5277-4EF6-9A1A-B2A682537D62}" type="datetimeFigureOut">
+              <a:rPr lang="en-IN" smtClean="0"/>
+              <a:t>05-05-2022</a:t>
+            </a:fld>
+            <a:endParaRPr lang="en-IN"/>
+          </a:p>
+        </p:txBody>
+      </p:sp>
+      <p:sp>
+        <p:nvSpPr>
+          <p:cNvPr id="5" name="Footer Placeholder 4"/>
+          <p:cNvSpPr>
+            <a:spLocks noGrp="1"/>
+          </p:cNvSpPr>
+          <p:nvPr>
+            <p:ph type="ftr" sz="quarter" idx="11"/>
+          </p:nvPr>
+        </p:nvSpPr>
+        <p:spPr/>
+        <p:txBody>
+          <a:bodyPr/>
+          <a:lstStyle/>
+          <a:p>
+            <a:endParaRPr lang="en-IN"/>
+          </a:p>
+        </p:txBody>
+      </p:sp>
+      <p:sp>
+        <p:nvSpPr>
+          <p:cNvPr id="6" name="Slide Number Placeholder 5"/>
+          <p:cNvSpPr>
+            <a:spLocks noGrp="1"/>
+          </p:cNvSpPr>
+          <p:nvPr>
+            <p:ph type="sldNum" sz="quarter" idx="12"/>
+          </p:nvPr>
+        </p:nvSpPr>
+        <p:spPr/>
+        <p:txBody>
+          <a:bodyPr/>
+          <a:lstStyle/>
+          <a:p>
+            <a:fld id="{35DC4E4B-0D24-40EC-A85F-674D5CAE1E49}" type="slidenum">
+              <a:rPr lang="en-IN" smtClean="0"/>
+              <a:t>‹#›</a:t>
+            </a:fld>
+            <a:endParaRPr lang="en-IN"/>
+          </a:p>
+        </p:txBody>
+      </p:sp>
+    </p:spTree>
+    <p:extLst>
+      <p:ext uri="{BB962C8B-B14F-4D97-AF65-F5344CB8AC3E}">
+        <p14:creationId xmlns:p14="http://schemas.microsoft.com/office/powerpoint/2010/main" val="2460389382"/>
+      </p:ext>
+    </p:extLst>
+  </p:cSld>
+  <p:clrMapOvr>
+    <a:masterClrMapping/>
+  </p:clrMapOvr>
+</p:sldLayout>
+</file>
+
+<file path=ppt/slideLayouts/slideLayout15.xml><?xml version="1.0" encoding="utf-8"?>
 <p:sldLayout xmlns:a="http://schemas.openxmlformats.org/drawingml/2006/main" xmlns:r="http://schemas.openxmlformats.org/officeDocument/2006/relationships" xmlns:p="http://schemas.openxmlformats.org/presentationml/2006/main" type="vertTx" preserve="1">
   <p:cSld name="Title and Vertical Text">
     <p:spTree>
@@ -347,7 +3073,7 @@
               <a:rPr lang="en-US" smtClean="0"/>
               <a:t>Click to edit Master title style</a:t>
             </a:r>
-            <a:endParaRPr lang="en-IN"/>
+            <a:endParaRPr lang="en-US" dirty="0"/>
           </a:p>
         </p:txBody>
       </p:sp>
@@ -399,7 +3125,7 @@
               <a:rPr lang="en-US" smtClean="0"/>
               <a:t>Fifth level</a:t>
             </a:r>
-            <a:endParaRPr lang="en-IN"/>
+            <a:endParaRPr lang="en-US" dirty="0"/>
           </a:p>
         </p:txBody>
       </p:sp>
@@ -420,7 +3146,7 @@
           <a:p>
             <a:fld id="{A27DF4BB-5277-4EF6-9A1A-B2A682537D62}" type="datetimeFigureOut">
               <a:rPr lang="en-IN" smtClean="0"/>
-              <a:t>01-05-2022</a:t>
+              <a:t>05-05-2022</a:t>
             </a:fld>
             <a:endParaRPr lang="en-IN"/>
           </a:p>
@@ -471,7 +3197,7 @@
     </p:spTree>
     <p:extLst>
       <p:ext uri="{BB962C8B-B14F-4D97-AF65-F5344CB8AC3E}">
-        <p14:creationId xmlns:p14="http://schemas.microsoft.com/office/powerpoint/2010/main" val="3683849086"/>
+        <p14:creationId xmlns:p14="http://schemas.microsoft.com/office/powerpoint/2010/main" val="363941166"/>
       </p:ext>
     </p:extLst>
   </p:cSld>
@@ -481,7 +3207,7 @@
 </p:sldLayout>
 </file>
 
-<file path=ppt/slideLayouts/slideLayout11.xml><?xml version="1.0" encoding="utf-8"?>
+<file path=ppt/slideLayouts/slideLayout16.xml><?xml version="1.0" encoding="utf-8"?>
 <p:sldLayout xmlns:a="http://schemas.openxmlformats.org/drawingml/2006/main" xmlns:r="http://schemas.openxmlformats.org/officeDocument/2006/relationships" xmlns:p="http://schemas.openxmlformats.org/presentationml/2006/main" type="vertTitleAndTx" preserve="1">
   <p:cSld name="Vertical Title and Text">
     <p:spTree>
@@ -510,19 +3236,19 @@
         </p:nvSpPr>
         <p:spPr>
           <a:xfrm>
-            <a:off x="8724900" y="365125"/>
-            <a:ext cx="2628900" cy="5811838"/>
+            <a:off x="7967673" y="609599"/>
+            <a:ext cx="1304743" cy="5251451"/>
           </a:xfrm>
         </p:spPr>
         <p:txBody>
-          <a:bodyPr vert="eaVert"/>
+          <a:bodyPr vert="eaVert" anchor="ctr"/>
           <a:lstStyle/>
           <a:p>
             <a:r>
               <a:rPr lang="en-US" smtClean="0"/>
               <a:t>Click to edit Master title style</a:t>
             </a:r>
-            <a:endParaRPr lang="en-IN"/>
+            <a:endParaRPr lang="en-US" dirty="0"/>
           </a:p>
         </p:txBody>
       </p:sp>
@@ -538,8 +3264,8 @@
         </p:nvSpPr>
         <p:spPr>
           <a:xfrm>
-            <a:off x="838200" y="365125"/>
-            <a:ext cx="7734300" cy="5811838"/>
+            <a:off x="677335" y="609600"/>
+            <a:ext cx="7060150" cy="5251450"/>
           </a:xfrm>
         </p:spPr>
         <p:txBody>
@@ -579,7 +3305,7 @@
               <a:rPr lang="en-US" smtClean="0"/>
               <a:t>Fifth level</a:t>
             </a:r>
-            <a:endParaRPr lang="en-IN"/>
+            <a:endParaRPr lang="en-US" dirty="0"/>
           </a:p>
         </p:txBody>
       </p:sp>
@@ -600,7 +3326,7 @@
           <a:p>
             <a:fld id="{A27DF4BB-5277-4EF6-9A1A-B2A682537D62}" type="datetimeFigureOut">
               <a:rPr lang="en-IN" smtClean="0"/>
-              <a:t>01-05-2022</a:t>
+              <a:t>05-05-2022</a:t>
             </a:fld>
             <a:endParaRPr lang="en-IN"/>
           </a:p>
@@ -651,7 +3377,7 @@
     </p:spTree>
     <p:extLst>
       <p:ext uri="{BB962C8B-B14F-4D97-AF65-F5344CB8AC3E}">
-        <p14:creationId xmlns:p14="http://schemas.microsoft.com/office/powerpoint/2010/main" val="3356828995"/>
+        <p14:creationId xmlns:p14="http://schemas.microsoft.com/office/powerpoint/2010/main" val="3891000150"/>
       </p:ext>
     </p:extLst>
   </p:cSld>
@@ -690,14 +3416,20 @@
         </p:nvSpPr>
         <p:spPr/>
         <p:txBody>
-          <a:bodyPr/>
-          <a:lstStyle/>
+          <a:bodyPr>
+            <a:normAutofit/>
+          </a:bodyPr>
+          <a:lstStyle>
+            <a:lvl1pPr>
+              <a:defRPr sz="3600"/>
+            </a:lvl1pPr>
+          </a:lstStyle>
           <a:p>
             <a:r>
               <a:rPr lang="en-US" smtClean="0"/>
               <a:t>Click to edit Master title style</a:t>
             </a:r>
-            <a:endParaRPr lang="en-IN"/>
+            <a:endParaRPr lang="en-US" dirty="0"/>
           </a:p>
         </p:txBody>
       </p:sp>
@@ -749,7 +3481,7 @@
               <a:rPr lang="en-US" smtClean="0"/>
               <a:t>Fifth level</a:t>
             </a:r>
-            <a:endParaRPr lang="en-IN"/>
+            <a:endParaRPr lang="en-US" dirty="0"/>
           </a:p>
         </p:txBody>
       </p:sp>
@@ -770,7 +3502,7 @@
           <a:p>
             <a:fld id="{A27DF4BB-5277-4EF6-9A1A-B2A682537D62}" type="datetimeFigureOut">
               <a:rPr lang="en-IN" smtClean="0"/>
-              <a:t>01-05-2022</a:t>
+              <a:t>05-05-2022</a:t>
             </a:fld>
             <a:endParaRPr lang="en-IN"/>
           </a:p>
@@ -821,7 +3553,7 @@
     </p:spTree>
     <p:extLst>
       <p:ext uri="{BB962C8B-B14F-4D97-AF65-F5344CB8AC3E}">
-        <p14:creationId xmlns:p14="http://schemas.microsoft.com/office/powerpoint/2010/main" val="1160577939"/>
+        <p14:creationId xmlns:p14="http://schemas.microsoft.com/office/powerpoint/2010/main" val="1167763704"/>
       </p:ext>
     </p:extLst>
   </p:cSld>
@@ -860,15 +3592,15 @@
         </p:nvSpPr>
         <p:spPr>
           <a:xfrm>
-            <a:off x="831850" y="1709738"/>
-            <a:ext cx="10515600" cy="2852737"/>
+            <a:off x="677335" y="2700867"/>
+            <a:ext cx="8596668" cy="1826581"/>
           </a:xfrm>
         </p:spPr>
         <p:txBody>
           <a:bodyPr anchor="b"/>
           <a:lstStyle>
-            <a:lvl1pPr>
-              <a:defRPr sz="6000"/>
+            <a:lvl1pPr algn="l">
+              <a:defRPr sz="4000" b="0" cap="none"/>
             </a:lvl1pPr>
           </a:lstStyle>
           <a:p>
@@ -876,7 +3608,7 @@
               <a:rPr lang="en-US" smtClean="0"/>
               <a:t>Click to edit Master title style</a:t>
             </a:r>
-            <a:endParaRPr lang="en-IN"/>
+            <a:endParaRPr lang="en-US" dirty="0"/>
           </a:p>
         </p:txBody>
       </p:sp>
@@ -892,26 +3624,27 @@
         </p:nvSpPr>
         <p:spPr>
           <a:xfrm>
-            <a:off x="831850" y="4589463"/>
-            <a:ext cx="10515600" cy="1500187"/>
+            <a:off x="677335" y="4527448"/>
+            <a:ext cx="8596668" cy="860400"/>
           </a:xfrm>
         </p:spPr>
         <p:txBody>
-          <a:bodyPr/>
+          <a:bodyPr anchor="t"/>
           <a:lstStyle>
-            <a:lvl1pPr marL="0" indent="0">
-              <a:buNone/>
-              <a:defRPr sz="2400">
+            <a:lvl1pPr marL="0" indent="0" algn="l">
+              <a:buNone/>
+              <a:defRPr sz="2000">
                 <a:solidFill>
                   <a:schemeClr val="tx1">
-                    <a:tint val="75000"/>
+                    <a:lumMod val="50000"/>
+                    <a:lumOff val="50000"/>
                   </a:schemeClr>
                 </a:solidFill>
               </a:defRPr>
             </a:lvl1pPr>
             <a:lvl2pPr marL="457200" indent="0">
               <a:buNone/>
-              <a:defRPr sz="2000">
+              <a:defRPr sz="1800">
                 <a:solidFill>
                   <a:schemeClr val="tx1">
                     <a:tint val="75000"/>
@@ -921,7 +3654,7 @@
             </a:lvl2pPr>
             <a:lvl3pPr marL="914400" indent="0">
               <a:buNone/>
-              <a:defRPr sz="1800">
+              <a:defRPr sz="1600">
                 <a:solidFill>
                   <a:schemeClr val="tx1">
                     <a:tint val="75000"/>
@@ -931,7 +3664,7 @@
             </a:lvl3pPr>
             <a:lvl4pPr marL="1371600" indent="0">
               <a:buNone/>
-              <a:defRPr sz="1600">
+              <a:defRPr sz="1400">
                 <a:solidFill>
                   <a:schemeClr val="tx1">
                     <a:tint val="75000"/>
@@ -941,7 +3674,7 @@
             </a:lvl4pPr>
             <a:lvl5pPr marL="1828800" indent="0">
               <a:buNone/>
-              <a:defRPr sz="1600">
+              <a:defRPr sz="1400">
                 <a:solidFill>
                   <a:schemeClr val="tx1">
                     <a:tint val="75000"/>
@@ -951,7 +3684,7 @@
             </a:lvl5pPr>
             <a:lvl6pPr marL="2286000" indent="0">
               <a:buNone/>
-              <a:defRPr sz="1600">
+              <a:defRPr sz="1400">
                 <a:solidFill>
                   <a:schemeClr val="tx1">
                     <a:tint val="75000"/>
@@ -961,7 +3694,7 @@
             </a:lvl6pPr>
             <a:lvl7pPr marL="2743200" indent="0">
               <a:buNone/>
-              <a:defRPr sz="1600">
+              <a:defRPr sz="1400">
                 <a:solidFill>
                   <a:schemeClr val="tx1">
                     <a:tint val="75000"/>
@@ -971,7 +3704,7 @@
             </a:lvl7pPr>
             <a:lvl8pPr marL="3200400" indent="0">
               <a:buNone/>
-              <a:defRPr sz="1600">
+              <a:defRPr sz="1400">
                 <a:solidFill>
                   <a:schemeClr val="tx1">
                     <a:tint val="75000"/>
@@ -981,7 +3714,7 @@
             </a:lvl8pPr>
             <a:lvl9pPr marL="3657600" indent="0">
               <a:buNone/>
-              <a:defRPr sz="1600">
+              <a:defRPr sz="1400">
                 <a:solidFill>
                   <a:schemeClr val="tx1">
                     <a:tint val="75000"/>
@@ -1016,7 +3749,7 @@
           <a:p>
             <a:fld id="{A27DF4BB-5277-4EF6-9A1A-B2A682537D62}" type="datetimeFigureOut">
               <a:rPr lang="en-IN" smtClean="0"/>
-              <a:t>01-05-2022</a:t>
+              <a:t>05-05-2022</a:t>
             </a:fld>
             <a:endParaRPr lang="en-IN"/>
           </a:p>
@@ -1067,7 +3800,7 @@
     </p:spTree>
     <p:extLst>
       <p:ext uri="{BB962C8B-B14F-4D97-AF65-F5344CB8AC3E}">
-        <p14:creationId xmlns:p14="http://schemas.microsoft.com/office/powerpoint/2010/main" val="3556043978"/>
+        <p14:creationId xmlns:p14="http://schemas.microsoft.com/office/powerpoint/2010/main" val="3116860366"/>
       </p:ext>
     </p:extLst>
   </p:cSld>
@@ -1113,7 +3846,7 @@
               <a:rPr lang="en-US" smtClean="0"/>
               <a:t>Click to edit Master title style</a:t>
             </a:r>
-            <a:endParaRPr lang="en-IN"/>
+            <a:endParaRPr lang="en-US" dirty="0"/>
           </a:p>
         </p:txBody>
       </p:sp>
@@ -1129,8 +3862,8 @@
         </p:nvSpPr>
         <p:spPr>
           <a:xfrm>
-            <a:off x="838200" y="1825625"/>
-            <a:ext cx="5181600" cy="4351338"/>
+            <a:off x="677334" y="2160589"/>
+            <a:ext cx="4184035" cy="3880772"/>
           </a:xfrm>
         </p:spPr>
         <p:txBody>
@@ -1170,7 +3903,7 @@
               <a:rPr lang="en-US" smtClean="0"/>
               <a:t>Fifth level</a:t>
             </a:r>
-            <a:endParaRPr lang="en-IN"/>
+            <a:endParaRPr lang="en-US" dirty="0"/>
           </a:p>
         </p:txBody>
       </p:sp>
@@ -1186,8 +3919,8 @@
         </p:nvSpPr>
         <p:spPr>
           <a:xfrm>
-            <a:off x="6172200" y="1825625"/>
-            <a:ext cx="5181600" cy="4351338"/>
+            <a:off x="5089970" y="2160589"/>
+            <a:ext cx="4184034" cy="3880773"/>
           </a:xfrm>
         </p:spPr>
         <p:txBody>
@@ -1227,7 +3960,7 @@
               <a:rPr lang="en-US" smtClean="0"/>
               <a:t>Fifth level</a:t>
             </a:r>
-            <a:endParaRPr lang="en-IN"/>
+            <a:endParaRPr lang="en-US" dirty="0"/>
           </a:p>
         </p:txBody>
       </p:sp>
@@ -1248,7 +3981,7 @@
           <a:p>
             <a:fld id="{A27DF4BB-5277-4EF6-9A1A-B2A682537D62}" type="datetimeFigureOut">
               <a:rPr lang="en-IN" smtClean="0"/>
-              <a:t>01-05-2022</a:t>
+              <a:t>05-05-2022</a:t>
             </a:fld>
             <a:endParaRPr lang="en-IN"/>
           </a:p>
@@ -1299,7 +4032,7 @@
     </p:spTree>
     <p:extLst>
       <p:ext uri="{BB962C8B-B14F-4D97-AF65-F5344CB8AC3E}">
-        <p14:creationId xmlns:p14="http://schemas.microsoft.com/office/powerpoint/2010/main" val="1122873492"/>
+        <p14:creationId xmlns:p14="http://schemas.microsoft.com/office/powerpoint/2010/main" val="3325410392"/>
       </p:ext>
     </p:extLst>
   </p:cSld>
@@ -1336,21 +4069,20 @@
             <p:ph type="title"/>
           </p:nvPr>
         </p:nvSpPr>
-        <p:spPr>
-          <a:xfrm>
-            <a:off x="839788" y="365125"/>
-            <a:ext cx="10515600" cy="1325563"/>
-          </a:xfrm>
-        </p:spPr>
+        <p:spPr/>
         <p:txBody>
           <a:bodyPr/>
-          <a:lstStyle/>
+          <a:lstStyle>
+            <a:lvl1pPr>
+              <a:defRPr/>
+            </a:lvl1pPr>
+          </a:lstStyle>
           <a:p>
             <a:r>
               <a:rPr lang="en-US" smtClean="0"/>
               <a:t>Click to edit Master title style</a:t>
             </a:r>
-            <a:endParaRPr lang="en-IN"/>
+            <a:endParaRPr lang="en-US" dirty="0"/>
           </a:p>
         </p:txBody>
       </p:sp>
@@ -1366,16 +4098,18 @@
         </p:nvSpPr>
         <p:spPr>
           <a:xfrm>
-            <a:off x="839788" y="1681163"/>
-            <a:ext cx="5157787" cy="823912"/>
+            <a:off x="675745" y="2160983"/>
+            <a:ext cx="4185623" cy="576262"/>
           </a:xfrm>
         </p:spPr>
         <p:txBody>
-          <a:bodyPr anchor="b"/>
+          <a:bodyPr anchor="b">
+            <a:noAutofit/>
+          </a:bodyPr>
           <a:lstStyle>
             <a:lvl1pPr marL="0" indent="0">
               <a:buNone/>
-              <a:defRPr sz="2400" b="1"/>
+              <a:defRPr sz="2400" b="0"/>
             </a:lvl1pPr>
             <a:lvl2pPr marL="457200" indent="0">
               <a:buNone/>
@@ -1431,12 +4165,14 @@
         </p:nvSpPr>
         <p:spPr>
           <a:xfrm>
-            <a:off x="839788" y="2505075"/>
-            <a:ext cx="5157787" cy="3684588"/>
+            <a:off x="675745" y="2737245"/>
+            <a:ext cx="4185623" cy="3304117"/>
           </a:xfrm>
         </p:spPr>
         <p:txBody>
-          <a:bodyPr/>
+          <a:bodyPr>
+            <a:normAutofit/>
+          </a:bodyPr>
           <a:lstStyle/>
           <a:p>
             <a:pPr lvl="0"/>
@@ -1472,7 +4208,7 @@
               <a:rPr lang="en-US" smtClean="0"/>
               <a:t>Fifth level</a:t>
             </a:r>
-            <a:endParaRPr lang="en-IN"/>
+            <a:endParaRPr lang="en-US" dirty="0"/>
           </a:p>
         </p:txBody>
       </p:sp>
@@ -1488,16 +4224,18 @@
         </p:nvSpPr>
         <p:spPr>
           <a:xfrm>
-            <a:off x="6172200" y="1681163"/>
-            <a:ext cx="5183188" cy="823912"/>
+            <a:off x="5088383" y="2160983"/>
+            <a:ext cx="4185618" cy="576262"/>
           </a:xfrm>
         </p:spPr>
         <p:txBody>
-          <a:bodyPr anchor="b"/>
+          <a:bodyPr anchor="b">
+            <a:noAutofit/>
+          </a:bodyPr>
           <a:lstStyle>
             <a:lvl1pPr marL="0" indent="0">
               <a:buNone/>
-              <a:defRPr sz="2400" b="1"/>
+              <a:defRPr sz="2400" b="0"/>
             </a:lvl1pPr>
             <a:lvl2pPr marL="457200" indent="0">
               <a:buNone/>
@@ -1553,12 +4291,14 @@
         </p:nvSpPr>
         <p:spPr>
           <a:xfrm>
-            <a:off x="6172200" y="2505075"/>
-            <a:ext cx="5183188" cy="3684588"/>
+            <a:off x="5088384" y="2737245"/>
+            <a:ext cx="4185617" cy="3304117"/>
           </a:xfrm>
         </p:spPr>
         <p:txBody>
-          <a:bodyPr/>
+          <a:bodyPr>
+            <a:normAutofit/>
+          </a:bodyPr>
           <a:lstStyle/>
           <a:p>
             <a:pPr lvl="0"/>
@@ -1594,7 +4334,7 @@
               <a:rPr lang="en-US" smtClean="0"/>
               <a:t>Fifth level</a:t>
             </a:r>
-            <a:endParaRPr lang="en-IN"/>
+            <a:endParaRPr lang="en-US" dirty="0"/>
           </a:p>
         </p:txBody>
       </p:sp>
@@ -1615,7 +4355,7 @@
           <a:p>
             <a:fld id="{A27DF4BB-5277-4EF6-9A1A-B2A682537D62}" type="datetimeFigureOut">
               <a:rPr lang="en-IN" smtClean="0"/>
-              <a:t>01-05-2022</a:t>
+              <a:t>05-05-2022</a:t>
             </a:fld>
             <a:endParaRPr lang="en-IN"/>
           </a:p>
@@ -1666,7 +4406,7 @@
     </p:spTree>
     <p:extLst>
       <p:ext uri="{BB962C8B-B14F-4D97-AF65-F5344CB8AC3E}">
-        <p14:creationId xmlns:p14="http://schemas.microsoft.com/office/powerpoint/2010/main" val="1619807472"/>
+        <p14:creationId xmlns:p14="http://schemas.microsoft.com/office/powerpoint/2010/main" val="2858762343"/>
       </p:ext>
     </p:extLst>
   </p:cSld>
@@ -1703,7 +4443,12 @@
             <p:ph type="title"/>
           </p:nvPr>
         </p:nvSpPr>
-        <p:spPr/>
+        <p:spPr>
+          <a:xfrm>
+            <a:off x="677334" y="609600"/>
+            <a:ext cx="8596668" cy="1320800"/>
+          </a:xfrm>
+        </p:spPr>
         <p:txBody>
           <a:bodyPr/>
           <a:lstStyle/>
@@ -1712,7 +4457,7 @@
               <a:rPr lang="en-US" smtClean="0"/>
               <a:t>Click to edit Master title style</a:t>
             </a:r>
-            <a:endParaRPr lang="en-IN"/>
+            <a:endParaRPr lang="en-US" dirty="0"/>
           </a:p>
         </p:txBody>
       </p:sp>
@@ -1733,7 +4478,7 @@
           <a:p>
             <a:fld id="{A27DF4BB-5277-4EF6-9A1A-B2A682537D62}" type="datetimeFigureOut">
               <a:rPr lang="en-IN" smtClean="0"/>
-              <a:t>01-05-2022</a:t>
+              <a:t>05-05-2022</a:t>
             </a:fld>
             <a:endParaRPr lang="en-IN"/>
           </a:p>
@@ -1784,7 +4529,7 @@
     </p:spTree>
     <p:extLst>
       <p:ext uri="{BB962C8B-B14F-4D97-AF65-F5344CB8AC3E}">
-        <p14:creationId xmlns:p14="http://schemas.microsoft.com/office/powerpoint/2010/main" val="2053070808"/>
+        <p14:creationId xmlns:p14="http://schemas.microsoft.com/office/powerpoint/2010/main" val="3842941904"/>
       </p:ext>
     </p:extLst>
   </p:cSld>
@@ -1828,7 +4573,7 @@
           <a:p>
             <a:fld id="{A27DF4BB-5277-4EF6-9A1A-B2A682537D62}" type="datetimeFigureOut">
               <a:rPr lang="en-IN" smtClean="0"/>
-              <a:t>01-05-2022</a:t>
+              <a:t>05-05-2022</a:t>
             </a:fld>
             <a:endParaRPr lang="en-IN"/>
           </a:p>
@@ -1879,7 +4624,7 @@
     </p:spTree>
     <p:extLst>
       <p:ext uri="{BB962C8B-B14F-4D97-AF65-F5344CB8AC3E}">
-        <p14:creationId xmlns:p14="http://schemas.microsoft.com/office/powerpoint/2010/main" val="737178244"/>
+        <p14:creationId xmlns:p14="http://schemas.microsoft.com/office/powerpoint/2010/main" val="3560937796"/>
       </p:ext>
     </p:extLst>
   </p:cSld>
@@ -1918,15 +4663,17 @@
         </p:nvSpPr>
         <p:spPr>
           <a:xfrm>
-            <a:off x="839788" y="457200"/>
-            <a:ext cx="3932237" cy="1600200"/>
+            <a:off x="677334" y="1498604"/>
+            <a:ext cx="3854528" cy="1278466"/>
           </a:xfrm>
         </p:spPr>
         <p:txBody>
-          <a:bodyPr anchor="b"/>
+          <a:bodyPr anchor="b">
+            <a:normAutofit/>
+          </a:bodyPr>
           <a:lstStyle>
             <a:lvl1pPr>
-              <a:defRPr sz="3200"/>
+              <a:defRPr sz="2000"/>
             </a:lvl1pPr>
           </a:lstStyle>
           <a:p>
@@ -1934,7 +4681,7 @@
               <a:rPr lang="en-US" smtClean="0"/>
               <a:t>Click to edit Master title style</a:t>
             </a:r>
-            <a:endParaRPr lang="en-IN"/>
+            <a:endParaRPr lang="en-US" dirty="0"/>
           </a:p>
         </p:txBody>
       </p:sp>
@@ -1950,41 +4697,15 @@
         </p:nvSpPr>
         <p:spPr>
           <a:xfrm>
-            <a:off x="5183188" y="987425"/>
-            <a:ext cx="6172200" cy="4873625"/>
+            <a:off x="4760461" y="514924"/>
+            <a:ext cx="4513541" cy="5526437"/>
           </a:xfrm>
         </p:spPr>
         <p:txBody>
-          <a:bodyPr/>
-          <a:lstStyle>
-            <a:lvl1pPr>
-              <a:defRPr sz="3200"/>
-            </a:lvl1pPr>
-            <a:lvl2pPr>
-              <a:defRPr sz="2800"/>
-            </a:lvl2pPr>
-            <a:lvl3pPr>
-              <a:defRPr sz="2400"/>
-            </a:lvl3pPr>
-            <a:lvl4pPr>
-              <a:defRPr sz="2000"/>
-            </a:lvl4pPr>
-            <a:lvl5pPr>
-              <a:defRPr sz="2000"/>
-            </a:lvl5pPr>
-            <a:lvl6pPr>
-              <a:defRPr sz="2000"/>
-            </a:lvl6pPr>
-            <a:lvl7pPr>
-              <a:defRPr sz="2000"/>
-            </a:lvl7pPr>
-            <a:lvl8pPr>
-              <a:defRPr sz="2000"/>
-            </a:lvl8pPr>
-            <a:lvl9pPr>
-              <a:defRPr sz="2000"/>
-            </a:lvl9pPr>
-          </a:lstStyle>
+          <a:bodyPr>
+            <a:normAutofit/>
+          </a:bodyPr>
+          <a:lstStyle/>
           <a:p>
             <a:pPr lvl="0"/>
             <a:r>
@@ -2019,7 +4740,7 @@
               <a:rPr lang="en-US" smtClean="0"/>
               <a:t>Fifth level</a:t>
             </a:r>
-            <a:endParaRPr lang="en-IN"/>
+            <a:endParaRPr lang="en-US" dirty="0"/>
           </a:p>
         </p:txBody>
       </p:sp>
@@ -2035,46 +4756,48 @@
         </p:nvSpPr>
         <p:spPr>
           <a:xfrm>
-            <a:off x="839788" y="2057400"/>
-            <a:ext cx="3932237" cy="3811588"/>
+            <a:off x="677334" y="2777069"/>
+            <a:ext cx="3854528" cy="2584449"/>
           </a:xfrm>
         </p:spPr>
         <p:txBody>
-          <a:bodyPr/>
+          <a:bodyPr>
+            <a:normAutofit/>
+          </a:bodyPr>
           <a:lstStyle>
             <a:lvl1pPr marL="0" indent="0">
               <a:buNone/>
-              <a:defRPr sz="1600"/>
+              <a:defRPr sz="1400"/>
             </a:lvl1pPr>
-            <a:lvl2pPr marL="457200" indent="0">
+            <a:lvl2pPr marL="457063" indent="0">
               <a:buNone/>
               <a:defRPr sz="1400"/>
             </a:lvl2pPr>
-            <a:lvl3pPr marL="914400" indent="0">
+            <a:lvl3pPr marL="914126" indent="0">
               <a:buNone/>
               <a:defRPr sz="1200"/>
             </a:lvl3pPr>
-            <a:lvl4pPr marL="1371600" indent="0">
+            <a:lvl4pPr marL="1371189" indent="0">
               <a:buNone/>
               <a:defRPr sz="1000"/>
             </a:lvl4pPr>
-            <a:lvl5pPr marL="1828800" indent="0">
+            <a:lvl5pPr marL="1828251" indent="0">
               <a:buNone/>
               <a:defRPr sz="1000"/>
             </a:lvl5pPr>
-            <a:lvl6pPr marL="2286000" indent="0">
+            <a:lvl6pPr marL="2285314" indent="0">
               <a:buNone/>
               <a:defRPr sz="1000"/>
             </a:lvl6pPr>
-            <a:lvl7pPr marL="2743200" indent="0">
+            <a:lvl7pPr marL="2742377" indent="0">
               <a:buNone/>
               <a:defRPr sz="1000"/>
             </a:lvl7pPr>
-            <a:lvl8pPr marL="3200400" indent="0">
+            <a:lvl8pPr marL="3199440" indent="0">
               <a:buNone/>
               <a:defRPr sz="1000"/>
             </a:lvl8pPr>
-            <a:lvl9pPr marL="3657600" indent="0">
+            <a:lvl9pPr marL="3656503" indent="0">
               <a:buNone/>
               <a:defRPr sz="1000"/>
             </a:lvl9pPr>
@@ -2105,7 +4828,7 @@
           <a:p>
             <a:fld id="{A27DF4BB-5277-4EF6-9A1A-B2A682537D62}" type="datetimeFigureOut">
               <a:rPr lang="en-IN" smtClean="0"/>
-              <a:t>01-05-2022</a:t>
+              <a:t>05-05-2022</a:t>
             </a:fld>
             <a:endParaRPr lang="en-IN"/>
           </a:p>
@@ -2156,7 +4879,7 @@
     </p:spTree>
     <p:extLst>
       <p:ext uri="{BB962C8B-B14F-4D97-AF65-F5344CB8AC3E}">
-        <p14:creationId xmlns:p14="http://schemas.microsoft.com/office/powerpoint/2010/main" val="82144376"/>
+        <p14:creationId xmlns:p14="http://schemas.microsoft.com/office/powerpoint/2010/main" val="3120769822"/>
       </p:ext>
     </p:extLst>
   </p:cSld>
@@ -2195,15 +4918,17 @@
         </p:nvSpPr>
         <p:spPr>
           <a:xfrm>
-            <a:off x="839788" y="457200"/>
-            <a:ext cx="3932237" cy="1600200"/>
+            <a:off x="677334" y="4800600"/>
+            <a:ext cx="8596667" cy="566738"/>
           </a:xfrm>
         </p:spPr>
         <p:txBody>
-          <a:bodyPr anchor="b"/>
+          <a:bodyPr anchor="b">
+            <a:normAutofit/>
+          </a:bodyPr>
           <a:lstStyle>
-            <a:lvl1pPr>
-              <a:defRPr sz="3200"/>
+            <a:lvl1pPr algn="l">
+              <a:defRPr sz="2400" b="0"/>
             </a:lvl1pPr>
           </a:lstStyle>
           <a:p>
@@ -2211,7 +4936,7 @@
               <a:rPr lang="en-US" smtClean="0"/>
               <a:t>Click to edit Master title style</a:t>
             </a:r>
-            <a:endParaRPr lang="en-IN"/>
+            <a:endParaRPr lang="en-US" dirty="0"/>
           </a:p>
         </p:txBody>
       </p:sp>
@@ -2219,7 +4944,7 @@
         <p:nvSpPr>
           <p:cNvPr id="3" name="Picture Placeholder 2"/>
           <p:cNvSpPr>
-            <a:spLocks noGrp="1"/>
+            <a:spLocks noGrp="1" noChangeAspect="1"/>
           </p:cNvSpPr>
           <p:nvPr>
             <p:ph type="pic" idx="1"/>
@@ -2227,52 +4952,58 @@
         </p:nvSpPr>
         <p:spPr>
           <a:xfrm>
-            <a:off x="5183188" y="987425"/>
-            <a:ext cx="6172200" cy="4873625"/>
+            <a:off x="677334" y="609600"/>
+            <a:ext cx="8596668" cy="3845718"/>
           </a:xfrm>
         </p:spPr>
         <p:txBody>
-          <a:bodyPr/>
+          <a:bodyPr anchor="t">
+            <a:normAutofit/>
+          </a:bodyPr>
           <a:lstStyle>
-            <a:lvl1pPr marL="0" indent="0">
-              <a:buNone/>
-              <a:defRPr sz="3200"/>
+            <a:lvl1pPr marL="0" indent="0" algn="ctr">
+              <a:buNone/>
+              <a:defRPr sz="1600"/>
             </a:lvl1pPr>
             <a:lvl2pPr marL="457200" indent="0">
               <a:buNone/>
-              <a:defRPr sz="2800"/>
+              <a:defRPr sz="1600"/>
             </a:lvl2pPr>
             <a:lvl3pPr marL="914400" indent="0">
               <a:buNone/>
-              <a:defRPr sz="2400"/>
+              <a:defRPr sz="1600"/>
             </a:lvl3pPr>
             <a:lvl4pPr marL="1371600" indent="0">
               <a:buNone/>
-              <a:defRPr sz="2000"/>
+              <a:defRPr sz="1600"/>
             </a:lvl4pPr>
             <a:lvl5pPr marL="1828800" indent="0">
               <a:buNone/>
-              <a:defRPr sz="2000"/>
+              <a:defRPr sz="1600"/>
             </a:lvl5pPr>
             <a:lvl6pPr marL="2286000" indent="0">
               <a:buNone/>
-              <a:defRPr sz="2000"/>
+              <a:defRPr sz="1600"/>
             </a:lvl6pPr>
             <a:lvl7pPr marL="2743200" indent="0">
               <a:buNone/>
-              <a:defRPr sz="2000"/>
+              <a:defRPr sz="1600"/>
             </a:lvl7pPr>
             <a:lvl8pPr marL="3200400" indent="0">
               <a:buNone/>
-              <a:defRPr sz="2000"/>
+              <a:defRPr sz="1600"/>
             </a:lvl8pPr>
             <a:lvl9pPr marL="3657600" indent="0">
               <a:buNone/>
-              <a:defRPr sz="2000"/>
+              <a:defRPr sz="1600"/>
             </a:lvl9pPr>
           </a:lstStyle>
           <a:p>
-            <a:endParaRPr lang="en-IN"/>
+            <a:r>
+              <a:rPr lang="en-US" smtClean="0"/>
+              <a:t>Click icon to add picture</a:t>
+            </a:r>
+            <a:endParaRPr lang="en-US" dirty="0"/>
           </a:p>
         </p:txBody>
       </p:sp>
@@ -2288,48 +5019,50 @@
         </p:nvSpPr>
         <p:spPr>
           <a:xfrm>
-            <a:off x="839788" y="2057400"/>
-            <a:ext cx="3932237" cy="3811588"/>
+            <a:off x="677334" y="5367338"/>
+            <a:ext cx="8596667" cy="674024"/>
           </a:xfrm>
         </p:spPr>
         <p:txBody>
-          <a:bodyPr/>
+          <a:bodyPr>
+            <a:normAutofit/>
+          </a:bodyPr>
           <a:lstStyle>
             <a:lvl1pPr marL="0" indent="0">
               <a:buNone/>
-              <a:defRPr sz="1600"/>
+              <a:defRPr sz="1200"/>
             </a:lvl1pPr>
             <a:lvl2pPr marL="457200" indent="0">
               <a:buNone/>
-              <a:defRPr sz="1400"/>
+              <a:defRPr sz="1200"/>
             </a:lvl2pPr>
             <a:lvl3pPr marL="914400" indent="0">
               <a:buNone/>
-              <a:defRPr sz="1200"/>
+              <a:defRPr sz="1000"/>
             </a:lvl3pPr>
             <a:lvl4pPr marL="1371600" indent="0">
               <a:buNone/>
-              <a:defRPr sz="1000"/>
+              <a:defRPr sz="900"/>
             </a:lvl4pPr>
             <a:lvl5pPr marL="1828800" indent="0">
               <a:buNone/>
-              <a:defRPr sz="1000"/>
+              <a:defRPr sz="900"/>
             </a:lvl5pPr>
             <a:lvl6pPr marL="2286000" indent="0">
               <a:buNone/>
-              <a:defRPr sz="1000"/>
+              <a:defRPr sz="900"/>
             </a:lvl6pPr>
             <a:lvl7pPr marL="2743200" indent="0">
               <a:buNone/>
-              <a:defRPr sz="1000"/>
+              <a:defRPr sz="900"/>
             </a:lvl7pPr>
             <a:lvl8pPr marL="3200400" indent="0">
               <a:buNone/>
-              <a:defRPr sz="1000"/>
+              <a:defRPr sz="900"/>
             </a:lvl8pPr>
             <a:lvl9pPr marL="3657600" indent="0">
               <a:buNone/>
-              <a:defRPr sz="1000"/>
+              <a:defRPr sz="900"/>
             </a:lvl9pPr>
           </a:lstStyle>
           <a:p>
@@ -2358,7 +5091,7 @@
           <a:p>
             <a:fld id="{A27DF4BB-5277-4EF6-9A1A-B2A682537D62}" type="datetimeFigureOut">
               <a:rPr lang="en-IN" smtClean="0"/>
-              <a:t>01-05-2022</a:t>
+              <a:t>05-05-2022</a:t>
             </a:fld>
             <a:endParaRPr lang="en-IN"/>
           </a:p>
@@ -2409,7 +5142,7 @@
     </p:spTree>
     <p:extLst>
       <p:ext uri="{BB962C8B-B14F-4D97-AF65-F5344CB8AC3E}">
-        <p14:creationId xmlns:p14="http://schemas.microsoft.com/office/powerpoint/2010/main" val="4127768962"/>
+        <p14:creationId xmlns:p14="http://schemas.microsoft.com/office/powerpoint/2010/main" val="3642181433"/>
       </p:ext>
     </p:extLst>
   </p:cSld>
@@ -2441,6 +5174,536 @@
           <a:chExt cx="0" cy="0"/>
         </a:xfrm>
       </p:grpSpPr>
+      <p:grpSp>
+        <p:nvGrpSpPr>
+          <p:cNvPr id="7" name="Group 6"/>
+          <p:cNvGrpSpPr/>
+          <p:nvPr/>
+        </p:nvGrpSpPr>
+        <p:grpSpPr>
+          <a:xfrm>
+            <a:off x="0" y="-8467"/>
+            <a:ext cx="12192000" cy="6866467"/>
+            <a:chOff x="0" y="-8467"/>
+            <a:chExt cx="12192000" cy="6866467"/>
+          </a:xfrm>
+        </p:grpSpPr>
+        <p:cxnSp>
+          <p:nvCxnSpPr>
+            <p:cNvPr id="20" name="Straight Connector 19"/>
+            <p:cNvCxnSpPr/>
+            <p:nvPr/>
+          </p:nvCxnSpPr>
+          <p:spPr>
+            <a:xfrm>
+              <a:off x="9371012" y="0"/>
+              <a:ext cx="1219200" cy="6858000"/>
+            </a:xfrm>
+            <a:prstGeom prst="line">
+              <a:avLst/>
+            </a:prstGeom>
+            <a:ln w="9525">
+              <a:solidFill>
+                <a:schemeClr val="bg1">
+                  <a:lumMod val="75000"/>
+                </a:schemeClr>
+              </a:solidFill>
+            </a:ln>
+          </p:spPr>
+          <p:style>
+            <a:lnRef idx="2">
+              <a:schemeClr val="accent1"/>
+            </a:lnRef>
+            <a:fillRef idx="0">
+              <a:schemeClr val="accent1"/>
+            </a:fillRef>
+            <a:effectRef idx="1">
+              <a:schemeClr val="accent1"/>
+            </a:effectRef>
+            <a:fontRef idx="minor">
+              <a:schemeClr val="tx1"/>
+            </a:fontRef>
+          </p:style>
+        </p:cxnSp>
+        <p:cxnSp>
+          <p:nvCxnSpPr>
+            <p:cNvPr id="21" name="Straight Connector 20"/>
+            <p:cNvCxnSpPr/>
+            <p:nvPr/>
+          </p:nvCxnSpPr>
+          <p:spPr>
+            <a:xfrm flipH="1">
+              <a:off x="7425267" y="3681413"/>
+              <a:ext cx="4763558" cy="3176587"/>
+            </a:xfrm>
+            <a:prstGeom prst="line">
+              <a:avLst/>
+            </a:prstGeom>
+            <a:ln w="9525">
+              <a:solidFill>
+                <a:schemeClr val="bg1">
+                  <a:lumMod val="85000"/>
+                </a:schemeClr>
+              </a:solidFill>
+            </a:ln>
+          </p:spPr>
+          <p:style>
+            <a:lnRef idx="2">
+              <a:schemeClr val="accent1"/>
+            </a:lnRef>
+            <a:fillRef idx="0">
+              <a:schemeClr val="accent1"/>
+            </a:fillRef>
+            <a:effectRef idx="1">
+              <a:schemeClr val="accent1"/>
+            </a:effectRef>
+            <a:fontRef idx="minor">
+              <a:schemeClr val="tx1"/>
+            </a:fontRef>
+          </p:style>
+        </p:cxnSp>
+        <p:sp>
+          <p:nvSpPr>
+            <p:cNvPr id="22" name="Rectangle 23"/>
+            <p:cNvSpPr/>
+            <p:nvPr/>
+          </p:nvSpPr>
+          <p:spPr>
+            <a:xfrm>
+              <a:off x="9181476" y="-8467"/>
+              <a:ext cx="3007349" cy="6866467"/>
+            </a:xfrm>
+            <a:custGeom>
+              <a:avLst/>
+              <a:gdLst/>
+              <a:ahLst/>
+              <a:cxnLst/>
+              <a:rect l="l" t="t" r="r" b="b"/>
+              <a:pathLst>
+                <a:path w="3007349" h="6866467">
+                  <a:moveTo>
+                    <a:pt x="2045532" y="0"/>
+                  </a:moveTo>
+                  <a:lnTo>
+                    <a:pt x="3007349" y="0"/>
+                  </a:lnTo>
+                  <a:lnTo>
+                    <a:pt x="3007349" y="6866467"/>
+                  </a:lnTo>
+                  <a:lnTo>
+                    <a:pt x="0" y="6866467"/>
+                  </a:lnTo>
+                  <a:lnTo>
+                    <a:pt x="2045532" y="0"/>
+                  </a:lnTo>
+                  <a:close/>
+                </a:path>
+              </a:pathLst>
+            </a:custGeom>
+            <a:solidFill>
+              <a:schemeClr val="accent1">
+                <a:alpha val="30000"/>
+              </a:schemeClr>
+            </a:solidFill>
+            <a:ln>
+              <a:noFill/>
+            </a:ln>
+            <a:effectLst/>
+          </p:spPr>
+          <p:style>
+            <a:lnRef idx="1">
+              <a:schemeClr val="accent1"/>
+            </a:lnRef>
+            <a:fillRef idx="3">
+              <a:schemeClr val="accent1"/>
+            </a:fillRef>
+            <a:effectRef idx="2">
+              <a:schemeClr val="accent1"/>
+            </a:effectRef>
+            <a:fontRef idx="minor">
+              <a:schemeClr val="lt1"/>
+            </a:fontRef>
+          </p:style>
+        </p:sp>
+        <p:sp>
+          <p:nvSpPr>
+            <p:cNvPr id="23" name="Rectangle 25"/>
+            <p:cNvSpPr/>
+            <p:nvPr/>
+          </p:nvSpPr>
+          <p:spPr>
+            <a:xfrm>
+              <a:off x="9603442" y="-8467"/>
+              <a:ext cx="2588558" cy="6866467"/>
+            </a:xfrm>
+            <a:custGeom>
+              <a:avLst/>
+              <a:gdLst/>
+              <a:ahLst/>
+              <a:cxnLst/>
+              <a:rect l="l" t="t" r="r" b="b"/>
+              <a:pathLst>
+                <a:path w="2573311" h="6866467">
+                  <a:moveTo>
+                    <a:pt x="0" y="0"/>
+                  </a:moveTo>
+                  <a:lnTo>
+                    <a:pt x="2573311" y="0"/>
+                  </a:lnTo>
+                  <a:lnTo>
+                    <a:pt x="2573311" y="6866467"/>
+                  </a:lnTo>
+                  <a:lnTo>
+                    <a:pt x="1202336" y="6866467"/>
+                  </a:lnTo>
+                  <a:lnTo>
+                    <a:pt x="0" y="0"/>
+                  </a:lnTo>
+                  <a:close/>
+                </a:path>
+              </a:pathLst>
+            </a:custGeom>
+            <a:solidFill>
+              <a:schemeClr val="accent1">
+                <a:alpha val="20000"/>
+              </a:schemeClr>
+            </a:solidFill>
+            <a:ln>
+              <a:noFill/>
+            </a:ln>
+            <a:effectLst/>
+          </p:spPr>
+          <p:style>
+            <a:lnRef idx="1">
+              <a:schemeClr val="accent1"/>
+            </a:lnRef>
+            <a:fillRef idx="3">
+              <a:schemeClr val="accent1"/>
+            </a:fillRef>
+            <a:effectRef idx="2">
+              <a:schemeClr val="accent1"/>
+            </a:effectRef>
+            <a:fontRef idx="minor">
+              <a:schemeClr val="lt1"/>
+            </a:fontRef>
+          </p:style>
+        </p:sp>
+        <p:sp>
+          <p:nvSpPr>
+            <p:cNvPr id="24" name="Isosceles Triangle 23"/>
+            <p:cNvSpPr/>
+            <p:nvPr/>
+          </p:nvSpPr>
+          <p:spPr>
+            <a:xfrm>
+              <a:off x="8932333" y="3048000"/>
+              <a:ext cx="3259667" cy="3810000"/>
+            </a:xfrm>
+            <a:prstGeom prst="triangle">
+              <a:avLst>
+                <a:gd name="adj" fmla="val 100000"/>
+              </a:avLst>
+            </a:prstGeom>
+            <a:solidFill>
+              <a:schemeClr val="accent2">
+                <a:alpha val="72000"/>
+              </a:schemeClr>
+            </a:solidFill>
+            <a:ln>
+              <a:noFill/>
+            </a:ln>
+            <a:effectLst/>
+          </p:spPr>
+          <p:style>
+            <a:lnRef idx="1">
+              <a:schemeClr val="accent1"/>
+            </a:lnRef>
+            <a:fillRef idx="3">
+              <a:schemeClr val="accent1"/>
+            </a:fillRef>
+            <a:effectRef idx="2">
+              <a:schemeClr val="accent1"/>
+            </a:effectRef>
+            <a:fontRef idx="minor">
+              <a:schemeClr val="lt1"/>
+            </a:fontRef>
+          </p:style>
+        </p:sp>
+        <p:sp>
+          <p:nvSpPr>
+            <p:cNvPr id="25" name="Rectangle 27"/>
+            <p:cNvSpPr/>
+            <p:nvPr/>
+          </p:nvSpPr>
+          <p:spPr>
+            <a:xfrm>
+              <a:off x="9334500" y="-8467"/>
+              <a:ext cx="2854326" cy="6866467"/>
+            </a:xfrm>
+            <a:custGeom>
+              <a:avLst/>
+              <a:gdLst/>
+              <a:ahLst/>
+              <a:cxnLst/>
+              <a:rect l="l" t="t" r="r" b="b"/>
+              <a:pathLst>
+                <a:path w="2858013" h="6866467">
+                  <a:moveTo>
+                    <a:pt x="0" y="0"/>
+                  </a:moveTo>
+                  <a:lnTo>
+                    <a:pt x="2858013" y="0"/>
+                  </a:lnTo>
+                  <a:lnTo>
+                    <a:pt x="2858013" y="6866467"/>
+                  </a:lnTo>
+                  <a:lnTo>
+                    <a:pt x="2473942" y="6866467"/>
+                  </a:lnTo>
+                  <a:lnTo>
+                    <a:pt x="0" y="0"/>
+                  </a:lnTo>
+                  <a:close/>
+                </a:path>
+              </a:pathLst>
+            </a:custGeom>
+            <a:solidFill>
+              <a:schemeClr val="accent2">
+                <a:lumMod val="75000"/>
+                <a:alpha val="70000"/>
+              </a:schemeClr>
+            </a:solidFill>
+            <a:ln>
+              <a:noFill/>
+            </a:ln>
+            <a:effectLst/>
+          </p:spPr>
+          <p:style>
+            <a:lnRef idx="1">
+              <a:schemeClr val="accent1"/>
+            </a:lnRef>
+            <a:fillRef idx="3">
+              <a:schemeClr val="accent1"/>
+            </a:fillRef>
+            <a:effectRef idx="2">
+              <a:schemeClr val="accent1"/>
+            </a:effectRef>
+            <a:fontRef idx="minor">
+              <a:schemeClr val="lt1"/>
+            </a:fontRef>
+          </p:style>
+        </p:sp>
+        <p:sp>
+          <p:nvSpPr>
+            <p:cNvPr id="26" name="Rectangle 28"/>
+            <p:cNvSpPr/>
+            <p:nvPr/>
+          </p:nvSpPr>
+          <p:spPr>
+            <a:xfrm>
+              <a:off x="10898730" y="-8467"/>
+              <a:ext cx="1290094" cy="6866467"/>
+            </a:xfrm>
+            <a:custGeom>
+              <a:avLst/>
+              <a:gdLst/>
+              <a:ahLst/>
+              <a:cxnLst/>
+              <a:rect l="l" t="t" r="r" b="b"/>
+              <a:pathLst>
+                <a:path w="1290094" h="6858000">
+                  <a:moveTo>
+                    <a:pt x="1019735" y="0"/>
+                  </a:moveTo>
+                  <a:lnTo>
+                    <a:pt x="1290094" y="0"/>
+                  </a:lnTo>
+                  <a:lnTo>
+                    <a:pt x="1290094" y="6858000"/>
+                  </a:lnTo>
+                  <a:lnTo>
+                    <a:pt x="0" y="6858000"/>
+                  </a:lnTo>
+                  <a:lnTo>
+                    <a:pt x="1019735" y="0"/>
+                  </a:lnTo>
+                  <a:close/>
+                </a:path>
+              </a:pathLst>
+            </a:custGeom>
+            <a:solidFill>
+              <a:schemeClr val="accent1">
+                <a:lumMod val="60000"/>
+                <a:lumOff val="40000"/>
+                <a:alpha val="70000"/>
+              </a:schemeClr>
+            </a:solidFill>
+            <a:ln>
+              <a:noFill/>
+            </a:ln>
+            <a:effectLst/>
+          </p:spPr>
+          <p:style>
+            <a:lnRef idx="1">
+              <a:schemeClr val="accent1"/>
+            </a:lnRef>
+            <a:fillRef idx="3">
+              <a:schemeClr val="accent1"/>
+            </a:fillRef>
+            <a:effectRef idx="2">
+              <a:schemeClr val="accent1"/>
+            </a:effectRef>
+            <a:fontRef idx="minor">
+              <a:schemeClr val="lt1"/>
+            </a:fontRef>
+          </p:style>
+        </p:sp>
+        <p:sp>
+          <p:nvSpPr>
+            <p:cNvPr id="27" name="Rectangle 29"/>
+            <p:cNvSpPr/>
+            <p:nvPr/>
+          </p:nvSpPr>
+          <p:spPr>
+            <a:xfrm>
+              <a:off x="10938999" y="-8467"/>
+              <a:ext cx="1249825" cy="6866467"/>
+            </a:xfrm>
+            <a:custGeom>
+              <a:avLst/>
+              <a:gdLst/>
+              <a:ahLst/>
+              <a:cxnLst/>
+              <a:rect l="l" t="t" r="r" b="b"/>
+              <a:pathLst>
+                <a:path w="1249825" h="6858000">
+                  <a:moveTo>
+                    <a:pt x="0" y="0"/>
+                  </a:moveTo>
+                  <a:lnTo>
+                    <a:pt x="1249825" y="0"/>
+                  </a:lnTo>
+                  <a:lnTo>
+                    <a:pt x="1249825" y="6858000"/>
+                  </a:lnTo>
+                  <a:lnTo>
+                    <a:pt x="1109382" y="6858000"/>
+                  </a:lnTo>
+                  <a:lnTo>
+                    <a:pt x="0" y="0"/>
+                  </a:lnTo>
+                  <a:close/>
+                </a:path>
+              </a:pathLst>
+            </a:custGeom>
+            <a:solidFill>
+              <a:schemeClr val="accent1">
+                <a:alpha val="65000"/>
+              </a:schemeClr>
+            </a:solidFill>
+            <a:ln>
+              <a:noFill/>
+            </a:ln>
+            <a:effectLst/>
+          </p:spPr>
+          <p:style>
+            <a:lnRef idx="1">
+              <a:schemeClr val="accent1"/>
+            </a:lnRef>
+            <a:fillRef idx="3">
+              <a:schemeClr val="accent1"/>
+            </a:fillRef>
+            <a:effectRef idx="2">
+              <a:schemeClr val="accent1"/>
+            </a:effectRef>
+            <a:fontRef idx="minor">
+              <a:schemeClr val="lt1"/>
+            </a:fontRef>
+          </p:style>
+        </p:sp>
+        <p:sp>
+          <p:nvSpPr>
+            <p:cNvPr id="28" name="Isosceles Triangle 27"/>
+            <p:cNvSpPr/>
+            <p:nvPr/>
+          </p:nvSpPr>
+          <p:spPr>
+            <a:xfrm>
+              <a:off x="10371666" y="3589867"/>
+              <a:ext cx="1817159" cy="3268133"/>
+            </a:xfrm>
+            <a:prstGeom prst="triangle">
+              <a:avLst>
+                <a:gd name="adj" fmla="val 100000"/>
+              </a:avLst>
+            </a:prstGeom>
+            <a:solidFill>
+              <a:schemeClr val="accent1">
+                <a:alpha val="80000"/>
+              </a:schemeClr>
+            </a:solidFill>
+            <a:ln>
+              <a:noFill/>
+            </a:ln>
+            <a:effectLst/>
+          </p:spPr>
+          <p:style>
+            <a:lnRef idx="1">
+              <a:schemeClr val="accent1"/>
+            </a:lnRef>
+            <a:fillRef idx="3">
+              <a:schemeClr val="accent1"/>
+            </a:fillRef>
+            <a:effectRef idx="2">
+              <a:schemeClr val="accent1"/>
+            </a:effectRef>
+            <a:fontRef idx="minor">
+              <a:schemeClr val="lt1"/>
+            </a:fontRef>
+          </p:style>
+        </p:sp>
+        <p:sp>
+          <p:nvSpPr>
+            <p:cNvPr id="29" name="Isosceles Triangle 28"/>
+            <p:cNvSpPr/>
+            <p:nvPr/>
+          </p:nvSpPr>
+          <p:spPr>
+            <a:xfrm>
+              <a:off x="0" y="4013200"/>
+              <a:ext cx="448733" cy="2844800"/>
+            </a:xfrm>
+            <a:prstGeom prst="triangle">
+              <a:avLst>
+                <a:gd name="adj" fmla="val 0"/>
+              </a:avLst>
+            </a:prstGeom>
+            <a:solidFill>
+              <a:schemeClr val="accent1">
+                <a:alpha val="85000"/>
+              </a:schemeClr>
+            </a:solidFill>
+            <a:ln>
+              <a:noFill/>
+            </a:ln>
+            <a:effectLst/>
+          </p:spPr>
+          <p:style>
+            <a:lnRef idx="1">
+              <a:schemeClr val="accent1"/>
+            </a:lnRef>
+            <a:fillRef idx="3">
+              <a:schemeClr val="accent1"/>
+            </a:fillRef>
+            <a:effectRef idx="2">
+              <a:schemeClr val="accent1"/>
+            </a:effectRef>
+            <a:fontRef idx="minor">
+              <a:schemeClr val="lt1"/>
+            </a:fontRef>
+          </p:style>
+        </p:sp>
+      </p:grpSp>
       <p:sp>
         <p:nvSpPr>
           <p:cNvPr id="2" name="Title Placeholder 1"/>
@@ -2453,15 +5716,15 @@
         </p:nvSpPr>
         <p:spPr>
           <a:xfrm>
-            <a:off x="838200" y="365125"/>
-            <a:ext cx="10515600" cy="1325563"/>
+            <a:off x="677334" y="609600"/>
+            <a:ext cx="8596668" cy="1320800"/>
           </a:xfrm>
           <a:prstGeom prst="rect">
             <a:avLst/>
           </a:prstGeom>
         </p:spPr>
         <p:txBody>
-          <a:bodyPr vert="horz" lIns="91440" tIns="45720" rIns="91440" bIns="45720" rtlCol="0" anchor="ctr">
+          <a:bodyPr vert="horz" lIns="91440" tIns="45720" rIns="91440" bIns="45720" rtlCol="0" anchor="t">
             <a:normAutofit/>
           </a:bodyPr>
           <a:lstStyle/>
@@ -2470,7 +5733,7 @@
               <a:rPr lang="en-US" smtClean="0"/>
               <a:t>Click to edit Master title style</a:t>
             </a:r>
-            <a:endParaRPr lang="en-IN"/>
+            <a:endParaRPr lang="en-US" dirty="0"/>
           </a:p>
         </p:txBody>
       </p:sp>
@@ -2486,8 +5749,8 @@
         </p:nvSpPr>
         <p:spPr>
           <a:xfrm>
-            <a:off x="838200" y="1825625"/>
-            <a:ext cx="10515600" cy="4351338"/>
+            <a:off x="677334" y="2160589"/>
+            <a:ext cx="8596668" cy="3880773"/>
           </a:xfrm>
           <a:prstGeom prst="rect">
             <a:avLst/>
@@ -2532,7 +5795,7 @@
               <a:rPr lang="en-US" smtClean="0"/>
               <a:t>Fifth level</a:t>
             </a:r>
-            <a:endParaRPr lang="en-IN"/>
+            <a:endParaRPr lang="en-US" dirty="0"/>
           </a:p>
         </p:txBody>
       </p:sp>
@@ -2548,8 +5811,8 @@
         </p:nvSpPr>
         <p:spPr>
           <a:xfrm>
-            <a:off x="838200" y="6356350"/>
-            <a:ext cx="2743200" cy="365125"/>
+            <a:off x="7205133" y="6041362"/>
+            <a:ext cx="911939" cy="365125"/>
           </a:xfrm>
           <a:prstGeom prst="rect">
             <a:avLst/>
@@ -2558,8 +5821,8 @@
         <p:txBody>
           <a:bodyPr vert="horz" lIns="91440" tIns="45720" rIns="91440" bIns="45720" rtlCol="0" anchor="ctr"/>
           <a:lstStyle>
-            <a:lvl1pPr algn="l">
-              <a:defRPr sz="1200">
+            <a:lvl1pPr algn="r">
+              <a:defRPr sz="900">
                 <a:solidFill>
                   <a:schemeClr val="tx1">
                     <a:tint val="75000"/>
@@ -2571,7 +5834,7 @@
           <a:p>
             <a:fld id="{A27DF4BB-5277-4EF6-9A1A-B2A682537D62}" type="datetimeFigureOut">
               <a:rPr lang="en-IN" smtClean="0"/>
-              <a:t>01-05-2022</a:t>
+              <a:t>05-05-2022</a:t>
             </a:fld>
             <a:endParaRPr lang="en-IN"/>
           </a:p>
@@ -2589,8 +5852,8 @@
         </p:nvSpPr>
         <p:spPr>
           <a:xfrm>
-            <a:off x="4038600" y="6356350"/>
-            <a:ext cx="4114800" cy="365125"/>
+            <a:off x="677334" y="6041362"/>
+            <a:ext cx="6297612" cy="365125"/>
           </a:xfrm>
           <a:prstGeom prst="rect">
             <a:avLst/>
@@ -2599,8 +5862,8 @@
         <p:txBody>
           <a:bodyPr vert="horz" lIns="91440" tIns="45720" rIns="91440" bIns="45720" rtlCol="0" anchor="ctr"/>
           <a:lstStyle>
-            <a:lvl1pPr algn="ctr">
-              <a:defRPr sz="1200">
+            <a:lvl1pPr algn="l">
+              <a:defRPr sz="900">
                 <a:solidFill>
                   <a:schemeClr val="tx1">
                     <a:tint val="75000"/>
@@ -2626,8 +5889,8 @@
         </p:nvSpPr>
         <p:spPr>
           <a:xfrm>
-            <a:off x="8610600" y="6356350"/>
-            <a:ext cx="2743200" cy="365125"/>
+            <a:off x="8590663" y="6041362"/>
+            <a:ext cx="683339" cy="365125"/>
           </a:xfrm>
           <a:prstGeom prst="rect">
             <a:avLst/>
@@ -2637,11 +5900,9 @@
           <a:bodyPr vert="horz" lIns="91440" tIns="45720" rIns="91440" bIns="45720" rtlCol="0" anchor="ctr"/>
           <a:lstStyle>
             <a:lvl1pPr algn="r">
-              <a:defRPr sz="1200">
+              <a:defRPr sz="900">
                 <a:solidFill>
-                  <a:schemeClr val="tx1">
-                    <a:tint val="75000"/>
-                  </a:schemeClr>
+                  <a:schemeClr val="accent1"/>
                 </a:solidFill>
               </a:defRPr>
             </a:lvl1pPr>
@@ -2658,201 +5919,322 @@
     </p:spTree>
     <p:extLst>
       <p:ext uri="{BB962C8B-B14F-4D97-AF65-F5344CB8AC3E}">
-        <p14:creationId xmlns:p14="http://schemas.microsoft.com/office/powerpoint/2010/main" val="758545624"/>
+        <p14:creationId xmlns:p14="http://schemas.microsoft.com/office/powerpoint/2010/main" val="1527362649"/>
       </p:ext>
     </p:extLst>
   </p:cSld>
   <p:clrMap bg1="lt1" tx1="dk1" bg2="lt2" tx2="dk2" accent1="accent1" accent2="accent2" accent3="accent3" accent4="accent4" accent5="accent5" accent6="accent6" hlink="hlink" folHlink="folHlink"/>
   <p:sldLayoutIdLst>
-    <p:sldLayoutId id="2147483649" r:id="rId1"/>
-    <p:sldLayoutId id="2147483650" r:id="rId2"/>
-    <p:sldLayoutId id="2147483651" r:id="rId3"/>
-    <p:sldLayoutId id="2147483652" r:id="rId4"/>
-    <p:sldLayoutId id="2147483653" r:id="rId5"/>
-    <p:sldLayoutId id="2147483654" r:id="rId6"/>
-    <p:sldLayoutId id="2147483655" r:id="rId7"/>
-    <p:sldLayoutId id="2147483656" r:id="rId8"/>
-    <p:sldLayoutId id="2147483657" r:id="rId9"/>
-    <p:sldLayoutId id="2147483658" r:id="rId10"/>
-    <p:sldLayoutId id="2147483659" r:id="rId11"/>
+    <p:sldLayoutId id="2147483661" r:id="rId1"/>
+    <p:sldLayoutId id="2147483662" r:id="rId2"/>
+    <p:sldLayoutId id="2147483663" r:id="rId3"/>
+    <p:sldLayoutId id="2147483664" r:id="rId4"/>
+    <p:sldLayoutId id="2147483665" r:id="rId5"/>
+    <p:sldLayoutId id="2147483666" r:id="rId6"/>
+    <p:sldLayoutId id="2147483667" r:id="rId7"/>
+    <p:sldLayoutId id="2147483668" r:id="rId8"/>
+    <p:sldLayoutId id="2147483669" r:id="rId9"/>
+    <p:sldLayoutId id="2147483670" r:id="rId10"/>
+    <p:sldLayoutId id="2147483671" r:id="rId11"/>
+    <p:sldLayoutId id="2147483672" r:id="rId12"/>
+    <p:sldLayoutId id="2147483673" r:id="rId13"/>
+    <p:sldLayoutId id="2147483674" r:id="rId14"/>
+    <p:sldLayoutId id="2147483675" r:id="rId15"/>
+    <p:sldLayoutId id="2147483676" r:id="rId16"/>
   </p:sldLayoutIdLst>
   <p:txStyles>
     <p:titleStyle>
-      <a:lvl1pPr algn="l" defTabSz="914400" rtl="0" eaLnBrk="1" latinLnBrk="0" hangingPunct="1">
-        <a:lnSpc>
-          <a:spcPct val="90000"/>
-        </a:lnSpc>
+      <a:lvl1pPr algn="l" defTabSz="457200" rtl="0" eaLnBrk="1" latinLnBrk="0" hangingPunct="1">
         <a:spcBef>
           <a:spcPct val="0"/>
         </a:spcBef>
         <a:buNone/>
-        <a:defRPr sz="4400" kern="1200">
+        <a:defRPr sz="3600" kern="1200">
           <a:solidFill>
-            <a:schemeClr val="tx1"/>
+            <a:schemeClr val="accent1"/>
           </a:solidFill>
           <a:latin typeface="+mj-lt"/>
           <a:ea typeface="+mj-ea"/>
           <a:cs typeface="+mj-cs"/>
         </a:defRPr>
       </a:lvl1pPr>
+      <a:lvl2pPr eaLnBrk="1" hangingPunct="1">
+        <a:defRPr>
+          <a:solidFill>
+            <a:schemeClr val="tx2"/>
+          </a:solidFill>
+        </a:defRPr>
+      </a:lvl2pPr>
+      <a:lvl3pPr eaLnBrk="1" hangingPunct="1">
+        <a:defRPr>
+          <a:solidFill>
+            <a:schemeClr val="tx2"/>
+          </a:solidFill>
+        </a:defRPr>
+      </a:lvl3pPr>
+      <a:lvl4pPr eaLnBrk="1" hangingPunct="1">
+        <a:defRPr>
+          <a:solidFill>
+            <a:schemeClr val="tx2"/>
+          </a:solidFill>
+        </a:defRPr>
+      </a:lvl4pPr>
+      <a:lvl5pPr eaLnBrk="1" hangingPunct="1">
+        <a:defRPr>
+          <a:solidFill>
+            <a:schemeClr val="tx2"/>
+          </a:solidFill>
+        </a:defRPr>
+      </a:lvl5pPr>
+      <a:lvl6pPr eaLnBrk="1" hangingPunct="1">
+        <a:defRPr>
+          <a:solidFill>
+            <a:schemeClr val="tx2"/>
+          </a:solidFill>
+        </a:defRPr>
+      </a:lvl6pPr>
+      <a:lvl7pPr eaLnBrk="1" hangingPunct="1">
+        <a:defRPr>
+          <a:solidFill>
+            <a:schemeClr val="tx2"/>
+          </a:solidFill>
+        </a:defRPr>
+      </a:lvl7pPr>
+      <a:lvl8pPr eaLnBrk="1" hangingPunct="1">
+        <a:defRPr>
+          <a:solidFill>
+            <a:schemeClr val="tx2"/>
+          </a:solidFill>
+        </a:defRPr>
+      </a:lvl8pPr>
+      <a:lvl9pPr eaLnBrk="1" hangingPunct="1">
+        <a:defRPr>
+          <a:solidFill>
+            <a:schemeClr val="tx2"/>
+          </a:solidFill>
+        </a:defRPr>
+      </a:lvl9pPr>
     </p:titleStyle>
     <p:bodyStyle>
-      <a:lvl1pPr marL="228600" indent="-228600" algn="l" defTabSz="914400" rtl="0" eaLnBrk="1" latinLnBrk="0" hangingPunct="1">
-        <a:lnSpc>
-          <a:spcPct val="90000"/>
-        </a:lnSpc>
+      <a:lvl1pPr marL="342900" indent="-342900" algn="l" defTabSz="457200" rtl="0" eaLnBrk="1" latinLnBrk="0" hangingPunct="1">
         <a:spcBef>
           <a:spcPts val="1000"/>
         </a:spcBef>
-        <a:buFont typeface="Arial" panose="020B0604020202020204" pitchFamily="34" charset="0"/>
-        <a:buChar char="•"/>
-        <a:defRPr sz="2800" kern="1200">
+        <a:spcAft>
+          <a:spcPts val="0"/>
+        </a:spcAft>
+        <a:buClr>
+          <a:schemeClr val="accent1"/>
+        </a:buClr>
+        <a:buSzPct val="80000"/>
+        <a:buFont typeface="Wingdings 3" charset="2"/>
+        <a:buChar char=""/>
+        <a:defRPr sz="1800" kern="1200">
           <a:solidFill>
-            <a:schemeClr val="tx1"/>
+            <a:schemeClr val="tx1">
+              <a:lumMod val="75000"/>
+              <a:lumOff val="25000"/>
+            </a:schemeClr>
           </a:solidFill>
           <a:latin typeface="+mn-lt"/>
           <a:ea typeface="+mn-ea"/>
           <a:cs typeface="+mn-cs"/>
         </a:defRPr>
       </a:lvl1pPr>
-      <a:lvl2pPr marL="685800" indent="-228600" algn="l" defTabSz="914400" rtl="0" eaLnBrk="1" latinLnBrk="0" hangingPunct="1">
-        <a:lnSpc>
-          <a:spcPct val="90000"/>
-        </a:lnSpc>
+      <a:lvl2pPr marL="742950" indent="-285750" algn="l" defTabSz="457200" rtl="0" eaLnBrk="1" latinLnBrk="0" hangingPunct="1">
         <a:spcBef>
-          <a:spcPts val="500"/>
+          <a:spcPts val="1000"/>
         </a:spcBef>
-        <a:buFont typeface="Arial" panose="020B0604020202020204" pitchFamily="34" charset="0"/>
-        <a:buChar char="•"/>
-        <a:defRPr sz="2400" kern="1200">
+        <a:spcAft>
+          <a:spcPts val="0"/>
+        </a:spcAft>
+        <a:buClr>
+          <a:schemeClr val="accent1"/>
+        </a:buClr>
+        <a:buSzPct val="80000"/>
+        <a:buFont typeface="Wingdings 3" charset="2"/>
+        <a:buChar char=""/>
+        <a:defRPr sz="1600" kern="1200">
           <a:solidFill>
-            <a:schemeClr val="tx1"/>
+            <a:schemeClr val="tx1">
+              <a:lumMod val="75000"/>
+              <a:lumOff val="25000"/>
+            </a:schemeClr>
           </a:solidFill>
           <a:latin typeface="+mn-lt"/>
           <a:ea typeface="+mn-ea"/>
           <a:cs typeface="+mn-cs"/>
         </a:defRPr>
       </a:lvl2pPr>
-      <a:lvl3pPr marL="1143000" indent="-228600" algn="l" defTabSz="914400" rtl="0" eaLnBrk="1" latinLnBrk="0" hangingPunct="1">
-        <a:lnSpc>
-          <a:spcPct val="90000"/>
-        </a:lnSpc>
+      <a:lvl3pPr marL="1143000" indent="-228600" algn="l" defTabSz="457200" rtl="0" eaLnBrk="1" latinLnBrk="0" hangingPunct="1">
         <a:spcBef>
-          <a:spcPts val="500"/>
+          <a:spcPts val="1000"/>
         </a:spcBef>
-        <a:buFont typeface="Arial" panose="020B0604020202020204" pitchFamily="34" charset="0"/>
-        <a:buChar char="•"/>
-        <a:defRPr sz="2000" kern="1200">
+        <a:spcAft>
+          <a:spcPts val="0"/>
+        </a:spcAft>
+        <a:buClr>
+          <a:schemeClr val="accent1"/>
+        </a:buClr>
+        <a:buSzPct val="80000"/>
+        <a:buFont typeface="Wingdings 3" charset="2"/>
+        <a:buChar char=""/>
+        <a:defRPr sz="1400" kern="1200">
           <a:solidFill>
-            <a:schemeClr val="tx1"/>
+            <a:schemeClr val="tx1">
+              <a:lumMod val="75000"/>
+              <a:lumOff val="25000"/>
+            </a:schemeClr>
           </a:solidFill>
           <a:latin typeface="+mn-lt"/>
           <a:ea typeface="+mn-ea"/>
           <a:cs typeface="+mn-cs"/>
         </a:defRPr>
       </a:lvl3pPr>
-      <a:lvl4pPr marL="1600200" indent="-228600" algn="l" defTabSz="914400" rtl="0" eaLnBrk="1" latinLnBrk="0" hangingPunct="1">
-        <a:lnSpc>
-          <a:spcPct val="90000"/>
-        </a:lnSpc>
+      <a:lvl4pPr marL="1600200" indent="-228600" algn="l" defTabSz="457200" rtl="0" eaLnBrk="1" latinLnBrk="0" hangingPunct="1">
         <a:spcBef>
-          <a:spcPts val="500"/>
+          <a:spcPts val="1000"/>
         </a:spcBef>
-        <a:buFont typeface="Arial" panose="020B0604020202020204" pitchFamily="34" charset="0"/>
-        <a:buChar char="•"/>
-        <a:defRPr sz="1800" kern="1200">
+        <a:spcAft>
+          <a:spcPts val="0"/>
+        </a:spcAft>
+        <a:buClr>
+          <a:schemeClr val="accent1"/>
+        </a:buClr>
+        <a:buSzPct val="80000"/>
+        <a:buFont typeface="Wingdings 3" charset="2"/>
+        <a:buChar char=""/>
+        <a:defRPr sz="1200" kern="1200">
           <a:solidFill>
-            <a:schemeClr val="tx1"/>
+            <a:schemeClr val="tx1">
+              <a:lumMod val="75000"/>
+              <a:lumOff val="25000"/>
+            </a:schemeClr>
           </a:solidFill>
           <a:latin typeface="+mn-lt"/>
           <a:ea typeface="+mn-ea"/>
           <a:cs typeface="+mn-cs"/>
         </a:defRPr>
       </a:lvl4pPr>
-      <a:lvl5pPr marL="2057400" indent="-228600" algn="l" defTabSz="914400" rtl="0" eaLnBrk="1" latinLnBrk="0" hangingPunct="1">
-        <a:lnSpc>
-          <a:spcPct val="90000"/>
-        </a:lnSpc>
+      <a:lvl5pPr marL="2057400" indent="-228600" algn="l" defTabSz="457200" rtl="0" eaLnBrk="1" latinLnBrk="0" hangingPunct="1">
         <a:spcBef>
-          <a:spcPts val="500"/>
+          <a:spcPts val="1000"/>
         </a:spcBef>
-        <a:buFont typeface="Arial" panose="020B0604020202020204" pitchFamily="34" charset="0"/>
-        <a:buChar char="•"/>
-        <a:defRPr sz="1800" kern="1200">
+        <a:spcAft>
+          <a:spcPts val="0"/>
+        </a:spcAft>
+        <a:buClr>
+          <a:schemeClr val="accent1"/>
+        </a:buClr>
+        <a:buSzPct val="80000"/>
+        <a:buFont typeface="Wingdings 3" charset="2"/>
+        <a:buChar char=""/>
+        <a:defRPr sz="1200" kern="1200">
           <a:solidFill>
-            <a:schemeClr val="tx1"/>
+            <a:schemeClr val="tx1">
+              <a:lumMod val="75000"/>
+              <a:lumOff val="25000"/>
+            </a:schemeClr>
           </a:solidFill>
           <a:latin typeface="+mn-lt"/>
           <a:ea typeface="+mn-ea"/>
           <a:cs typeface="+mn-cs"/>
         </a:defRPr>
       </a:lvl5pPr>
-      <a:lvl6pPr marL="2514600" indent="-228600" algn="l" defTabSz="914400" rtl="0" eaLnBrk="1" latinLnBrk="0" hangingPunct="1">
-        <a:lnSpc>
-          <a:spcPct val="90000"/>
-        </a:lnSpc>
+      <a:lvl6pPr marL="2514600" indent="-228600" algn="l" defTabSz="457200" rtl="0" eaLnBrk="1" latinLnBrk="0" hangingPunct="1">
         <a:spcBef>
-          <a:spcPts val="500"/>
+          <a:spcPts val="1000"/>
         </a:spcBef>
-        <a:buFont typeface="Arial" panose="020B0604020202020204" pitchFamily="34" charset="0"/>
-        <a:buChar char="•"/>
-        <a:defRPr sz="1800" kern="1200">
+        <a:spcAft>
+          <a:spcPts val="0"/>
+        </a:spcAft>
+        <a:buClr>
+          <a:schemeClr val="accent1"/>
+        </a:buClr>
+        <a:buSzPct val="80000"/>
+        <a:buFont typeface="Wingdings 3" charset="2"/>
+        <a:buChar char=""/>
+        <a:defRPr sz="1200" kern="1200">
           <a:solidFill>
-            <a:schemeClr val="tx1"/>
+            <a:schemeClr val="tx1">
+              <a:lumMod val="75000"/>
+              <a:lumOff val="25000"/>
+            </a:schemeClr>
           </a:solidFill>
           <a:latin typeface="+mn-lt"/>
           <a:ea typeface="+mn-ea"/>
           <a:cs typeface="+mn-cs"/>
         </a:defRPr>
       </a:lvl6pPr>
-      <a:lvl7pPr marL="2971800" indent="-228600" algn="l" defTabSz="914400" rtl="0" eaLnBrk="1" latinLnBrk="0" hangingPunct="1">
-        <a:lnSpc>
-          <a:spcPct val="90000"/>
-        </a:lnSpc>
+      <a:lvl7pPr marL="2971800" indent="-228600" algn="l" defTabSz="457200" rtl="0" eaLnBrk="1" latinLnBrk="0" hangingPunct="1">
         <a:spcBef>
-          <a:spcPts val="500"/>
+          <a:spcPts val="1000"/>
         </a:spcBef>
-        <a:buFont typeface="Arial" panose="020B0604020202020204" pitchFamily="34" charset="0"/>
-        <a:buChar char="•"/>
-        <a:defRPr sz="1800" kern="1200">
+        <a:spcAft>
+          <a:spcPts val="0"/>
+        </a:spcAft>
+        <a:buClr>
+          <a:schemeClr val="accent1"/>
+        </a:buClr>
+        <a:buSzPct val="80000"/>
+        <a:buFont typeface="Wingdings 3" charset="2"/>
+        <a:buChar char=""/>
+        <a:defRPr sz="1200" kern="1200">
           <a:solidFill>
-            <a:schemeClr val="tx1"/>
+            <a:schemeClr val="tx1">
+              <a:lumMod val="75000"/>
+              <a:lumOff val="25000"/>
+            </a:schemeClr>
           </a:solidFill>
           <a:latin typeface="+mn-lt"/>
           <a:ea typeface="+mn-ea"/>
           <a:cs typeface="+mn-cs"/>
         </a:defRPr>
       </a:lvl7pPr>
-      <a:lvl8pPr marL="3429000" indent="-228600" algn="l" defTabSz="914400" rtl="0" eaLnBrk="1" latinLnBrk="0" hangingPunct="1">
-        <a:lnSpc>
-          <a:spcPct val="90000"/>
-        </a:lnSpc>
+      <a:lvl8pPr marL="3429000" indent="-228600" algn="l" defTabSz="457200" rtl="0" eaLnBrk="1" latinLnBrk="0" hangingPunct="1">
         <a:spcBef>
-          <a:spcPts val="500"/>
+          <a:spcPts val="1000"/>
         </a:spcBef>
-        <a:buFont typeface="Arial" panose="020B0604020202020204" pitchFamily="34" charset="0"/>
-        <a:buChar char="•"/>
-        <a:defRPr sz="1800" kern="1200">
+        <a:spcAft>
+          <a:spcPts val="0"/>
+        </a:spcAft>
+        <a:buClr>
+          <a:schemeClr val="accent1"/>
+        </a:buClr>
+        <a:buSzPct val="80000"/>
+        <a:buFont typeface="Wingdings 3" charset="2"/>
+        <a:buChar char=""/>
+        <a:defRPr sz="1200" kern="1200">
           <a:solidFill>
-            <a:schemeClr val="tx1"/>
+            <a:schemeClr val="tx1">
+              <a:lumMod val="75000"/>
+              <a:lumOff val="25000"/>
+            </a:schemeClr>
           </a:solidFill>
           <a:latin typeface="+mn-lt"/>
           <a:ea typeface="+mn-ea"/>
           <a:cs typeface="+mn-cs"/>
         </a:defRPr>
       </a:lvl8pPr>
-      <a:lvl9pPr marL="3886200" indent="-228600" algn="l" defTabSz="914400" rtl="0" eaLnBrk="1" latinLnBrk="0" hangingPunct="1">
-        <a:lnSpc>
-          <a:spcPct val="90000"/>
-        </a:lnSpc>
+      <a:lvl9pPr marL="3886200" indent="-228600" algn="l" defTabSz="457200" rtl="0" eaLnBrk="1" latinLnBrk="0" hangingPunct="1">
         <a:spcBef>
-          <a:spcPts val="500"/>
+          <a:spcPts val="1000"/>
         </a:spcBef>
-        <a:buFont typeface="Arial" panose="020B0604020202020204" pitchFamily="34" charset="0"/>
-        <a:buChar char="•"/>
-        <a:defRPr sz="1800" kern="1200">
+        <a:spcAft>
+          <a:spcPts val="0"/>
+        </a:spcAft>
+        <a:buClr>
+          <a:schemeClr val="accent1"/>
+        </a:buClr>
+        <a:buSzPct val="80000"/>
+        <a:buFont typeface="Wingdings 3" charset="2"/>
+        <a:buChar char=""/>
+        <a:defRPr sz="1200" kern="1200">
           <a:solidFill>
-            <a:schemeClr val="tx1"/>
+            <a:schemeClr val="tx1">
+              <a:lumMod val="75000"/>
+              <a:lumOff val="25000"/>
+            </a:schemeClr>
           </a:solidFill>
           <a:latin typeface="+mn-lt"/>
           <a:ea typeface="+mn-ea"/>
@@ -2864,7 +6246,7 @@
       <a:defPPr>
         <a:defRPr lang="en-US"/>
       </a:defPPr>
-      <a:lvl1pPr marL="0" algn="l" defTabSz="914400" rtl="0" eaLnBrk="1" latinLnBrk="0" hangingPunct="1">
+      <a:lvl1pPr marL="0" algn="l" defTabSz="457200" rtl="0" eaLnBrk="1" latinLnBrk="0" hangingPunct="1">
         <a:defRPr sz="1800" kern="1200">
           <a:solidFill>
             <a:schemeClr val="tx1"/>
@@ -2874,7 +6256,7 @@
           <a:cs typeface="+mn-cs"/>
         </a:defRPr>
       </a:lvl1pPr>
-      <a:lvl2pPr marL="457200" algn="l" defTabSz="914400" rtl="0" eaLnBrk="1" latinLnBrk="0" hangingPunct="1">
+      <a:lvl2pPr marL="457200" algn="l" defTabSz="457200" rtl="0" eaLnBrk="1" latinLnBrk="0" hangingPunct="1">
         <a:defRPr sz="1800" kern="1200">
           <a:solidFill>
             <a:schemeClr val="tx1"/>
@@ -2884,7 +6266,7 @@
           <a:cs typeface="+mn-cs"/>
         </a:defRPr>
       </a:lvl2pPr>
-      <a:lvl3pPr marL="914400" algn="l" defTabSz="914400" rtl="0" eaLnBrk="1" latinLnBrk="0" hangingPunct="1">
+      <a:lvl3pPr marL="914400" algn="l" defTabSz="457200" rtl="0" eaLnBrk="1" latinLnBrk="0" hangingPunct="1">
         <a:defRPr sz="1800" kern="1200">
           <a:solidFill>
             <a:schemeClr val="tx1"/>
@@ -2894,7 +6276,7 @@
           <a:cs typeface="+mn-cs"/>
         </a:defRPr>
       </a:lvl3pPr>
-      <a:lvl4pPr marL="1371600" algn="l" defTabSz="914400" rtl="0" eaLnBrk="1" latinLnBrk="0" hangingPunct="1">
+      <a:lvl4pPr marL="1371600" algn="l" defTabSz="457200" rtl="0" eaLnBrk="1" latinLnBrk="0" hangingPunct="1">
         <a:defRPr sz="1800" kern="1200">
           <a:solidFill>
             <a:schemeClr val="tx1"/>
@@ -2904,7 +6286,7 @@
           <a:cs typeface="+mn-cs"/>
         </a:defRPr>
       </a:lvl4pPr>
-      <a:lvl5pPr marL="1828800" algn="l" defTabSz="914400" rtl="0" eaLnBrk="1" latinLnBrk="0" hangingPunct="1">
+      <a:lvl5pPr marL="1828800" algn="l" defTabSz="457200" rtl="0" eaLnBrk="1" latinLnBrk="0" hangingPunct="1">
         <a:defRPr sz="1800" kern="1200">
           <a:solidFill>
             <a:schemeClr val="tx1"/>
@@ -2914,7 +6296,7 @@
           <a:cs typeface="+mn-cs"/>
         </a:defRPr>
       </a:lvl5pPr>
-      <a:lvl6pPr marL="2286000" algn="l" defTabSz="914400" rtl="0" eaLnBrk="1" latinLnBrk="0" hangingPunct="1">
+      <a:lvl6pPr marL="2286000" algn="l" defTabSz="457200" rtl="0" eaLnBrk="1" latinLnBrk="0" hangingPunct="1">
         <a:defRPr sz="1800" kern="1200">
           <a:solidFill>
             <a:schemeClr val="tx1"/>
@@ -2924,7 +6306,7 @@
           <a:cs typeface="+mn-cs"/>
         </a:defRPr>
       </a:lvl6pPr>
-      <a:lvl7pPr marL="2743200" algn="l" defTabSz="914400" rtl="0" eaLnBrk="1" latinLnBrk="0" hangingPunct="1">
+      <a:lvl7pPr marL="2743200" algn="l" defTabSz="457200" rtl="0" eaLnBrk="1" latinLnBrk="0" hangingPunct="1">
         <a:defRPr sz="1800" kern="1200">
           <a:solidFill>
             <a:schemeClr val="tx1"/>
@@ -2934,7 +6316,7 @@
           <a:cs typeface="+mn-cs"/>
         </a:defRPr>
       </a:lvl7pPr>
-      <a:lvl8pPr marL="3200400" algn="l" defTabSz="914400" rtl="0" eaLnBrk="1" latinLnBrk="0" hangingPunct="1">
+      <a:lvl8pPr marL="3200400" algn="l" defTabSz="457200" rtl="0" eaLnBrk="1" latinLnBrk="0" hangingPunct="1">
         <a:defRPr sz="1800" kern="1200">
           <a:solidFill>
             <a:schemeClr val="tx1"/>
@@ -2944,7 +6326,7 @@
           <a:cs typeface="+mn-cs"/>
         </a:defRPr>
       </a:lvl8pPr>
-      <a:lvl9pPr marL="3657600" algn="l" defTabSz="914400" rtl="0" eaLnBrk="1" latinLnBrk="0" hangingPunct="1">
+      <a:lvl9pPr marL="3657600" algn="l" defTabSz="457200" rtl="0" eaLnBrk="1" latinLnBrk="0" hangingPunct="1">
         <a:defRPr sz="1800" kern="1200">
           <a:solidFill>
             <a:schemeClr val="tx1"/>
@@ -2985,7 +6367,7 @@
           <p:nvPr/>
         </p:nvPicPr>
         <p:blipFill>
-          <a:blip r:embed="rId2">
+          <a:blip r:embed="rId3">
             <a:extLst>
               <a:ext uri="{28A0092B-C50C-407E-A947-70E740481C1C}">
                 <a14:useLocalDpi xmlns:a14="http://schemas.microsoft.com/office/drawing/2010/main" val="0"/>
@@ -2998,14 +6380,175 @@
         </p:blipFill>
         <p:spPr>
           <a:xfrm>
-            <a:off x="961902" y="783030"/>
-            <a:ext cx="10906778" cy="4362711"/>
+            <a:off x="666068" y="1464348"/>
+            <a:ext cx="9302685" cy="4216433"/>
           </a:xfrm>
           <a:prstGeom prst="rect">
             <a:avLst/>
           </a:prstGeom>
+          <a:ln w="190500" cap="sq">
+            <a:solidFill>
+              <a:srgbClr val="C8C6BD"/>
+            </a:solidFill>
+            <a:prstDash val="solid"/>
+            <a:miter lim="800000"/>
+          </a:ln>
+          <a:effectLst>
+            <a:outerShdw blurRad="254000" algn="bl" rotWithShape="0">
+              <a:srgbClr val="000000">
+                <a:alpha val="43000"/>
+              </a:srgbClr>
+            </a:outerShdw>
+          </a:effectLst>
+          <a:scene3d>
+            <a:camera prst="perspectiveFront" fov="5400000"/>
+            <a:lightRig rig="threePt" dir="t">
+              <a:rot lat="0" lon="0" rev="2100000"/>
+            </a:lightRig>
+          </a:scene3d>
+          <a:sp3d extrusionH="25400">
+            <a:bevelT w="304800" h="152400" prst="hardEdge"/>
+            <a:extrusionClr>
+              <a:srgbClr val="000000"/>
+            </a:extrusionClr>
+          </a:sp3d>
         </p:spPr>
       </p:pic>
+      <p:sp>
+        <p:nvSpPr>
+          <p:cNvPr id="4" name="Rectangle 3"/>
+          <p:cNvSpPr/>
+          <p:nvPr/>
+        </p:nvSpPr>
+        <p:spPr>
+          <a:xfrm>
+            <a:off x="1963272" y="5943602"/>
+            <a:ext cx="5841058" cy="584775"/>
+          </a:xfrm>
+          <a:prstGeom prst="rect">
+            <a:avLst/>
+          </a:prstGeom>
+          <a:noFill/>
+        </p:spPr>
+        <p:txBody>
+          <a:bodyPr wrap="square" lIns="91440" tIns="45720" rIns="91440" bIns="45720">
+            <a:spAutoFit/>
+          </a:bodyPr>
+          <a:lstStyle/>
+          <a:p>
+            <a:pPr algn="ctr"/>
+            <a:r>
+              <a:rPr lang="en-US" sz="3200" b="1" i="1" cap="none" spc="0" dirty="0" smtClean="0">
+                <a:ln w="0"/>
+                <a:gradFill>
+                  <a:gsLst>
+                    <a:gs pos="0">
+                      <a:schemeClr val="accent5">
+                        <a:lumMod val="50000"/>
+                      </a:schemeClr>
+                    </a:gs>
+                    <a:gs pos="50000">
+                      <a:schemeClr val="accent5"/>
+                    </a:gs>
+                    <a:gs pos="100000">
+                      <a:schemeClr val="accent5">
+                        <a:lumMod val="60000"/>
+                        <a:lumOff val="40000"/>
+                      </a:schemeClr>
+                    </a:gs>
+                  </a:gsLst>
+                  <a:lin ang="5400000"/>
+                </a:gradFill>
+                <a:effectLst>
+                  <a:reflection blurRad="6350" stA="53000" endA="300" endPos="35500" dir="5400000" sy="-90000" algn="bl" rotWithShape="0"/>
+                </a:effectLst>
+              </a:rPr>
+              <a:t>Presented By : </a:t>
+            </a:r>
+            <a:r>
+              <a:rPr lang="en-US" sz="3200" b="1" i="1" cap="none" spc="0" dirty="0" err="1" smtClean="0">
+                <a:ln w="0"/>
+                <a:gradFill>
+                  <a:gsLst>
+                    <a:gs pos="0">
+                      <a:schemeClr val="accent5">
+                        <a:lumMod val="50000"/>
+                      </a:schemeClr>
+                    </a:gs>
+                    <a:gs pos="50000">
+                      <a:schemeClr val="accent5"/>
+                    </a:gs>
+                    <a:gs pos="100000">
+                      <a:schemeClr val="accent5">
+                        <a:lumMod val="60000"/>
+                        <a:lumOff val="40000"/>
+                      </a:schemeClr>
+                    </a:gs>
+                  </a:gsLst>
+                  <a:lin ang="5400000"/>
+                </a:gradFill>
+                <a:effectLst>
+                  <a:reflection blurRad="6350" stA="53000" endA="300" endPos="35500" dir="5400000" sy="-90000" algn="bl" rotWithShape="0"/>
+                </a:effectLst>
+              </a:rPr>
+              <a:t>Tauovir</a:t>
+            </a:r>
+            <a:r>
+              <a:rPr lang="en-US" sz="3200" b="1" i="1" cap="none" spc="0" dirty="0" smtClean="0">
+                <a:ln w="0"/>
+                <a:gradFill>
+                  <a:gsLst>
+                    <a:gs pos="0">
+                      <a:schemeClr val="accent5">
+                        <a:lumMod val="50000"/>
+                      </a:schemeClr>
+                    </a:gs>
+                    <a:gs pos="50000">
+                      <a:schemeClr val="accent5"/>
+                    </a:gs>
+                    <a:gs pos="100000">
+                      <a:schemeClr val="accent5">
+                        <a:lumMod val="60000"/>
+                        <a:lumOff val="40000"/>
+                      </a:schemeClr>
+                    </a:gs>
+                  </a:gsLst>
+                  <a:lin ang="5400000"/>
+                </a:gradFill>
+                <a:effectLst>
+                  <a:reflection blurRad="6350" stA="53000" endA="300" endPos="35500" dir="5400000" sy="-90000" algn="bl" rotWithShape="0"/>
+                </a:effectLst>
+              </a:rPr>
+              <a:t> Khan</a:t>
+            </a:r>
+            <a:endParaRPr lang="en-US" sz="3200" b="1" i="1" cap="none" spc="0" dirty="0">
+              <a:ln w="0"/>
+              <a:gradFill>
+                <a:gsLst>
+                  <a:gs pos="0">
+                    <a:schemeClr val="accent5">
+                      <a:lumMod val="50000"/>
+                    </a:schemeClr>
+                  </a:gs>
+                  <a:gs pos="50000">
+                    <a:schemeClr val="accent5"/>
+                  </a:gs>
+                  <a:gs pos="100000">
+                    <a:schemeClr val="accent5">
+                      <a:lumMod val="60000"/>
+                      <a:lumOff val="40000"/>
+                    </a:schemeClr>
+                  </a:gs>
+                </a:gsLst>
+                <a:lin ang="5400000"/>
+              </a:gradFill>
+              <a:effectLst>
+                <a:reflection blurRad="6350" stA="53000" endA="300" endPos="35500" dir="5400000" sy="-90000" algn="bl" rotWithShape="0"/>
+              </a:effectLst>
+            </a:endParaRPr>
+          </a:p>
+        </p:txBody>
+      </p:sp>
     </p:spTree>
     <p:extLst>
       <p:ext uri="{BB962C8B-B14F-4D97-AF65-F5344CB8AC3E}">
@@ -3016,6 +6559,18 @@
   <p:clrMapOvr>
     <a:masterClrMapping/>
   </p:clrMapOvr>
+  <mc:AlternateContent xmlns:mc="http://schemas.openxmlformats.org/markup-compatibility/2006" xmlns:p15="http://schemas.microsoft.com/office/powerpoint/2012/main">
+    <mc:Choice Requires="p15">
+      <p:transition xmlns:p14="http://schemas.microsoft.com/office/powerpoint/2010/main" spd="slow" p14:dur="6000">
+        <p15:prstTrans prst="curtains"/>
+      </p:transition>
+    </mc:Choice>
+    <mc:Fallback xmlns="">
+      <p:transition spd="slow">
+        <p:fade/>
+      </p:transition>
+    </mc:Fallback>
+  </mc:AlternateContent>
   <p:timing>
     <p:tnLst>
       <p:par>
@@ -3055,21 +6610,21 @@
         </p:nvSpPr>
         <p:spPr>
           <a:xfrm>
-            <a:off x="1951290" y="546931"/>
-            <a:ext cx="7756733" cy="940036"/>
+            <a:off x="3842844" y="251096"/>
+            <a:ext cx="2253157" cy="636410"/>
           </a:xfrm>
         </p:spPr>
         <p:txBody>
           <a:bodyPr>
-            <a:normAutofit/>
+            <a:normAutofit fontScale="90000"/>
           </a:bodyPr>
           <a:lstStyle/>
           <a:p>
             <a:r>
-              <a:rPr lang="en-IN" sz="3600" b="1" dirty="0" smtClean="0"/>
+              <a:rPr lang="en-IN" sz="3600" b="1" u="sng" dirty="0" smtClean="0"/>
               <a:t>Python</a:t>
             </a:r>
-            <a:endParaRPr lang="en-IN" sz="3600" b="1" dirty="0"/>
+            <a:endParaRPr lang="en-IN" sz="3600" b="1" u="sng" dirty="0"/>
           </a:p>
         </p:txBody>
       </p:sp>
@@ -3085,170 +6640,193 @@
         </p:nvSpPr>
         <p:spPr>
           <a:xfrm>
-            <a:off x="1418600" y="1734795"/>
-            <a:ext cx="9930214" cy="4370170"/>
+            <a:off x="720151" y="975977"/>
+            <a:ext cx="9072282" cy="5675833"/>
           </a:xfrm>
         </p:spPr>
         <p:txBody>
           <a:bodyPr>
-            <a:normAutofit lnSpcReduction="10000"/>
+            <a:noAutofit/>
           </a:bodyPr>
           <a:lstStyle/>
+          <a:p>
+            <a:pPr marL="285750" indent="-285750" algn="l">
+              <a:buFont typeface="Wingdings" panose="05000000000000000000" pitchFamily="2" charset="2"/>
+              <a:buChar char="Ø"/>
+            </a:pPr>
+            <a:r>
+              <a:rPr lang="en-US" dirty="0"/>
+              <a:t>Python is an interpreted, object-oriented, high-level programming language with dynamic </a:t>
+            </a:r>
+            <a:r>
+              <a:rPr lang="en-US" dirty="0" smtClean="0"/>
+              <a:t>semantics.</a:t>
+            </a:r>
+          </a:p>
+          <a:p>
+            <a:pPr marL="285750" indent="-285750" algn="l">
+              <a:buFont typeface="Wingdings" panose="05000000000000000000" pitchFamily="2" charset="2"/>
+              <a:buChar char="Ø"/>
+            </a:pPr>
+            <a:r>
+              <a:rPr lang="en-US" dirty="0" smtClean="0"/>
+              <a:t>its </a:t>
+            </a:r>
+            <a:r>
+              <a:rPr lang="en-US" dirty="0"/>
+              <a:t>high-level built in data structures, combined with dynamic typing and dynamic binding, make it very attractive for Rapid Application </a:t>
+            </a:r>
+            <a:r>
+              <a:rPr lang="en-US" dirty="0" smtClean="0"/>
+              <a:t>Development.</a:t>
+            </a:r>
+          </a:p>
+          <a:p>
+            <a:pPr marL="285750" indent="-285750" algn="l">
+              <a:buFont typeface="Wingdings" panose="05000000000000000000" pitchFamily="2" charset="2"/>
+              <a:buChar char="Ø"/>
+            </a:pPr>
+            <a:r>
+              <a:rPr lang="en-US" dirty="0"/>
+              <a:t> Python is a general-purpose language, meaning it can be used to create a variety of different programs and isn’t specialized for any specific </a:t>
+            </a:r>
+            <a:r>
+              <a:rPr lang="en-US" dirty="0" smtClean="0"/>
+              <a:t>problems</a:t>
+            </a:r>
+          </a:p>
+          <a:p>
+            <a:pPr marL="285750" indent="-285750" algn="l">
+              <a:buFont typeface="Wingdings" panose="05000000000000000000" pitchFamily="2" charset="2"/>
+              <a:buChar char="Ø"/>
+            </a:pPr>
+            <a:r>
+              <a:rPr lang="en-US" dirty="0"/>
+              <a:t>Python is a cross-platform programming language, which means that it can run on multiple platforms like Windows, </a:t>
+            </a:r>
+            <a:r>
+              <a:rPr lang="en-US" dirty="0" err="1"/>
+              <a:t>macOS</a:t>
+            </a:r>
+            <a:r>
+              <a:rPr lang="en-US" dirty="0"/>
+              <a:t>, Linux,</a:t>
+            </a:r>
+            <a:endParaRPr lang="en-US" dirty="0" smtClean="0"/>
+          </a:p>
+          <a:p>
+            <a:pPr algn="l"/>
+            <a:r>
+              <a:rPr lang="en-US" sz="2000" b="1" u="sng" dirty="0" smtClean="0">
+                <a:solidFill>
+                  <a:schemeClr val="accent2">
+                    <a:lumMod val="75000"/>
+                  </a:schemeClr>
+                </a:solidFill>
+              </a:rPr>
+              <a:t>Python </a:t>
+            </a:r>
+            <a:r>
+              <a:rPr lang="en-US" sz="2000" b="1" u="sng" dirty="0">
+                <a:solidFill>
+                  <a:schemeClr val="accent2">
+                    <a:lumMod val="75000"/>
+                  </a:schemeClr>
+                </a:solidFill>
+              </a:rPr>
+              <a:t>used </a:t>
+            </a:r>
+            <a:r>
+              <a:rPr lang="en-US" sz="2000" b="1" u="sng" dirty="0" smtClean="0">
+                <a:solidFill>
+                  <a:schemeClr val="accent2">
+                    <a:lumMod val="75000"/>
+                  </a:schemeClr>
+                </a:solidFill>
+              </a:rPr>
+              <a:t>for</a:t>
+            </a:r>
+            <a:r>
+              <a:rPr lang="en-US" sz="2000" u="sng" dirty="0" smtClean="0">
+                <a:solidFill>
+                  <a:schemeClr val="accent2">
+                    <a:lumMod val="75000"/>
+                  </a:schemeClr>
+                </a:solidFill>
+              </a:rPr>
+              <a:t>:</a:t>
+            </a:r>
+          </a:p>
+          <a:p>
+            <a:pPr marL="285750" indent="-285750" algn="l">
+              <a:buFont typeface="Wingdings" panose="05000000000000000000" pitchFamily="2" charset="2"/>
+              <a:buChar char="Ø"/>
+            </a:pPr>
+            <a:r>
+              <a:rPr lang="en-US" dirty="0" smtClean="0"/>
+              <a:t>Web development</a:t>
+            </a:r>
+            <a:endParaRPr lang="en-US" dirty="0"/>
+          </a:p>
+          <a:p>
+            <a:pPr marL="285750" indent="-285750" algn="l">
+              <a:buFont typeface="Wingdings" panose="05000000000000000000" pitchFamily="2" charset="2"/>
+              <a:buChar char="Ø"/>
+            </a:pPr>
+            <a:r>
+              <a:rPr lang="en-US" dirty="0" smtClean="0"/>
+              <a:t>System Programming.</a:t>
+            </a:r>
+            <a:endParaRPr lang="en-US" dirty="0"/>
+          </a:p>
+          <a:p>
+            <a:pPr marL="285750" indent="-285750" algn="l">
+              <a:buFont typeface="Wingdings" panose="05000000000000000000" pitchFamily="2" charset="2"/>
+              <a:buChar char="Ø"/>
+            </a:pPr>
+            <a:r>
+              <a:rPr lang="en-US" dirty="0" smtClean="0"/>
+              <a:t>Building GUI application.</a:t>
+            </a:r>
+            <a:endParaRPr lang="en-US" dirty="0"/>
+          </a:p>
+          <a:p>
+            <a:pPr marL="285750" indent="-285750" algn="l">
+              <a:buFont typeface="Wingdings" panose="05000000000000000000" pitchFamily="2" charset="2"/>
+              <a:buChar char="Ø"/>
+            </a:pPr>
+            <a:r>
+              <a:rPr lang="en-US" dirty="0" smtClean="0"/>
+              <a:t>Internet scripting</a:t>
+            </a:r>
+          </a:p>
+          <a:p>
+            <a:pPr marL="285750" indent="-285750" algn="l">
+              <a:buFont typeface="Wingdings" panose="05000000000000000000" pitchFamily="2" charset="2"/>
+              <a:buChar char="Ø"/>
+            </a:pPr>
+            <a:r>
+              <a:rPr lang="en-US" dirty="0" smtClean="0"/>
+              <a:t>Machine learning </a:t>
+            </a:r>
+          </a:p>
+          <a:p>
+            <a:pPr marL="285750" indent="-285750" algn="l">
+              <a:buFont typeface="Wingdings" panose="05000000000000000000" pitchFamily="2" charset="2"/>
+              <a:buChar char="Ø"/>
+            </a:pPr>
+            <a:r>
+              <a:rPr lang="en-US" dirty="0" smtClean="0"/>
+              <a:t>Robotics programming.</a:t>
+            </a:r>
+            <a:endParaRPr lang="en-US" dirty="0"/>
+          </a:p>
           <a:p>
             <a:pPr marL="285750" indent="-285750" algn="l">
               <a:buFont typeface="Arial" panose="020B0604020202020204" pitchFamily="34" charset="0"/>
               <a:buChar char="•"/>
             </a:pPr>
-            <a:r>
-              <a:rPr lang="en-US" sz="1600" dirty="0"/>
-              <a:t>Python is an interpreted, object-oriented, high-level programming language with dynamic </a:t>
-            </a:r>
-            <a:r>
-              <a:rPr lang="en-US" sz="1600" dirty="0" smtClean="0"/>
-              <a:t>semantics.</a:t>
-            </a:r>
-          </a:p>
-          <a:p>
-            <a:pPr marL="285750" indent="-285750" algn="l">
-              <a:buFont typeface="Arial" panose="020B0604020202020204" pitchFamily="34" charset="0"/>
-              <a:buChar char="•"/>
-            </a:pPr>
-            <a:r>
-              <a:rPr lang="en-US" sz="1600" dirty="0" smtClean="0"/>
-              <a:t>its </a:t>
-            </a:r>
-            <a:r>
-              <a:rPr lang="en-US" sz="1600" dirty="0"/>
-              <a:t>high-level built in data structures, combined with dynamic typing and dynamic binding, make it very attractive for Rapid Application </a:t>
-            </a:r>
-            <a:r>
-              <a:rPr lang="en-US" sz="1600" dirty="0" smtClean="0"/>
-              <a:t>Development.</a:t>
-            </a:r>
-          </a:p>
-          <a:p>
-            <a:pPr marL="285750" indent="-285750" algn="l">
-              <a:buFont typeface="Arial" panose="020B0604020202020204" pitchFamily="34" charset="0"/>
-              <a:buChar char="•"/>
-            </a:pPr>
-            <a:r>
-              <a:rPr lang="en-US" sz="1600" dirty="0"/>
-              <a:t> Python is a general-purpose language, meaning it can be used to create a variety of different programs and isn’t specialized for any specific </a:t>
-            </a:r>
-            <a:r>
-              <a:rPr lang="en-US" sz="1600" dirty="0" smtClean="0"/>
-              <a:t>problems</a:t>
-            </a:r>
-          </a:p>
-          <a:p>
-            <a:pPr marL="285750" indent="-285750" algn="l">
-              <a:buFont typeface="Arial" panose="020B0604020202020204" pitchFamily="34" charset="0"/>
-              <a:buChar char="•"/>
-            </a:pPr>
-            <a:r>
-              <a:rPr lang="en-US" sz="1600" dirty="0"/>
-              <a:t>Python is a cross-platform programming language, which means that it can run on multiple platforms like Windows, </a:t>
-            </a:r>
-            <a:r>
-              <a:rPr lang="en-US" sz="1600" dirty="0" err="1"/>
-              <a:t>macOS</a:t>
-            </a:r>
-            <a:r>
-              <a:rPr lang="en-US" sz="1600" dirty="0"/>
-              <a:t>, Linux,</a:t>
-            </a:r>
-            <a:endParaRPr lang="en-US" sz="1600" dirty="0" smtClean="0"/>
-          </a:p>
-          <a:p>
-            <a:pPr algn="l"/>
-            <a:r>
-              <a:rPr lang="en-US" sz="1600" b="1" dirty="0" smtClean="0"/>
-              <a:t>Python </a:t>
-            </a:r>
-            <a:r>
-              <a:rPr lang="en-US" sz="1600" b="1" dirty="0"/>
-              <a:t>used </a:t>
-            </a:r>
-            <a:r>
-              <a:rPr lang="en-US" sz="1600" b="1" dirty="0" smtClean="0"/>
-              <a:t>for</a:t>
-            </a:r>
-            <a:r>
-              <a:rPr lang="en-US" sz="1600" dirty="0" smtClean="0"/>
-              <a:t>:</a:t>
-            </a:r>
-          </a:p>
-          <a:p>
-            <a:pPr marL="285750" indent="-285750" algn="l">
-              <a:buFont typeface="Arial" panose="020B0604020202020204" pitchFamily="34" charset="0"/>
-              <a:buChar char="•"/>
-            </a:pPr>
-            <a:r>
-              <a:rPr lang="en-US" sz="1600" dirty="0" smtClean="0"/>
-              <a:t>Web development</a:t>
-            </a:r>
-            <a:endParaRPr lang="en-US" sz="1600" dirty="0"/>
-          </a:p>
-          <a:p>
-            <a:pPr marL="285750" indent="-285750" algn="l">
-              <a:buFont typeface="Arial" panose="020B0604020202020204" pitchFamily="34" charset="0"/>
-              <a:buChar char="•"/>
-            </a:pPr>
-            <a:r>
-              <a:rPr lang="en-US" sz="1600" dirty="0" smtClean="0"/>
-              <a:t>System Programming.</a:t>
-            </a:r>
-            <a:endParaRPr lang="en-US" sz="1600" dirty="0"/>
-          </a:p>
-          <a:p>
-            <a:pPr marL="285750" indent="-285750" algn="l">
-              <a:buFont typeface="Arial" panose="020B0604020202020204" pitchFamily="34" charset="0"/>
-              <a:buChar char="•"/>
-            </a:pPr>
-            <a:r>
-              <a:rPr lang="en-US" sz="1600" dirty="0" smtClean="0"/>
-              <a:t>Building GUI application.</a:t>
-            </a:r>
-            <a:endParaRPr lang="en-US" sz="1600" dirty="0"/>
-          </a:p>
-          <a:p>
-            <a:pPr marL="285750" indent="-285750" algn="l">
-              <a:buFont typeface="Arial" panose="020B0604020202020204" pitchFamily="34" charset="0"/>
-              <a:buChar char="•"/>
-            </a:pPr>
-            <a:r>
-              <a:rPr lang="en-US" sz="1600" dirty="0" smtClean="0"/>
-              <a:t>Internet scripting</a:t>
-            </a:r>
-            <a:endParaRPr lang="en-US" sz="1600" dirty="0" smtClean="0"/>
-          </a:p>
-          <a:p>
-            <a:pPr marL="285750" indent="-285750" algn="l">
-              <a:buFont typeface="Arial" panose="020B0604020202020204" pitchFamily="34" charset="0"/>
-              <a:buChar char="•"/>
-            </a:pPr>
-            <a:r>
-              <a:rPr lang="en-US" sz="1600" dirty="0" smtClean="0"/>
-              <a:t>Machine learning </a:t>
-            </a:r>
-          </a:p>
-          <a:p>
-            <a:pPr marL="285750" indent="-285750" algn="l">
-              <a:buFont typeface="Arial" panose="020B0604020202020204" pitchFamily="34" charset="0"/>
-              <a:buChar char="•"/>
-            </a:pPr>
-            <a:r>
-              <a:rPr lang="en-US" sz="1600" dirty="0" smtClean="0"/>
-              <a:t>Robotics programming.</a:t>
-            </a:r>
-            <a:endParaRPr lang="en-US" sz="1600" dirty="0"/>
-          </a:p>
-          <a:p>
-            <a:pPr marL="285750" indent="-285750" algn="l">
-              <a:buFont typeface="Arial" panose="020B0604020202020204" pitchFamily="34" charset="0"/>
-              <a:buChar char="•"/>
-            </a:pPr>
-            <a:endParaRPr lang="en-US" sz="1600" b="1" dirty="0"/>
+            <a:endParaRPr lang="en-US" b="1" dirty="0"/>
           </a:p>
         </p:txBody>
       </p:sp>
@@ -3262,12 +6840,721 @@
   <p:clrMapOvr>
     <a:masterClrMapping/>
   </p:clrMapOvr>
+  <mc:AlternateContent xmlns:mc="http://schemas.openxmlformats.org/markup-compatibility/2006" xmlns:p15="http://schemas.microsoft.com/office/powerpoint/2012/main">
+    <mc:Choice Requires="p15">
+      <p:transition xmlns:p14="http://schemas.microsoft.com/office/powerpoint/2010/main" spd="slow" p14:dur="2000">
+        <p15:prstTrans prst="fallOver"/>
+      </p:transition>
+    </mc:Choice>
+    <mc:Fallback xmlns="">
+      <p:transition spd="slow">
+        <p:fade/>
+      </p:transition>
+    </mc:Fallback>
+  </mc:AlternateContent>
   <p:timing>
     <p:tnLst>
       <p:par>
-        <p:cTn id="1" dur="indefinite" restart="never" nodeType="tmRoot"/>
+        <p:cTn id="1" dur="indefinite" restart="never" nodeType="tmRoot">
+          <p:childTnLst>
+            <p:seq concurrent="1" nextAc="seek">
+              <p:cTn id="2" dur="indefinite" nodeType="mainSeq">
+                <p:childTnLst>
+                  <p:par>
+                    <p:cTn id="3" fill="hold">
+                      <p:stCondLst>
+                        <p:cond delay="indefinite"/>
+                      </p:stCondLst>
+                      <p:childTnLst>
+                        <p:par>
+                          <p:cTn id="4" fill="hold">
+                            <p:stCondLst>
+                              <p:cond delay="0"/>
+                            </p:stCondLst>
+                            <p:childTnLst>
+                              <p:par>
+                                <p:cTn id="5" presetID="14" presetClass="entr" presetSubtype="10" fill="hold" grpId="0" nodeType="clickEffect">
+                                  <p:stCondLst>
+                                    <p:cond delay="0"/>
+                                  </p:stCondLst>
+                                  <p:childTnLst>
+                                    <p:set>
+                                      <p:cBhvr>
+                                        <p:cTn id="6" dur="1" fill="hold">
+                                          <p:stCondLst>
+                                            <p:cond delay="0"/>
+                                          </p:stCondLst>
+                                        </p:cTn>
+                                        <p:tgtEl>
+                                          <p:spTgt spid="3">
+                                            <p:txEl>
+                                              <p:pRg st="0" end="0"/>
+                                            </p:txEl>
+                                          </p:spTgt>
+                                        </p:tgtEl>
+                                        <p:attrNameLst>
+                                          <p:attrName>style.visibility</p:attrName>
+                                        </p:attrNameLst>
+                                      </p:cBhvr>
+                                      <p:to>
+                                        <p:strVal val="visible"/>
+                                      </p:to>
+                                    </p:set>
+                                    <p:animEffect transition="in" filter="randombar(horizontal)">
+                                      <p:cBhvr>
+                                        <p:cTn id="7" dur="500"/>
+                                        <p:tgtEl>
+                                          <p:spTgt spid="3">
+                                            <p:txEl>
+                                              <p:pRg st="0" end="0"/>
+                                            </p:txEl>
+                                          </p:spTgt>
+                                        </p:tgtEl>
+                                      </p:cBhvr>
+                                    </p:animEffect>
+                                  </p:childTnLst>
+                                </p:cTn>
+                              </p:par>
+                            </p:childTnLst>
+                          </p:cTn>
+                        </p:par>
+                      </p:childTnLst>
+                    </p:cTn>
+                  </p:par>
+                  <p:par>
+                    <p:cTn id="8" fill="hold">
+                      <p:stCondLst>
+                        <p:cond delay="indefinite"/>
+                      </p:stCondLst>
+                      <p:childTnLst>
+                        <p:par>
+                          <p:cTn id="9" fill="hold">
+                            <p:stCondLst>
+                              <p:cond delay="0"/>
+                            </p:stCondLst>
+                            <p:childTnLst>
+                              <p:par>
+                                <p:cTn id="10" presetID="14" presetClass="entr" presetSubtype="10" fill="hold" grpId="0" nodeType="clickEffect">
+                                  <p:stCondLst>
+                                    <p:cond delay="0"/>
+                                  </p:stCondLst>
+                                  <p:childTnLst>
+                                    <p:set>
+                                      <p:cBhvr>
+                                        <p:cTn id="11" dur="1" fill="hold">
+                                          <p:stCondLst>
+                                            <p:cond delay="0"/>
+                                          </p:stCondLst>
+                                        </p:cTn>
+                                        <p:tgtEl>
+                                          <p:spTgt spid="3">
+                                            <p:txEl>
+                                              <p:pRg st="1" end="1"/>
+                                            </p:txEl>
+                                          </p:spTgt>
+                                        </p:tgtEl>
+                                        <p:attrNameLst>
+                                          <p:attrName>style.visibility</p:attrName>
+                                        </p:attrNameLst>
+                                      </p:cBhvr>
+                                      <p:to>
+                                        <p:strVal val="visible"/>
+                                      </p:to>
+                                    </p:set>
+                                    <p:animEffect transition="in" filter="randombar(horizontal)">
+                                      <p:cBhvr>
+                                        <p:cTn id="12" dur="500"/>
+                                        <p:tgtEl>
+                                          <p:spTgt spid="3">
+                                            <p:txEl>
+                                              <p:pRg st="1" end="1"/>
+                                            </p:txEl>
+                                          </p:spTgt>
+                                        </p:tgtEl>
+                                      </p:cBhvr>
+                                    </p:animEffect>
+                                  </p:childTnLst>
+                                </p:cTn>
+                              </p:par>
+                            </p:childTnLst>
+                          </p:cTn>
+                        </p:par>
+                      </p:childTnLst>
+                    </p:cTn>
+                  </p:par>
+                  <p:par>
+                    <p:cTn id="13" fill="hold">
+                      <p:stCondLst>
+                        <p:cond delay="indefinite"/>
+                      </p:stCondLst>
+                      <p:childTnLst>
+                        <p:par>
+                          <p:cTn id="14" fill="hold">
+                            <p:stCondLst>
+                              <p:cond delay="0"/>
+                            </p:stCondLst>
+                            <p:childTnLst>
+                              <p:par>
+                                <p:cTn id="15" presetID="14" presetClass="entr" presetSubtype="10" fill="hold" grpId="0" nodeType="clickEffect">
+                                  <p:stCondLst>
+                                    <p:cond delay="0"/>
+                                  </p:stCondLst>
+                                  <p:childTnLst>
+                                    <p:set>
+                                      <p:cBhvr>
+                                        <p:cTn id="16" dur="1" fill="hold">
+                                          <p:stCondLst>
+                                            <p:cond delay="0"/>
+                                          </p:stCondLst>
+                                        </p:cTn>
+                                        <p:tgtEl>
+                                          <p:spTgt spid="3">
+                                            <p:txEl>
+                                              <p:pRg st="2" end="2"/>
+                                            </p:txEl>
+                                          </p:spTgt>
+                                        </p:tgtEl>
+                                        <p:attrNameLst>
+                                          <p:attrName>style.visibility</p:attrName>
+                                        </p:attrNameLst>
+                                      </p:cBhvr>
+                                      <p:to>
+                                        <p:strVal val="visible"/>
+                                      </p:to>
+                                    </p:set>
+                                    <p:animEffect transition="in" filter="randombar(horizontal)">
+                                      <p:cBhvr>
+                                        <p:cTn id="17" dur="500"/>
+                                        <p:tgtEl>
+                                          <p:spTgt spid="3">
+                                            <p:txEl>
+                                              <p:pRg st="2" end="2"/>
+                                            </p:txEl>
+                                          </p:spTgt>
+                                        </p:tgtEl>
+                                      </p:cBhvr>
+                                    </p:animEffect>
+                                  </p:childTnLst>
+                                </p:cTn>
+                              </p:par>
+                            </p:childTnLst>
+                          </p:cTn>
+                        </p:par>
+                      </p:childTnLst>
+                    </p:cTn>
+                  </p:par>
+                  <p:par>
+                    <p:cTn id="18" fill="hold">
+                      <p:stCondLst>
+                        <p:cond delay="indefinite"/>
+                      </p:stCondLst>
+                      <p:childTnLst>
+                        <p:par>
+                          <p:cTn id="19" fill="hold">
+                            <p:stCondLst>
+                              <p:cond delay="0"/>
+                            </p:stCondLst>
+                            <p:childTnLst>
+                              <p:par>
+                                <p:cTn id="20" presetID="14" presetClass="entr" presetSubtype="10" fill="hold" grpId="0" nodeType="clickEffect">
+                                  <p:stCondLst>
+                                    <p:cond delay="0"/>
+                                  </p:stCondLst>
+                                  <p:childTnLst>
+                                    <p:set>
+                                      <p:cBhvr>
+                                        <p:cTn id="21" dur="1" fill="hold">
+                                          <p:stCondLst>
+                                            <p:cond delay="0"/>
+                                          </p:stCondLst>
+                                        </p:cTn>
+                                        <p:tgtEl>
+                                          <p:spTgt spid="3">
+                                            <p:txEl>
+                                              <p:pRg st="3" end="3"/>
+                                            </p:txEl>
+                                          </p:spTgt>
+                                        </p:tgtEl>
+                                        <p:attrNameLst>
+                                          <p:attrName>style.visibility</p:attrName>
+                                        </p:attrNameLst>
+                                      </p:cBhvr>
+                                      <p:to>
+                                        <p:strVal val="visible"/>
+                                      </p:to>
+                                    </p:set>
+                                    <p:animEffect transition="in" filter="randombar(horizontal)">
+                                      <p:cBhvr>
+                                        <p:cTn id="22" dur="500"/>
+                                        <p:tgtEl>
+                                          <p:spTgt spid="3">
+                                            <p:txEl>
+                                              <p:pRg st="3" end="3"/>
+                                            </p:txEl>
+                                          </p:spTgt>
+                                        </p:tgtEl>
+                                      </p:cBhvr>
+                                    </p:animEffect>
+                                  </p:childTnLst>
+                                </p:cTn>
+                              </p:par>
+                            </p:childTnLst>
+                          </p:cTn>
+                        </p:par>
+                      </p:childTnLst>
+                    </p:cTn>
+                  </p:par>
+                  <p:par>
+                    <p:cTn id="23" fill="hold">
+                      <p:stCondLst>
+                        <p:cond delay="indefinite"/>
+                      </p:stCondLst>
+                      <p:childTnLst>
+                        <p:par>
+                          <p:cTn id="24" fill="hold">
+                            <p:stCondLst>
+                              <p:cond delay="0"/>
+                            </p:stCondLst>
+                            <p:childTnLst>
+                              <p:par>
+                                <p:cTn id="25" presetID="14" presetClass="entr" presetSubtype="10" fill="hold" grpId="0" nodeType="clickEffect">
+                                  <p:stCondLst>
+                                    <p:cond delay="0"/>
+                                  </p:stCondLst>
+                                  <p:childTnLst>
+                                    <p:set>
+                                      <p:cBhvr>
+                                        <p:cTn id="26" dur="1" fill="hold">
+                                          <p:stCondLst>
+                                            <p:cond delay="0"/>
+                                          </p:stCondLst>
+                                        </p:cTn>
+                                        <p:tgtEl>
+                                          <p:spTgt spid="3">
+                                            <p:txEl>
+                                              <p:pRg st="4" end="4"/>
+                                            </p:txEl>
+                                          </p:spTgt>
+                                        </p:tgtEl>
+                                        <p:attrNameLst>
+                                          <p:attrName>style.visibility</p:attrName>
+                                        </p:attrNameLst>
+                                      </p:cBhvr>
+                                      <p:to>
+                                        <p:strVal val="visible"/>
+                                      </p:to>
+                                    </p:set>
+                                    <p:animEffect transition="in" filter="randombar(horizontal)">
+                                      <p:cBhvr>
+                                        <p:cTn id="27" dur="500"/>
+                                        <p:tgtEl>
+                                          <p:spTgt spid="3">
+                                            <p:txEl>
+                                              <p:pRg st="4" end="4"/>
+                                            </p:txEl>
+                                          </p:spTgt>
+                                        </p:tgtEl>
+                                      </p:cBhvr>
+                                    </p:animEffect>
+                                  </p:childTnLst>
+                                </p:cTn>
+                              </p:par>
+                            </p:childTnLst>
+                          </p:cTn>
+                        </p:par>
+                      </p:childTnLst>
+                    </p:cTn>
+                  </p:par>
+                  <p:par>
+                    <p:cTn id="28" fill="hold">
+                      <p:stCondLst>
+                        <p:cond delay="indefinite"/>
+                      </p:stCondLst>
+                      <p:childTnLst>
+                        <p:par>
+                          <p:cTn id="29" fill="hold">
+                            <p:stCondLst>
+                              <p:cond delay="0"/>
+                            </p:stCondLst>
+                            <p:childTnLst>
+                              <p:par>
+                                <p:cTn id="30" presetID="14" presetClass="entr" presetSubtype="10" fill="hold" grpId="0" nodeType="clickEffect">
+                                  <p:stCondLst>
+                                    <p:cond delay="0"/>
+                                  </p:stCondLst>
+                                  <p:childTnLst>
+                                    <p:set>
+                                      <p:cBhvr>
+                                        <p:cTn id="31" dur="1" fill="hold">
+                                          <p:stCondLst>
+                                            <p:cond delay="0"/>
+                                          </p:stCondLst>
+                                        </p:cTn>
+                                        <p:tgtEl>
+                                          <p:spTgt spid="3">
+                                            <p:txEl>
+                                              <p:pRg st="5" end="5"/>
+                                            </p:txEl>
+                                          </p:spTgt>
+                                        </p:tgtEl>
+                                        <p:attrNameLst>
+                                          <p:attrName>style.visibility</p:attrName>
+                                        </p:attrNameLst>
+                                      </p:cBhvr>
+                                      <p:to>
+                                        <p:strVal val="visible"/>
+                                      </p:to>
+                                    </p:set>
+                                    <p:animEffect transition="in" filter="randombar(horizontal)">
+                                      <p:cBhvr>
+                                        <p:cTn id="32" dur="500"/>
+                                        <p:tgtEl>
+                                          <p:spTgt spid="3">
+                                            <p:txEl>
+                                              <p:pRg st="5" end="5"/>
+                                            </p:txEl>
+                                          </p:spTgt>
+                                        </p:tgtEl>
+                                      </p:cBhvr>
+                                    </p:animEffect>
+                                  </p:childTnLst>
+                                </p:cTn>
+                              </p:par>
+                            </p:childTnLst>
+                          </p:cTn>
+                        </p:par>
+                      </p:childTnLst>
+                    </p:cTn>
+                  </p:par>
+                  <p:par>
+                    <p:cTn id="33" fill="hold">
+                      <p:stCondLst>
+                        <p:cond delay="indefinite"/>
+                      </p:stCondLst>
+                      <p:childTnLst>
+                        <p:par>
+                          <p:cTn id="34" fill="hold">
+                            <p:stCondLst>
+                              <p:cond delay="0"/>
+                            </p:stCondLst>
+                            <p:childTnLst>
+                              <p:par>
+                                <p:cTn id="35" presetID="14" presetClass="entr" presetSubtype="10" fill="hold" grpId="0" nodeType="clickEffect">
+                                  <p:stCondLst>
+                                    <p:cond delay="0"/>
+                                  </p:stCondLst>
+                                  <p:childTnLst>
+                                    <p:set>
+                                      <p:cBhvr>
+                                        <p:cTn id="36" dur="1" fill="hold">
+                                          <p:stCondLst>
+                                            <p:cond delay="0"/>
+                                          </p:stCondLst>
+                                        </p:cTn>
+                                        <p:tgtEl>
+                                          <p:spTgt spid="3">
+                                            <p:txEl>
+                                              <p:pRg st="6" end="6"/>
+                                            </p:txEl>
+                                          </p:spTgt>
+                                        </p:tgtEl>
+                                        <p:attrNameLst>
+                                          <p:attrName>style.visibility</p:attrName>
+                                        </p:attrNameLst>
+                                      </p:cBhvr>
+                                      <p:to>
+                                        <p:strVal val="visible"/>
+                                      </p:to>
+                                    </p:set>
+                                    <p:animEffect transition="in" filter="randombar(horizontal)">
+                                      <p:cBhvr>
+                                        <p:cTn id="37" dur="500"/>
+                                        <p:tgtEl>
+                                          <p:spTgt spid="3">
+                                            <p:txEl>
+                                              <p:pRg st="6" end="6"/>
+                                            </p:txEl>
+                                          </p:spTgt>
+                                        </p:tgtEl>
+                                      </p:cBhvr>
+                                    </p:animEffect>
+                                  </p:childTnLst>
+                                </p:cTn>
+                              </p:par>
+                            </p:childTnLst>
+                          </p:cTn>
+                        </p:par>
+                      </p:childTnLst>
+                    </p:cTn>
+                  </p:par>
+                  <p:par>
+                    <p:cTn id="38" fill="hold">
+                      <p:stCondLst>
+                        <p:cond delay="indefinite"/>
+                      </p:stCondLst>
+                      <p:childTnLst>
+                        <p:par>
+                          <p:cTn id="39" fill="hold">
+                            <p:stCondLst>
+                              <p:cond delay="0"/>
+                            </p:stCondLst>
+                            <p:childTnLst>
+                              <p:par>
+                                <p:cTn id="40" presetID="14" presetClass="entr" presetSubtype="10" fill="hold" grpId="0" nodeType="clickEffect">
+                                  <p:stCondLst>
+                                    <p:cond delay="0"/>
+                                  </p:stCondLst>
+                                  <p:childTnLst>
+                                    <p:set>
+                                      <p:cBhvr>
+                                        <p:cTn id="41" dur="1" fill="hold">
+                                          <p:stCondLst>
+                                            <p:cond delay="0"/>
+                                          </p:stCondLst>
+                                        </p:cTn>
+                                        <p:tgtEl>
+                                          <p:spTgt spid="3">
+                                            <p:txEl>
+                                              <p:pRg st="7" end="7"/>
+                                            </p:txEl>
+                                          </p:spTgt>
+                                        </p:tgtEl>
+                                        <p:attrNameLst>
+                                          <p:attrName>style.visibility</p:attrName>
+                                        </p:attrNameLst>
+                                      </p:cBhvr>
+                                      <p:to>
+                                        <p:strVal val="visible"/>
+                                      </p:to>
+                                    </p:set>
+                                    <p:animEffect transition="in" filter="randombar(horizontal)">
+                                      <p:cBhvr>
+                                        <p:cTn id="42" dur="500"/>
+                                        <p:tgtEl>
+                                          <p:spTgt spid="3">
+                                            <p:txEl>
+                                              <p:pRg st="7" end="7"/>
+                                            </p:txEl>
+                                          </p:spTgt>
+                                        </p:tgtEl>
+                                      </p:cBhvr>
+                                    </p:animEffect>
+                                  </p:childTnLst>
+                                </p:cTn>
+                              </p:par>
+                            </p:childTnLst>
+                          </p:cTn>
+                        </p:par>
+                      </p:childTnLst>
+                    </p:cTn>
+                  </p:par>
+                  <p:par>
+                    <p:cTn id="43" fill="hold">
+                      <p:stCondLst>
+                        <p:cond delay="indefinite"/>
+                      </p:stCondLst>
+                      <p:childTnLst>
+                        <p:par>
+                          <p:cTn id="44" fill="hold">
+                            <p:stCondLst>
+                              <p:cond delay="0"/>
+                            </p:stCondLst>
+                            <p:childTnLst>
+                              <p:par>
+                                <p:cTn id="45" presetID="14" presetClass="entr" presetSubtype="10" fill="hold" grpId="0" nodeType="clickEffect">
+                                  <p:stCondLst>
+                                    <p:cond delay="0"/>
+                                  </p:stCondLst>
+                                  <p:childTnLst>
+                                    <p:set>
+                                      <p:cBhvr>
+                                        <p:cTn id="46" dur="1" fill="hold">
+                                          <p:stCondLst>
+                                            <p:cond delay="0"/>
+                                          </p:stCondLst>
+                                        </p:cTn>
+                                        <p:tgtEl>
+                                          <p:spTgt spid="3">
+                                            <p:txEl>
+                                              <p:pRg st="8" end="8"/>
+                                            </p:txEl>
+                                          </p:spTgt>
+                                        </p:tgtEl>
+                                        <p:attrNameLst>
+                                          <p:attrName>style.visibility</p:attrName>
+                                        </p:attrNameLst>
+                                      </p:cBhvr>
+                                      <p:to>
+                                        <p:strVal val="visible"/>
+                                      </p:to>
+                                    </p:set>
+                                    <p:animEffect transition="in" filter="randombar(horizontal)">
+                                      <p:cBhvr>
+                                        <p:cTn id="47" dur="500"/>
+                                        <p:tgtEl>
+                                          <p:spTgt spid="3">
+                                            <p:txEl>
+                                              <p:pRg st="8" end="8"/>
+                                            </p:txEl>
+                                          </p:spTgt>
+                                        </p:tgtEl>
+                                      </p:cBhvr>
+                                    </p:animEffect>
+                                  </p:childTnLst>
+                                </p:cTn>
+                              </p:par>
+                            </p:childTnLst>
+                          </p:cTn>
+                        </p:par>
+                      </p:childTnLst>
+                    </p:cTn>
+                  </p:par>
+                  <p:par>
+                    <p:cTn id="48" fill="hold">
+                      <p:stCondLst>
+                        <p:cond delay="indefinite"/>
+                      </p:stCondLst>
+                      <p:childTnLst>
+                        <p:par>
+                          <p:cTn id="49" fill="hold">
+                            <p:stCondLst>
+                              <p:cond delay="0"/>
+                            </p:stCondLst>
+                            <p:childTnLst>
+                              <p:par>
+                                <p:cTn id="50" presetID="14" presetClass="entr" presetSubtype="10" fill="hold" grpId="0" nodeType="clickEffect">
+                                  <p:stCondLst>
+                                    <p:cond delay="0"/>
+                                  </p:stCondLst>
+                                  <p:childTnLst>
+                                    <p:set>
+                                      <p:cBhvr>
+                                        <p:cTn id="51" dur="1" fill="hold">
+                                          <p:stCondLst>
+                                            <p:cond delay="0"/>
+                                          </p:stCondLst>
+                                        </p:cTn>
+                                        <p:tgtEl>
+                                          <p:spTgt spid="3">
+                                            <p:txEl>
+                                              <p:pRg st="9" end="9"/>
+                                            </p:txEl>
+                                          </p:spTgt>
+                                        </p:tgtEl>
+                                        <p:attrNameLst>
+                                          <p:attrName>style.visibility</p:attrName>
+                                        </p:attrNameLst>
+                                      </p:cBhvr>
+                                      <p:to>
+                                        <p:strVal val="visible"/>
+                                      </p:to>
+                                    </p:set>
+                                    <p:animEffect transition="in" filter="randombar(horizontal)">
+                                      <p:cBhvr>
+                                        <p:cTn id="52" dur="500"/>
+                                        <p:tgtEl>
+                                          <p:spTgt spid="3">
+                                            <p:txEl>
+                                              <p:pRg st="9" end="9"/>
+                                            </p:txEl>
+                                          </p:spTgt>
+                                        </p:tgtEl>
+                                      </p:cBhvr>
+                                    </p:animEffect>
+                                  </p:childTnLst>
+                                </p:cTn>
+                              </p:par>
+                            </p:childTnLst>
+                          </p:cTn>
+                        </p:par>
+                      </p:childTnLst>
+                    </p:cTn>
+                  </p:par>
+                  <p:par>
+                    <p:cTn id="53" fill="hold">
+                      <p:stCondLst>
+                        <p:cond delay="indefinite"/>
+                      </p:stCondLst>
+                      <p:childTnLst>
+                        <p:par>
+                          <p:cTn id="54" fill="hold">
+                            <p:stCondLst>
+                              <p:cond delay="0"/>
+                            </p:stCondLst>
+                            <p:childTnLst>
+                              <p:par>
+                                <p:cTn id="55" presetID="14" presetClass="entr" presetSubtype="10" fill="hold" grpId="0" nodeType="clickEffect">
+                                  <p:stCondLst>
+                                    <p:cond delay="0"/>
+                                  </p:stCondLst>
+                                  <p:childTnLst>
+                                    <p:set>
+                                      <p:cBhvr>
+                                        <p:cTn id="56" dur="1" fill="hold">
+                                          <p:stCondLst>
+                                            <p:cond delay="0"/>
+                                          </p:stCondLst>
+                                        </p:cTn>
+                                        <p:tgtEl>
+                                          <p:spTgt spid="3">
+                                            <p:txEl>
+                                              <p:pRg st="10" end="10"/>
+                                            </p:txEl>
+                                          </p:spTgt>
+                                        </p:tgtEl>
+                                        <p:attrNameLst>
+                                          <p:attrName>style.visibility</p:attrName>
+                                        </p:attrNameLst>
+                                      </p:cBhvr>
+                                      <p:to>
+                                        <p:strVal val="visible"/>
+                                      </p:to>
+                                    </p:set>
+                                    <p:animEffect transition="in" filter="randombar(horizontal)">
+                                      <p:cBhvr>
+                                        <p:cTn id="57" dur="500"/>
+                                        <p:tgtEl>
+                                          <p:spTgt spid="3">
+                                            <p:txEl>
+                                              <p:pRg st="10" end="10"/>
+                                            </p:txEl>
+                                          </p:spTgt>
+                                        </p:tgtEl>
+                                      </p:cBhvr>
+                                    </p:animEffect>
+                                  </p:childTnLst>
+                                </p:cTn>
+                              </p:par>
+                            </p:childTnLst>
+                          </p:cTn>
+                        </p:par>
+                      </p:childTnLst>
+                    </p:cTn>
+                  </p:par>
+                </p:childTnLst>
+              </p:cTn>
+              <p:prevCondLst>
+                <p:cond evt="onPrev" delay="0">
+                  <p:tgtEl>
+                    <p:sldTgt/>
+                  </p:tgtEl>
+                </p:cond>
+              </p:prevCondLst>
+              <p:nextCondLst>
+                <p:cond evt="onNext" delay="0">
+                  <p:tgtEl>
+                    <p:sldTgt/>
+                  </p:tgtEl>
+                </p:cond>
+              </p:nextCondLst>
+            </p:seq>
+          </p:childTnLst>
+        </p:cTn>
       </p:par>
     </p:tnLst>
+    <p:bldLst>
+      <p:bldP spid="3" grpId="0" build="p"/>
+    </p:bldLst>
   </p:timing>
 </p:sld>
 </file>
@@ -3301,21 +7588,22 @@
         </p:nvSpPr>
         <p:spPr>
           <a:xfrm>
-            <a:off x="1951290" y="546931"/>
-            <a:ext cx="7756733" cy="940036"/>
+            <a:off x="4589929" y="152399"/>
+            <a:ext cx="1603929" cy="680143"/>
           </a:xfrm>
         </p:spPr>
         <p:txBody>
           <a:bodyPr>
-            <a:normAutofit/>
+            <a:normAutofit fontScale="90000"/>
           </a:bodyPr>
           <a:lstStyle/>
           <a:p>
-            <a:r>
-              <a:rPr lang="en-IN" sz="3600" b="1" dirty="0" smtClean="0"/>
+            <a:pPr algn="ctr"/>
+            <a:r>
+              <a:rPr lang="en-IN" sz="3600" b="1" u="sng" dirty="0" smtClean="0"/>
               <a:t>Python</a:t>
             </a:r>
-            <a:endParaRPr lang="en-IN" sz="3600" b="1" dirty="0"/>
+            <a:endParaRPr lang="en-IN" sz="3600" b="1" u="sng" dirty="0"/>
           </a:p>
         </p:txBody>
       </p:sp>
@@ -3341,12 +7629,24 @@
         </p:blipFill>
         <p:spPr>
           <a:xfrm>
-            <a:off x="2802530" y="1589515"/>
-            <a:ext cx="5623623" cy="4217718"/>
+            <a:off x="1586753" y="1033702"/>
+            <a:ext cx="7413811" cy="5560359"/>
           </a:xfrm>
           <a:prstGeom prst="rect">
             <a:avLst/>
           </a:prstGeom>
+          <a:ln w="88900" cap="sq" cmpd="thickThin">
+            <a:solidFill>
+              <a:srgbClr val="000000"/>
+            </a:solidFill>
+            <a:prstDash val="solid"/>
+            <a:miter lim="800000"/>
+          </a:ln>
+          <a:effectLst>
+            <a:innerShdw blurRad="76200">
+              <a:srgbClr val="000000"/>
+            </a:innerShdw>
+          </a:effectLst>
         </p:spPr>
       </p:pic>
     </p:spTree>
@@ -3359,10 +7659,98 @@
   <p:clrMapOvr>
     <a:masterClrMapping/>
   </p:clrMapOvr>
+  <mc:AlternateContent xmlns:mc="http://schemas.openxmlformats.org/markup-compatibility/2006" xmlns:p15="http://schemas.microsoft.com/office/powerpoint/2012/main">
+    <mc:Choice Requires="p15">
+      <p:transition xmlns:p14="http://schemas.microsoft.com/office/powerpoint/2010/main" spd="slow" p14:dur="2000">
+        <p15:prstTrans prst="fallOver"/>
+      </p:transition>
+    </mc:Choice>
+    <mc:Fallback xmlns="">
+      <p:transition spd="slow">
+        <p:fade/>
+      </p:transition>
+    </mc:Fallback>
+  </mc:AlternateContent>
   <p:timing>
     <p:tnLst>
       <p:par>
-        <p:cTn id="1" dur="indefinite" restart="never" nodeType="tmRoot"/>
+        <p:cTn id="1" dur="indefinite" restart="never" nodeType="tmRoot">
+          <p:childTnLst>
+            <p:seq concurrent="1" nextAc="seek">
+              <p:cTn id="2" dur="indefinite" nodeType="mainSeq">
+                <p:childTnLst>
+                  <p:par>
+                    <p:cTn id="3" fill="hold">
+                      <p:stCondLst>
+                        <p:cond delay="indefinite"/>
+                      </p:stCondLst>
+                      <p:childTnLst>
+                        <p:par>
+                          <p:cTn id="4" fill="hold">
+                            <p:stCondLst>
+                              <p:cond delay="0"/>
+                            </p:stCondLst>
+                            <p:childTnLst>
+                              <p:par>
+                                <p:cTn id="5" presetID="22" presetClass="entr" presetSubtype="4" fill="hold" nodeType="clickEffect">
+                                  <p:stCondLst>
+                                    <p:cond delay="0"/>
+                                  </p:stCondLst>
+                                  <p:childTnLst>
+                                    <p:set>
+                                      <p:cBhvr>
+                                        <p:cTn id="6" dur="1" fill="hold">
+                                          <p:stCondLst>
+                                            <p:cond delay="0"/>
+                                          </p:stCondLst>
+                                        </p:cTn>
+                                        <p:tgtEl>
+                                          <p:spTgt spid="4"/>
+                                        </p:tgtEl>
+                                        <p:attrNameLst>
+                                          <p:attrName>style.visibility</p:attrName>
+                                        </p:attrNameLst>
+                                      </p:cBhvr>
+                                      <p:to>
+                                        <p:strVal val="visible"/>
+                                      </p:to>
+                                    </p:set>
+                                    <p:animEffect transition="in" filter="wipe(down)">
+                                      <p:cBhvr>
+                                        <p:cTn id="7" dur="500"/>
+                                        <p:tgtEl>
+                                          <p:spTgt spid="4"/>
+                                        </p:tgtEl>
+                                      </p:cBhvr>
+                                    </p:animEffect>
+                                  </p:childTnLst>
+                                </p:cTn>
+                              </p:par>
+                            </p:childTnLst>
+                          </p:cTn>
+                        </p:par>
+                      </p:childTnLst>
+                    </p:cTn>
+                  </p:par>
+                </p:childTnLst>
+              </p:cTn>
+              <p:prevCondLst>
+                <p:cond evt="onPrev" delay="0">
+                  <p:tgtEl>
+                    <p:sldTgt/>
+                  </p:tgtEl>
+                </p:cond>
+              </p:prevCondLst>
+              <p:nextCondLst>
+                <p:cond evt="onNext" delay="0">
+                  <p:tgtEl>
+                    <p:sldTgt/>
+                  </p:tgtEl>
+                </p:cond>
+              </p:nextCondLst>
+            </p:seq>
+          </p:childTnLst>
+        </p:cTn>
       </p:par>
     </p:tnLst>
   </p:timing>
@@ -3398,8 +7786,8 @@
         </p:nvSpPr>
         <p:spPr>
           <a:xfrm>
-            <a:off x="1951290" y="546931"/>
-            <a:ext cx="7756733" cy="940036"/>
+            <a:off x="1933361" y="268940"/>
+            <a:ext cx="5650781" cy="716001"/>
           </a:xfrm>
         </p:spPr>
         <p:txBody>
@@ -3409,10 +7797,10 @@
           <a:lstStyle/>
           <a:p>
             <a:r>
-              <a:rPr lang="en-US" sz="3600" b="1" dirty="0" smtClean="0"/>
+              <a:rPr lang="en-US" sz="3600" b="1" u="sng" dirty="0" smtClean="0"/>
               <a:t>Reason for Popularity</a:t>
             </a:r>
-            <a:endParaRPr lang="en-IN" sz="3600" b="1" dirty="0"/>
+            <a:endParaRPr lang="en-IN" sz="3600" b="1" u="sng" dirty="0"/>
           </a:p>
         </p:txBody>
       </p:sp>
@@ -3428,138 +7816,144 @@
         </p:nvSpPr>
         <p:spPr>
           <a:xfrm>
-            <a:off x="1418600" y="1734795"/>
-            <a:ext cx="9930214" cy="4370170"/>
+            <a:off x="1497106" y="1698936"/>
+            <a:ext cx="7395883" cy="4370170"/>
           </a:xfrm>
         </p:spPr>
         <p:txBody>
           <a:bodyPr>
-            <a:normAutofit/>
+            <a:noAutofit/>
           </a:bodyPr>
           <a:lstStyle/>
           <a:p>
             <a:pPr marL="285750" indent="-285750" algn="l">
-              <a:buFont typeface="Arial" panose="020B0604020202020204" pitchFamily="34" charset="0"/>
-              <a:buChar char="•"/>
+              <a:buFont typeface="Wingdings" panose="05000000000000000000" pitchFamily="2" charset="2"/>
+              <a:buChar char="Ø"/>
             </a:pPr>
             <a:r>
-              <a:rPr lang="en-US" sz="1600" dirty="0" smtClean="0"/>
+              <a:rPr lang="en-US" dirty="0" smtClean="0"/>
               <a:t>Free</a:t>
             </a:r>
           </a:p>
           <a:p>
             <a:pPr marL="285750" indent="-285750" algn="l">
-              <a:buFont typeface="Arial" panose="020B0604020202020204" pitchFamily="34" charset="0"/>
-              <a:buChar char="•"/>
+              <a:buFont typeface="Wingdings" panose="05000000000000000000" pitchFamily="2" charset="2"/>
+              <a:buChar char="Ø"/>
             </a:pPr>
             <a:r>
-              <a:rPr lang="en-US" sz="1600" dirty="0" smtClean="0"/>
+              <a:rPr lang="en-US" dirty="0" smtClean="0"/>
               <a:t>Software Quality</a:t>
             </a:r>
           </a:p>
           <a:p>
             <a:pPr marL="285750" indent="-285750" algn="l">
-              <a:buFont typeface="Arial" panose="020B0604020202020204" pitchFamily="34" charset="0"/>
-              <a:buChar char="•"/>
+              <a:buFont typeface="Wingdings" panose="05000000000000000000" pitchFamily="2" charset="2"/>
+              <a:buChar char="Ø"/>
             </a:pPr>
             <a:r>
-              <a:rPr lang="en-US" sz="1600" dirty="0" smtClean="0"/>
+              <a:rPr lang="en-US" dirty="0" smtClean="0"/>
               <a:t>Developer Productivity</a:t>
             </a:r>
           </a:p>
           <a:p>
             <a:pPr marL="285750" indent="-285750" algn="l">
-              <a:buFont typeface="Arial" panose="020B0604020202020204" pitchFamily="34" charset="0"/>
-              <a:buChar char="•"/>
+              <a:buFont typeface="Wingdings" panose="05000000000000000000" pitchFamily="2" charset="2"/>
+              <a:buChar char="Ø"/>
             </a:pPr>
             <a:r>
-              <a:rPr lang="en-US" sz="1600" dirty="0" smtClean="0"/>
+              <a:rPr lang="en-US" dirty="0" smtClean="0"/>
               <a:t>Program portability. </a:t>
             </a:r>
           </a:p>
           <a:p>
             <a:pPr marL="285750" indent="-285750" algn="l">
-              <a:buFont typeface="Arial" panose="020B0604020202020204" pitchFamily="34" charset="0"/>
-              <a:buChar char="•"/>
+              <a:buFont typeface="Wingdings" panose="05000000000000000000" pitchFamily="2" charset="2"/>
+              <a:buChar char="Ø"/>
             </a:pPr>
             <a:r>
-              <a:rPr lang="en-US" sz="1600" dirty="0" smtClean="0"/>
+              <a:rPr lang="en-US" dirty="0" smtClean="0"/>
               <a:t>Support libraries</a:t>
             </a:r>
           </a:p>
           <a:p>
             <a:pPr marL="285750" indent="-285750" algn="l">
-              <a:buFont typeface="Arial" panose="020B0604020202020204" pitchFamily="34" charset="0"/>
-              <a:buChar char="•"/>
+              <a:buFont typeface="Wingdings" panose="05000000000000000000" pitchFamily="2" charset="2"/>
+              <a:buChar char="Ø"/>
             </a:pPr>
             <a:r>
-              <a:rPr lang="en-US" sz="1600" dirty="0" smtClean="0"/>
+              <a:rPr lang="en-US" dirty="0" smtClean="0"/>
               <a:t>Component integration.</a:t>
             </a:r>
           </a:p>
           <a:p>
             <a:pPr algn="l"/>
             <a:r>
-              <a:rPr lang="en-US" sz="1600" b="1" dirty="0" smtClean="0"/>
-              <a:t>Who Uses Python today.</a:t>
+              <a:rPr lang="en-US" sz="2000" b="1" dirty="0" smtClean="0">
+                <a:solidFill>
+                  <a:schemeClr val="accent2">
+                    <a:lumMod val="75000"/>
+                  </a:schemeClr>
+                </a:solidFill>
+              </a:rPr>
+              <a:t>Who Uses Python today?</a:t>
             </a:r>
           </a:p>
           <a:p>
             <a:pPr marL="285750" indent="-285750" algn="l">
-              <a:buFont typeface="Arial" panose="020B0604020202020204" pitchFamily="34" charset="0"/>
-              <a:buChar char="•"/>
+              <a:buFont typeface="Wingdings" panose="05000000000000000000" pitchFamily="2" charset="2"/>
+              <a:buChar char="Ø"/>
             </a:pPr>
             <a:r>
-              <a:rPr lang="en-US" sz="1600" dirty="0" smtClean="0"/>
+              <a:rPr lang="en-US" dirty="0" smtClean="0"/>
               <a:t>Google in web search.</a:t>
             </a:r>
           </a:p>
           <a:p>
             <a:pPr marL="285750" indent="-285750" algn="l">
-              <a:buFont typeface="Arial" panose="020B0604020202020204" pitchFamily="34" charset="0"/>
-              <a:buChar char="•"/>
+              <a:buFont typeface="Wingdings" panose="05000000000000000000" pitchFamily="2" charset="2"/>
+              <a:buChar char="Ø"/>
             </a:pPr>
             <a:r>
-              <a:rPr lang="en-US" sz="1600" dirty="0" smtClean="0"/>
+              <a:rPr lang="en-US" dirty="0" smtClean="0"/>
               <a:t>NASA- scientific programming.</a:t>
             </a:r>
           </a:p>
           <a:p>
             <a:pPr marL="285750" indent="-285750" algn="l">
-              <a:buFont typeface="Arial" panose="020B0604020202020204" pitchFamily="34" charset="0"/>
-              <a:buChar char="•"/>
+              <a:buFont typeface="Wingdings" panose="05000000000000000000" pitchFamily="2" charset="2"/>
+              <a:buChar char="Ø"/>
             </a:pPr>
             <a:r>
-              <a:rPr lang="en-US" sz="1600" dirty="0" smtClean="0"/>
+              <a:rPr lang="en-US" dirty="0" smtClean="0"/>
               <a:t>iRobot :  Commercial robot </a:t>
             </a:r>
             <a:r>
-              <a:rPr lang="en-US" sz="1600" dirty="0" err="1" smtClean="0"/>
+              <a:rPr lang="en-US" dirty="0" err="1" smtClean="0"/>
               <a:t>vaccum</a:t>
             </a:r>
             <a:r>
-              <a:rPr lang="en-US" sz="1600" dirty="0" smtClean="0"/>
+              <a:rPr lang="en-US" dirty="0" smtClean="0"/>
               <a:t> cleaners.</a:t>
             </a:r>
           </a:p>
           <a:p>
             <a:pPr marL="285750" indent="-285750" algn="l">
-              <a:buFont typeface="Arial" panose="020B0604020202020204" pitchFamily="34" charset="0"/>
-              <a:buChar char="•"/>
+              <a:buFont typeface="Wingdings" panose="05000000000000000000" pitchFamily="2" charset="2"/>
+              <a:buChar char="Ø"/>
             </a:pPr>
             <a:r>
-              <a:rPr lang="en-US" sz="1600" dirty="0" smtClean="0"/>
+              <a:rPr lang="en-US" dirty="0" smtClean="0"/>
               <a:t>Intel, HP, IBM , </a:t>
             </a:r>
             <a:r>
-              <a:rPr lang="en-US" sz="1600" dirty="0" err="1" smtClean="0"/>
+              <a:rPr lang="en-US" dirty="0" err="1" smtClean="0"/>
               <a:t>etc</a:t>
             </a:r>
-            <a:endParaRPr lang="en-US" sz="1600" dirty="0" smtClean="0"/>
+            <a:endParaRPr lang="en-US" dirty="0" smtClean="0"/>
           </a:p>
           <a:p>
             <a:pPr algn="l"/>
-            <a:endParaRPr lang="en-US" sz="1600" dirty="0" smtClean="0"/>
+            <a:endParaRPr lang="en-US" dirty="0" smtClean="0"/>
           </a:p>
         </p:txBody>
       </p:sp>
@@ -3573,12 +7967,813 @@
   <p:clrMapOvr>
     <a:masterClrMapping/>
   </p:clrMapOvr>
+  <mc:AlternateContent xmlns:mc="http://schemas.openxmlformats.org/markup-compatibility/2006" xmlns:p15="http://schemas.microsoft.com/office/powerpoint/2012/main">
+    <mc:Choice Requires="p15">
+      <p:transition xmlns:p14="http://schemas.microsoft.com/office/powerpoint/2010/main" spd="slow" p14:dur="2000">
+        <p15:prstTrans prst="fallOver"/>
+      </p:transition>
+    </mc:Choice>
+    <mc:Fallback xmlns="">
+      <p:transition spd="slow">
+        <p:fade/>
+      </p:transition>
+    </mc:Fallback>
+  </mc:AlternateContent>
   <p:timing>
     <p:tnLst>
       <p:par>
-        <p:cTn id="1" dur="indefinite" restart="never" nodeType="tmRoot"/>
+        <p:cTn id="1" dur="indefinite" restart="never" nodeType="tmRoot">
+          <p:childTnLst>
+            <p:seq concurrent="1" nextAc="seek">
+              <p:cTn id="2" dur="indefinite" nodeType="mainSeq">
+                <p:childTnLst>
+                  <p:par>
+                    <p:cTn id="3" fill="hold">
+                      <p:stCondLst>
+                        <p:cond delay="indefinite"/>
+                      </p:stCondLst>
+                      <p:childTnLst>
+                        <p:par>
+                          <p:cTn id="4" fill="hold">
+                            <p:stCondLst>
+                              <p:cond delay="0"/>
+                            </p:stCondLst>
+                            <p:childTnLst>
+                              <p:par>
+                                <p:cTn id="5" presetID="2" presetClass="entr" presetSubtype="4" fill="hold" grpId="0" nodeType="clickEffect">
+                                  <p:stCondLst>
+                                    <p:cond delay="0"/>
+                                  </p:stCondLst>
+                                  <p:childTnLst>
+                                    <p:set>
+                                      <p:cBhvr>
+                                        <p:cTn id="6" dur="1" fill="hold">
+                                          <p:stCondLst>
+                                            <p:cond delay="0"/>
+                                          </p:stCondLst>
+                                        </p:cTn>
+                                        <p:tgtEl>
+                                          <p:spTgt spid="2"/>
+                                        </p:tgtEl>
+                                        <p:attrNameLst>
+                                          <p:attrName>style.visibility</p:attrName>
+                                        </p:attrNameLst>
+                                      </p:cBhvr>
+                                      <p:to>
+                                        <p:strVal val="visible"/>
+                                      </p:to>
+                                    </p:set>
+                                    <p:anim calcmode="lin" valueType="num">
+                                      <p:cBhvr additive="base">
+                                        <p:cTn id="7" dur="250" fill="hold"/>
+                                        <p:tgtEl>
+                                          <p:spTgt spid="2"/>
+                                        </p:tgtEl>
+                                        <p:attrNameLst>
+                                          <p:attrName>ppt_x</p:attrName>
+                                        </p:attrNameLst>
+                                      </p:cBhvr>
+                                      <p:tavLst>
+                                        <p:tav tm="0">
+                                          <p:val>
+                                            <p:strVal val="#ppt_x"/>
+                                          </p:val>
+                                        </p:tav>
+                                        <p:tav tm="100000">
+                                          <p:val>
+                                            <p:strVal val="#ppt_x"/>
+                                          </p:val>
+                                        </p:tav>
+                                      </p:tavLst>
+                                    </p:anim>
+                                    <p:anim calcmode="lin" valueType="num">
+                                      <p:cBhvr additive="base">
+                                        <p:cTn id="8" dur="250" fill="hold"/>
+                                        <p:tgtEl>
+                                          <p:spTgt spid="2"/>
+                                        </p:tgtEl>
+                                        <p:attrNameLst>
+                                          <p:attrName>ppt_y</p:attrName>
+                                        </p:attrNameLst>
+                                      </p:cBhvr>
+                                      <p:tavLst>
+                                        <p:tav tm="0">
+                                          <p:val>
+                                            <p:strVal val="1+#ppt_h/2"/>
+                                          </p:val>
+                                        </p:tav>
+                                        <p:tav tm="100000">
+                                          <p:val>
+                                            <p:strVal val="#ppt_y"/>
+                                          </p:val>
+                                        </p:tav>
+                                      </p:tavLst>
+                                    </p:anim>
+                                  </p:childTnLst>
+                                </p:cTn>
+                              </p:par>
+                            </p:childTnLst>
+                          </p:cTn>
+                        </p:par>
+                      </p:childTnLst>
+                    </p:cTn>
+                  </p:par>
+                  <p:par>
+                    <p:cTn id="9" fill="hold">
+                      <p:stCondLst>
+                        <p:cond delay="indefinite"/>
+                      </p:stCondLst>
+                      <p:childTnLst>
+                        <p:par>
+                          <p:cTn id="10" fill="hold">
+                            <p:stCondLst>
+                              <p:cond delay="0"/>
+                            </p:stCondLst>
+                            <p:childTnLst>
+                              <p:par>
+                                <p:cTn id="11" presetID="14" presetClass="entr" presetSubtype="10" fill="hold" grpId="0" nodeType="clickEffect">
+                                  <p:stCondLst>
+                                    <p:cond delay="0"/>
+                                  </p:stCondLst>
+                                  <p:childTnLst>
+                                    <p:set>
+                                      <p:cBhvr>
+                                        <p:cTn id="12" dur="1" fill="hold">
+                                          <p:stCondLst>
+                                            <p:cond delay="0"/>
+                                          </p:stCondLst>
+                                        </p:cTn>
+                                        <p:tgtEl>
+                                          <p:spTgt spid="3">
+                                            <p:txEl>
+                                              <p:pRg st="0" end="0"/>
+                                            </p:txEl>
+                                          </p:spTgt>
+                                        </p:tgtEl>
+                                        <p:attrNameLst>
+                                          <p:attrName>style.visibility</p:attrName>
+                                        </p:attrNameLst>
+                                      </p:cBhvr>
+                                      <p:to>
+                                        <p:strVal val="visible"/>
+                                      </p:to>
+                                    </p:set>
+                                    <p:animEffect transition="in" filter="randombar(horizontal)">
+                                      <p:cBhvr>
+                                        <p:cTn id="13" dur="500"/>
+                                        <p:tgtEl>
+                                          <p:spTgt spid="3">
+                                            <p:txEl>
+                                              <p:pRg st="0" end="0"/>
+                                            </p:txEl>
+                                          </p:spTgt>
+                                        </p:tgtEl>
+                                      </p:cBhvr>
+                                    </p:animEffect>
+                                  </p:childTnLst>
+                                </p:cTn>
+                              </p:par>
+                            </p:childTnLst>
+                          </p:cTn>
+                        </p:par>
+                      </p:childTnLst>
+                    </p:cTn>
+                  </p:par>
+                  <p:par>
+                    <p:cTn id="14" fill="hold">
+                      <p:stCondLst>
+                        <p:cond delay="indefinite"/>
+                      </p:stCondLst>
+                      <p:childTnLst>
+                        <p:par>
+                          <p:cTn id="15" fill="hold">
+                            <p:stCondLst>
+                              <p:cond delay="0"/>
+                            </p:stCondLst>
+                            <p:childTnLst>
+                              <p:par>
+                                <p:cTn id="16" presetID="14" presetClass="entr" presetSubtype="10" fill="hold" grpId="0" nodeType="clickEffect">
+                                  <p:stCondLst>
+                                    <p:cond delay="0"/>
+                                  </p:stCondLst>
+                                  <p:childTnLst>
+                                    <p:set>
+                                      <p:cBhvr>
+                                        <p:cTn id="17" dur="1" fill="hold">
+                                          <p:stCondLst>
+                                            <p:cond delay="0"/>
+                                          </p:stCondLst>
+                                        </p:cTn>
+                                        <p:tgtEl>
+                                          <p:spTgt spid="3">
+                                            <p:txEl>
+                                              <p:pRg st="1" end="1"/>
+                                            </p:txEl>
+                                          </p:spTgt>
+                                        </p:tgtEl>
+                                        <p:attrNameLst>
+                                          <p:attrName>style.visibility</p:attrName>
+                                        </p:attrNameLst>
+                                      </p:cBhvr>
+                                      <p:to>
+                                        <p:strVal val="visible"/>
+                                      </p:to>
+                                    </p:set>
+                                    <p:animEffect transition="in" filter="randombar(horizontal)">
+                                      <p:cBhvr>
+                                        <p:cTn id="18" dur="500"/>
+                                        <p:tgtEl>
+                                          <p:spTgt spid="3">
+                                            <p:txEl>
+                                              <p:pRg st="1" end="1"/>
+                                            </p:txEl>
+                                          </p:spTgt>
+                                        </p:tgtEl>
+                                      </p:cBhvr>
+                                    </p:animEffect>
+                                  </p:childTnLst>
+                                </p:cTn>
+                              </p:par>
+                            </p:childTnLst>
+                          </p:cTn>
+                        </p:par>
+                      </p:childTnLst>
+                    </p:cTn>
+                  </p:par>
+                  <p:par>
+                    <p:cTn id="19" fill="hold">
+                      <p:stCondLst>
+                        <p:cond delay="indefinite"/>
+                      </p:stCondLst>
+                      <p:childTnLst>
+                        <p:par>
+                          <p:cTn id="20" fill="hold">
+                            <p:stCondLst>
+                              <p:cond delay="0"/>
+                            </p:stCondLst>
+                            <p:childTnLst>
+                              <p:par>
+                                <p:cTn id="21" presetID="14" presetClass="entr" presetSubtype="10" fill="hold" grpId="0" nodeType="clickEffect">
+                                  <p:stCondLst>
+                                    <p:cond delay="0"/>
+                                  </p:stCondLst>
+                                  <p:childTnLst>
+                                    <p:set>
+                                      <p:cBhvr>
+                                        <p:cTn id="22" dur="1" fill="hold">
+                                          <p:stCondLst>
+                                            <p:cond delay="0"/>
+                                          </p:stCondLst>
+                                        </p:cTn>
+                                        <p:tgtEl>
+                                          <p:spTgt spid="3">
+                                            <p:txEl>
+                                              <p:pRg st="2" end="2"/>
+                                            </p:txEl>
+                                          </p:spTgt>
+                                        </p:tgtEl>
+                                        <p:attrNameLst>
+                                          <p:attrName>style.visibility</p:attrName>
+                                        </p:attrNameLst>
+                                      </p:cBhvr>
+                                      <p:to>
+                                        <p:strVal val="visible"/>
+                                      </p:to>
+                                    </p:set>
+                                    <p:animEffect transition="in" filter="randombar(horizontal)">
+                                      <p:cBhvr>
+                                        <p:cTn id="23" dur="500"/>
+                                        <p:tgtEl>
+                                          <p:spTgt spid="3">
+                                            <p:txEl>
+                                              <p:pRg st="2" end="2"/>
+                                            </p:txEl>
+                                          </p:spTgt>
+                                        </p:tgtEl>
+                                      </p:cBhvr>
+                                    </p:animEffect>
+                                  </p:childTnLst>
+                                </p:cTn>
+                              </p:par>
+                            </p:childTnLst>
+                          </p:cTn>
+                        </p:par>
+                      </p:childTnLst>
+                    </p:cTn>
+                  </p:par>
+                  <p:par>
+                    <p:cTn id="24" fill="hold">
+                      <p:stCondLst>
+                        <p:cond delay="indefinite"/>
+                      </p:stCondLst>
+                      <p:childTnLst>
+                        <p:par>
+                          <p:cTn id="25" fill="hold">
+                            <p:stCondLst>
+                              <p:cond delay="0"/>
+                            </p:stCondLst>
+                            <p:childTnLst>
+                              <p:par>
+                                <p:cTn id="26" presetID="14" presetClass="entr" presetSubtype="10" fill="hold" grpId="0" nodeType="clickEffect">
+                                  <p:stCondLst>
+                                    <p:cond delay="0"/>
+                                  </p:stCondLst>
+                                  <p:childTnLst>
+                                    <p:set>
+                                      <p:cBhvr>
+                                        <p:cTn id="27" dur="1" fill="hold">
+                                          <p:stCondLst>
+                                            <p:cond delay="0"/>
+                                          </p:stCondLst>
+                                        </p:cTn>
+                                        <p:tgtEl>
+                                          <p:spTgt spid="3">
+                                            <p:txEl>
+                                              <p:pRg st="3" end="3"/>
+                                            </p:txEl>
+                                          </p:spTgt>
+                                        </p:tgtEl>
+                                        <p:attrNameLst>
+                                          <p:attrName>style.visibility</p:attrName>
+                                        </p:attrNameLst>
+                                      </p:cBhvr>
+                                      <p:to>
+                                        <p:strVal val="visible"/>
+                                      </p:to>
+                                    </p:set>
+                                    <p:animEffect transition="in" filter="randombar(horizontal)">
+                                      <p:cBhvr>
+                                        <p:cTn id="28" dur="500"/>
+                                        <p:tgtEl>
+                                          <p:spTgt spid="3">
+                                            <p:txEl>
+                                              <p:pRg st="3" end="3"/>
+                                            </p:txEl>
+                                          </p:spTgt>
+                                        </p:tgtEl>
+                                      </p:cBhvr>
+                                    </p:animEffect>
+                                  </p:childTnLst>
+                                </p:cTn>
+                              </p:par>
+                            </p:childTnLst>
+                          </p:cTn>
+                        </p:par>
+                      </p:childTnLst>
+                    </p:cTn>
+                  </p:par>
+                  <p:par>
+                    <p:cTn id="29" fill="hold">
+                      <p:stCondLst>
+                        <p:cond delay="indefinite"/>
+                      </p:stCondLst>
+                      <p:childTnLst>
+                        <p:par>
+                          <p:cTn id="30" fill="hold">
+                            <p:stCondLst>
+                              <p:cond delay="0"/>
+                            </p:stCondLst>
+                            <p:childTnLst>
+                              <p:par>
+                                <p:cTn id="31" presetID="14" presetClass="entr" presetSubtype="10" fill="hold" grpId="0" nodeType="clickEffect">
+                                  <p:stCondLst>
+                                    <p:cond delay="0"/>
+                                  </p:stCondLst>
+                                  <p:childTnLst>
+                                    <p:set>
+                                      <p:cBhvr>
+                                        <p:cTn id="32" dur="1" fill="hold">
+                                          <p:stCondLst>
+                                            <p:cond delay="0"/>
+                                          </p:stCondLst>
+                                        </p:cTn>
+                                        <p:tgtEl>
+                                          <p:spTgt spid="3">
+                                            <p:txEl>
+                                              <p:pRg st="4" end="4"/>
+                                            </p:txEl>
+                                          </p:spTgt>
+                                        </p:tgtEl>
+                                        <p:attrNameLst>
+                                          <p:attrName>style.visibility</p:attrName>
+                                        </p:attrNameLst>
+                                      </p:cBhvr>
+                                      <p:to>
+                                        <p:strVal val="visible"/>
+                                      </p:to>
+                                    </p:set>
+                                    <p:animEffect transition="in" filter="randombar(horizontal)">
+                                      <p:cBhvr>
+                                        <p:cTn id="33" dur="500"/>
+                                        <p:tgtEl>
+                                          <p:spTgt spid="3">
+                                            <p:txEl>
+                                              <p:pRg st="4" end="4"/>
+                                            </p:txEl>
+                                          </p:spTgt>
+                                        </p:tgtEl>
+                                      </p:cBhvr>
+                                    </p:animEffect>
+                                  </p:childTnLst>
+                                </p:cTn>
+                              </p:par>
+                            </p:childTnLst>
+                          </p:cTn>
+                        </p:par>
+                      </p:childTnLst>
+                    </p:cTn>
+                  </p:par>
+                  <p:par>
+                    <p:cTn id="34" fill="hold">
+                      <p:stCondLst>
+                        <p:cond delay="indefinite"/>
+                      </p:stCondLst>
+                      <p:childTnLst>
+                        <p:par>
+                          <p:cTn id="35" fill="hold">
+                            <p:stCondLst>
+                              <p:cond delay="0"/>
+                            </p:stCondLst>
+                            <p:childTnLst>
+                              <p:par>
+                                <p:cTn id="36" presetID="14" presetClass="entr" presetSubtype="10" fill="hold" grpId="0" nodeType="clickEffect">
+                                  <p:stCondLst>
+                                    <p:cond delay="0"/>
+                                  </p:stCondLst>
+                                  <p:childTnLst>
+                                    <p:set>
+                                      <p:cBhvr>
+                                        <p:cTn id="37" dur="1" fill="hold">
+                                          <p:stCondLst>
+                                            <p:cond delay="0"/>
+                                          </p:stCondLst>
+                                        </p:cTn>
+                                        <p:tgtEl>
+                                          <p:spTgt spid="3">
+                                            <p:txEl>
+                                              <p:pRg st="5" end="5"/>
+                                            </p:txEl>
+                                          </p:spTgt>
+                                        </p:tgtEl>
+                                        <p:attrNameLst>
+                                          <p:attrName>style.visibility</p:attrName>
+                                        </p:attrNameLst>
+                                      </p:cBhvr>
+                                      <p:to>
+                                        <p:strVal val="visible"/>
+                                      </p:to>
+                                    </p:set>
+                                    <p:animEffect transition="in" filter="randombar(horizontal)">
+                                      <p:cBhvr>
+                                        <p:cTn id="38" dur="500"/>
+                                        <p:tgtEl>
+                                          <p:spTgt spid="3">
+                                            <p:txEl>
+                                              <p:pRg st="5" end="5"/>
+                                            </p:txEl>
+                                          </p:spTgt>
+                                        </p:tgtEl>
+                                      </p:cBhvr>
+                                    </p:animEffect>
+                                  </p:childTnLst>
+                                </p:cTn>
+                              </p:par>
+                            </p:childTnLst>
+                          </p:cTn>
+                        </p:par>
+                      </p:childTnLst>
+                    </p:cTn>
+                  </p:par>
+                  <p:par>
+                    <p:cTn id="39" fill="hold">
+                      <p:stCondLst>
+                        <p:cond delay="indefinite"/>
+                      </p:stCondLst>
+                      <p:childTnLst>
+                        <p:par>
+                          <p:cTn id="40" fill="hold">
+                            <p:stCondLst>
+                              <p:cond delay="0"/>
+                            </p:stCondLst>
+                            <p:childTnLst>
+                              <p:par>
+                                <p:cTn id="41" presetID="14" presetClass="entr" presetSubtype="10" fill="hold" grpId="0" nodeType="clickEffect">
+                                  <p:stCondLst>
+                                    <p:cond delay="0"/>
+                                  </p:stCondLst>
+                                  <p:childTnLst>
+                                    <p:set>
+                                      <p:cBhvr>
+                                        <p:cTn id="42" dur="1" fill="hold">
+                                          <p:stCondLst>
+                                            <p:cond delay="0"/>
+                                          </p:stCondLst>
+                                        </p:cTn>
+                                        <p:tgtEl>
+                                          <p:spTgt spid="3">
+                                            <p:txEl>
+                                              <p:pRg st="6" end="6"/>
+                                            </p:txEl>
+                                          </p:spTgt>
+                                        </p:tgtEl>
+                                        <p:attrNameLst>
+                                          <p:attrName>style.visibility</p:attrName>
+                                        </p:attrNameLst>
+                                      </p:cBhvr>
+                                      <p:to>
+                                        <p:strVal val="visible"/>
+                                      </p:to>
+                                    </p:set>
+                                    <p:animEffect transition="in" filter="randombar(horizontal)">
+                                      <p:cBhvr>
+                                        <p:cTn id="43" dur="500"/>
+                                        <p:tgtEl>
+                                          <p:spTgt spid="3">
+                                            <p:txEl>
+                                              <p:pRg st="6" end="6"/>
+                                            </p:txEl>
+                                          </p:spTgt>
+                                        </p:tgtEl>
+                                      </p:cBhvr>
+                                    </p:animEffect>
+                                  </p:childTnLst>
+                                </p:cTn>
+                              </p:par>
+                            </p:childTnLst>
+                          </p:cTn>
+                        </p:par>
+                      </p:childTnLst>
+                    </p:cTn>
+                  </p:par>
+                  <p:par>
+                    <p:cTn id="44" fill="hold">
+                      <p:stCondLst>
+                        <p:cond delay="indefinite"/>
+                      </p:stCondLst>
+                      <p:childTnLst>
+                        <p:par>
+                          <p:cTn id="45" fill="hold">
+                            <p:stCondLst>
+                              <p:cond delay="0"/>
+                            </p:stCondLst>
+                            <p:childTnLst>
+                              <p:par>
+                                <p:cTn id="46" presetID="14" presetClass="entr" presetSubtype="10" fill="hold" grpId="0" nodeType="clickEffect">
+                                  <p:stCondLst>
+                                    <p:cond delay="0"/>
+                                  </p:stCondLst>
+                                  <p:childTnLst>
+                                    <p:set>
+                                      <p:cBhvr>
+                                        <p:cTn id="47" dur="1" fill="hold">
+                                          <p:stCondLst>
+                                            <p:cond delay="0"/>
+                                          </p:stCondLst>
+                                        </p:cTn>
+                                        <p:tgtEl>
+                                          <p:spTgt spid="3">
+                                            <p:txEl>
+                                              <p:pRg st="7" end="7"/>
+                                            </p:txEl>
+                                          </p:spTgt>
+                                        </p:tgtEl>
+                                        <p:attrNameLst>
+                                          <p:attrName>style.visibility</p:attrName>
+                                        </p:attrNameLst>
+                                      </p:cBhvr>
+                                      <p:to>
+                                        <p:strVal val="visible"/>
+                                      </p:to>
+                                    </p:set>
+                                    <p:animEffect transition="in" filter="randombar(horizontal)">
+                                      <p:cBhvr>
+                                        <p:cTn id="48" dur="500"/>
+                                        <p:tgtEl>
+                                          <p:spTgt spid="3">
+                                            <p:txEl>
+                                              <p:pRg st="7" end="7"/>
+                                            </p:txEl>
+                                          </p:spTgt>
+                                        </p:tgtEl>
+                                      </p:cBhvr>
+                                    </p:animEffect>
+                                  </p:childTnLst>
+                                </p:cTn>
+                              </p:par>
+                            </p:childTnLst>
+                          </p:cTn>
+                        </p:par>
+                      </p:childTnLst>
+                    </p:cTn>
+                  </p:par>
+                  <p:par>
+                    <p:cTn id="49" fill="hold">
+                      <p:stCondLst>
+                        <p:cond delay="indefinite"/>
+                      </p:stCondLst>
+                      <p:childTnLst>
+                        <p:par>
+                          <p:cTn id="50" fill="hold">
+                            <p:stCondLst>
+                              <p:cond delay="0"/>
+                            </p:stCondLst>
+                            <p:childTnLst>
+                              <p:par>
+                                <p:cTn id="51" presetID="14" presetClass="entr" presetSubtype="10" fill="hold" grpId="0" nodeType="clickEffect">
+                                  <p:stCondLst>
+                                    <p:cond delay="0"/>
+                                  </p:stCondLst>
+                                  <p:childTnLst>
+                                    <p:set>
+                                      <p:cBhvr>
+                                        <p:cTn id="52" dur="1" fill="hold">
+                                          <p:stCondLst>
+                                            <p:cond delay="0"/>
+                                          </p:stCondLst>
+                                        </p:cTn>
+                                        <p:tgtEl>
+                                          <p:spTgt spid="3">
+                                            <p:txEl>
+                                              <p:pRg st="8" end="8"/>
+                                            </p:txEl>
+                                          </p:spTgt>
+                                        </p:tgtEl>
+                                        <p:attrNameLst>
+                                          <p:attrName>style.visibility</p:attrName>
+                                        </p:attrNameLst>
+                                      </p:cBhvr>
+                                      <p:to>
+                                        <p:strVal val="visible"/>
+                                      </p:to>
+                                    </p:set>
+                                    <p:animEffect transition="in" filter="randombar(horizontal)">
+                                      <p:cBhvr>
+                                        <p:cTn id="53" dur="500"/>
+                                        <p:tgtEl>
+                                          <p:spTgt spid="3">
+                                            <p:txEl>
+                                              <p:pRg st="8" end="8"/>
+                                            </p:txEl>
+                                          </p:spTgt>
+                                        </p:tgtEl>
+                                      </p:cBhvr>
+                                    </p:animEffect>
+                                  </p:childTnLst>
+                                </p:cTn>
+                              </p:par>
+                            </p:childTnLst>
+                          </p:cTn>
+                        </p:par>
+                      </p:childTnLst>
+                    </p:cTn>
+                  </p:par>
+                  <p:par>
+                    <p:cTn id="54" fill="hold">
+                      <p:stCondLst>
+                        <p:cond delay="indefinite"/>
+                      </p:stCondLst>
+                      <p:childTnLst>
+                        <p:par>
+                          <p:cTn id="55" fill="hold">
+                            <p:stCondLst>
+                              <p:cond delay="0"/>
+                            </p:stCondLst>
+                            <p:childTnLst>
+                              <p:par>
+                                <p:cTn id="56" presetID="14" presetClass="entr" presetSubtype="10" fill="hold" grpId="0" nodeType="clickEffect">
+                                  <p:stCondLst>
+                                    <p:cond delay="0"/>
+                                  </p:stCondLst>
+                                  <p:childTnLst>
+                                    <p:set>
+                                      <p:cBhvr>
+                                        <p:cTn id="57" dur="1" fill="hold">
+                                          <p:stCondLst>
+                                            <p:cond delay="0"/>
+                                          </p:stCondLst>
+                                        </p:cTn>
+                                        <p:tgtEl>
+                                          <p:spTgt spid="3">
+                                            <p:txEl>
+                                              <p:pRg st="9" end="9"/>
+                                            </p:txEl>
+                                          </p:spTgt>
+                                        </p:tgtEl>
+                                        <p:attrNameLst>
+                                          <p:attrName>style.visibility</p:attrName>
+                                        </p:attrNameLst>
+                                      </p:cBhvr>
+                                      <p:to>
+                                        <p:strVal val="visible"/>
+                                      </p:to>
+                                    </p:set>
+                                    <p:animEffect transition="in" filter="randombar(horizontal)">
+                                      <p:cBhvr>
+                                        <p:cTn id="58" dur="500"/>
+                                        <p:tgtEl>
+                                          <p:spTgt spid="3">
+                                            <p:txEl>
+                                              <p:pRg st="9" end="9"/>
+                                            </p:txEl>
+                                          </p:spTgt>
+                                        </p:tgtEl>
+                                      </p:cBhvr>
+                                    </p:animEffect>
+                                  </p:childTnLst>
+                                </p:cTn>
+                              </p:par>
+                            </p:childTnLst>
+                          </p:cTn>
+                        </p:par>
+                      </p:childTnLst>
+                    </p:cTn>
+                  </p:par>
+                  <p:par>
+                    <p:cTn id="59" fill="hold">
+                      <p:stCondLst>
+                        <p:cond delay="indefinite"/>
+                      </p:stCondLst>
+                      <p:childTnLst>
+                        <p:par>
+                          <p:cTn id="60" fill="hold">
+                            <p:stCondLst>
+                              <p:cond delay="0"/>
+                            </p:stCondLst>
+                            <p:childTnLst>
+                              <p:par>
+                                <p:cTn id="61" presetID="14" presetClass="entr" presetSubtype="10" fill="hold" grpId="0" nodeType="clickEffect">
+                                  <p:stCondLst>
+                                    <p:cond delay="0"/>
+                                  </p:stCondLst>
+                                  <p:childTnLst>
+                                    <p:set>
+                                      <p:cBhvr>
+                                        <p:cTn id="62" dur="1" fill="hold">
+                                          <p:stCondLst>
+                                            <p:cond delay="0"/>
+                                          </p:stCondLst>
+                                        </p:cTn>
+                                        <p:tgtEl>
+                                          <p:spTgt spid="3">
+                                            <p:txEl>
+                                              <p:pRg st="10" end="10"/>
+                                            </p:txEl>
+                                          </p:spTgt>
+                                        </p:tgtEl>
+                                        <p:attrNameLst>
+                                          <p:attrName>style.visibility</p:attrName>
+                                        </p:attrNameLst>
+                                      </p:cBhvr>
+                                      <p:to>
+                                        <p:strVal val="visible"/>
+                                      </p:to>
+                                    </p:set>
+                                    <p:animEffect transition="in" filter="randombar(horizontal)">
+                                      <p:cBhvr>
+                                        <p:cTn id="63" dur="500"/>
+                                        <p:tgtEl>
+                                          <p:spTgt spid="3">
+                                            <p:txEl>
+                                              <p:pRg st="10" end="10"/>
+                                            </p:txEl>
+                                          </p:spTgt>
+                                        </p:tgtEl>
+                                      </p:cBhvr>
+                                    </p:animEffect>
+                                  </p:childTnLst>
+                                </p:cTn>
+                              </p:par>
+                            </p:childTnLst>
+                          </p:cTn>
+                        </p:par>
+                      </p:childTnLst>
+                    </p:cTn>
+                  </p:par>
+                </p:childTnLst>
+              </p:cTn>
+              <p:prevCondLst>
+                <p:cond evt="onPrev" delay="0">
+                  <p:tgtEl>
+                    <p:sldTgt/>
+                  </p:tgtEl>
+                </p:cond>
+              </p:prevCondLst>
+              <p:nextCondLst>
+                <p:cond evt="onNext" delay="0">
+                  <p:tgtEl>
+                    <p:sldTgt/>
+                  </p:tgtEl>
+                </p:cond>
+              </p:nextCondLst>
+            </p:seq>
+          </p:childTnLst>
+        </p:cTn>
       </p:par>
     </p:tnLst>
+    <p:bldLst>
+      <p:bldP spid="2" grpId="0"/>
+      <p:bldP spid="3" grpId="0" build="p"/>
+    </p:bldLst>
   </p:timing>
 </p:sld>
 </file>
@@ -3612,8 +8807,8 @@
         </p:nvSpPr>
         <p:spPr>
           <a:xfrm>
-            <a:off x="1951290" y="546931"/>
-            <a:ext cx="7756733" cy="940036"/>
+            <a:off x="3304961" y="143519"/>
+            <a:ext cx="4090922" cy="940036"/>
           </a:xfrm>
         </p:spPr>
         <p:txBody>
@@ -3623,14 +8818,14 @@
           <a:lstStyle/>
           <a:p>
             <a:r>
-              <a:rPr lang="en-IN" sz="3600" b="1" dirty="0"/>
+              <a:rPr lang="en-IN" sz="3600" b="1" u="sng" dirty="0"/>
               <a:t>Install </a:t>
             </a:r>
             <a:r>
-              <a:rPr lang="en-IN" sz="3600" b="1" dirty="0" smtClean="0"/>
-              <a:t>Python3</a:t>
-            </a:r>
-            <a:endParaRPr lang="en-IN" sz="3600" b="1" dirty="0"/>
+              <a:rPr lang="en-IN" sz="3600" b="1" u="sng" dirty="0" smtClean="0"/>
+              <a:t>Python - 3</a:t>
+            </a:r>
+            <a:endParaRPr lang="en-IN" sz="3600" b="1" u="sng" dirty="0"/>
           </a:p>
         </p:txBody>
       </p:sp>
@@ -3646,8 +8841,8 @@
         </p:nvSpPr>
         <p:spPr>
           <a:xfrm>
-            <a:off x="1418600" y="1734795"/>
-            <a:ext cx="9930214" cy="3847744"/>
+            <a:off x="1382741" y="1340348"/>
+            <a:ext cx="9930214" cy="380876"/>
           </a:xfrm>
         </p:spPr>
         <p:txBody>
@@ -3655,25 +8850,25 @@
           <a:lstStyle/>
           <a:p>
             <a:pPr marL="285750" indent="-285750" algn="l">
-              <a:buFont typeface="Arial" panose="020B0604020202020204" pitchFamily="34" charset="0"/>
-              <a:buChar char="•"/>
+              <a:buFont typeface="Wingdings" panose="05000000000000000000" pitchFamily="2" charset="2"/>
+              <a:buChar char="q"/>
             </a:pPr>
             <a:r>
-              <a:rPr lang="en-IN" sz="1600" dirty="0"/>
+              <a:rPr lang="en-IN" dirty="0"/>
               <a:t>Download </a:t>
             </a:r>
             <a:r>
-              <a:rPr lang="en-IN" sz="1600" dirty="0" smtClean="0"/>
+              <a:rPr lang="en-IN" dirty="0" smtClean="0"/>
               <a:t>the </a:t>
             </a:r>
             <a:r>
-              <a:rPr lang="en-IN" sz="1600" dirty="0" smtClean="0">
+              <a:rPr lang="en-IN" dirty="0" smtClean="0">
                 <a:hlinkClick r:id="rId2"/>
               </a:rPr>
               <a:t>latest version</a:t>
             </a:r>
             <a:r>
-              <a:rPr lang="en-IN" sz="1600" dirty="0" smtClean="0"/>
+              <a:rPr lang="en-IN" dirty="0" smtClean="0"/>
               <a:t> of python.</a:t>
             </a:r>
           </a:p>
@@ -3708,12 +8903,26 @@
         </p:blipFill>
         <p:spPr>
           <a:xfrm>
-            <a:off x="1586031" y="2495552"/>
-            <a:ext cx="7942697" cy="3909950"/>
+            <a:off x="1003325" y="1978017"/>
+            <a:ext cx="8510985" cy="4189701"/>
           </a:xfrm>
           <a:prstGeom prst="rect">
             <a:avLst/>
           </a:prstGeom>
+          <a:ln w="38100" cap="sq">
+            <a:solidFill>
+              <a:srgbClr val="000000"/>
+            </a:solidFill>
+            <a:prstDash val="solid"/>
+            <a:miter lim="800000"/>
+          </a:ln>
+          <a:effectLst>
+            <a:outerShdw blurRad="50800" dist="38100" dir="2700000" algn="tl" rotWithShape="0">
+              <a:srgbClr val="000000">
+                <a:alpha val="43000"/>
+              </a:srgbClr>
+            </a:outerShdw>
+          </a:effectLst>
         </p:spPr>
       </p:pic>
     </p:spTree>
@@ -3726,12 +8935,218 @@
   <p:clrMapOvr>
     <a:masterClrMapping/>
   </p:clrMapOvr>
+  <mc:AlternateContent xmlns:mc="http://schemas.openxmlformats.org/markup-compatibility/2006" xmlns:p15="http://schemas.microsoft.com/office/powerpoint/2012/main">
+    <mc:Choice Requires="p15">
+      <p:transition xmlns:p14="http://schemas.microsoft.com/office/powerpoint/2010/main" spd="slow" p14:dur="2000">
+        <p15:prstTrans prst="fallOver"/>
+      </p:transition>
+    </mc:Choice>
+    <mc:Fallback xmlns="">
+      <p:transition spd="slow">
+        <p:fade/>
+      </p:transition>
+    </mc:Fallback>
+  </mc:AlternateContent>
   <p:timing>
     <p:tnLst>
       <p:par>
-        <p:cTn id="1" dur="indefinite" restart="never" nodeType="tmRoot"/>
+        <p:cTn id="1" dur="indefinite" restart="never" nodeType="tmRoot">
+          <p:childTnLst>
+            <p:seq concurrent="1" nextAc="seek">
+              <p:cTn id="2" dur="indefinite" nodeType="mainSeq">
+                <p:childTnLst>
+                  <p:par>
+                    <p:cTn id="3" fill="hold">
+                      <p:stCondLst>
+                        <p:cond delay="indefinite"/>
+                      </p:stCondLst>
+                      <p:childTnLst>
+                        <p:par>
+                          <p:cTn id="4" fill="hold">
+                            <p:stCondLst>
+                              <p:cond delay="0"/>
+                            </p:stCondLst>
+                            <p:childTnLst>
+                              <p:par>
+                                <p:cTn id="5" presetID="6" presetClass="entr" presetSubtype="16" fill="hold" grpId="0" nodeType="clickEffect">
+                                  <p:stCondLst>
+                                    <p:cond delay="0"/>
+                                  </p:stCondLst>
+                                  <p:childTnLst>
+                                    <p:set>
+                                      <p:cBhvr>
+                                        <p:cTn id="6" dur="1" fill="hold">
+                                          <p:stCondLst>
+                                            <p:cond delay="0"/>
+                                          </p:stCondLst>
+                                        </p:cTn>
+                                        <p:tgtEl>
+                                          <p:spTgt spid="2"/>
+                                        </p:tgtEl>
+                                        <p:attrNameLst>
+                                          <p:attrName>style.visibility</p:attrName>
+                                        </p:attrNameLst>
+                                      </p:cBhvr>
+                                      <p:to>
+                                        <p:strVal val="visible"/>
+                                      </p:to>
+                                    </p:set>
+                                    <p:animEffect transition="in" filter="circle(in)">
+                                      <p:cBhvr>
+                                        <p:cTn id="7" dur="2000"/>
+                                        <p:tgtEl>
+                                          <p:spTgt spid="2"/>
+                                        </p:tgtEl>
+                                      </p:cBhvr>
+                                    </p:animEffect>
+                                  </p:childTnLst>
+                                </p:cTn>
+                              </p:par>
+                            </p:childTnLst>
+                          </p:cTn>
+                        </p:par>
+                      </p:childTnLst>
+                    </p:cTn>
+                  </p:par>
+                  <p:par>
+                    <p:cTn id="8" fill="hold">
+                      <p:stCondLst>
+                        <p:cond delay="indefinite"/>
+                      </p:stCondLst>
+                      <p:childTnLst>
+                        <p:par>
+                          <p:cTn id="9" fill="hold">
+                            <p:stCondLst>
+                              <p:cond delay="0"/>
+                            </p:stCondLst>
+                            <p:childTnLst>
+                              <p:par>
+                                <p:cTn id="10" presetID="14" presetClass="entr" presetSubtype="10" fill="hold" grpId="0" nodeType="clickEffect">
+                                  <p:stCondLst>
+                                    <p:cond delay="0"/>
+                                  </p:stCondLst>
+                                  <p:childTnLst>
+                                    <p:set>
+                                      <p:cBhvr>
+                                        <p:cTn id="11" dur="1" fill="hold">
+                                          <p:stCondLst>
+                                            <p:cond delay="0"/>
+                                          </p:stCondLst>
+                                        </p:cTn>
+                                        <p:tgtEl>
+                                          <p:spTgt spid="3">
+                                            <p:txEl>
+                                              <p:pRg st="0" end="0"/>
+                                            </p:txEl>
+                                          </p:spTgt>
+                                        </p:tgtEl>
+                                        <p:attrNameLst>
+                                          <p:attrName>style.visibility</p:attrName>
+                                        </p:attrNameLst>
+                                      </p:cBhvr>
+                                      <p:to>
+                                        <p:strVal val="visible"/>
+                                      </p:to>
+                                    </p:set>
+                                    <p:animEffect transition="in" filter="randombar(horizontal)">
+                                      <p:cBhvr>
+                                        <p:cTn id="12" dur="500"/>
+                                        <p:tgtEl>
+                                          <p:spTgt spid="3">
+                                            <p:txEl>
+                                              <p:pRg st="0" end="0"/>
+                                            </p:txEl>
+                                          </p:spTgt>
+                                        </p:tgtEl>
+                                      </p:cBhvr>
+                                    </p:animEffect>
+                                  </p:childTnLst>
+                                </p:cTn>
+                              </p:par>
+                            </p:childTnLst>
+                          </p:cTn>
+                        </p:par>
+                      </p:childTnLst>
+                    </p:cTn>
+                  </p:par>
+                  <p:par>
+                    <p:cTn id="13" fill="hold">
+                      <p:stCondLst>
+                        <p:cond delay="indefinite"/>
+                      </p:stCondLst>
+                      <p:childTnLst>
+                        <p:par>
+                          <p:cTn id="14" fill="hold">
+                            <p:stCondLst>
+                              <p:cond delay="0"/>
+                            </p:stCondLst>
+                            <p:childTnLst>
+                              <p:par>
+                                <p:cTn id="15" presetID="16" presetClass="entr" presetSubtype="21" fill="hold" nodeType="clickEffect">
+                                  <p:stCondLst>
+                                    <p:cond delay="0"/>
+                                  </p:stCondLst>
+                                  <p:childTnLst>
+                                    <p:set>
+                                      <p:cBhvr>
+                                        <p:cTn id="16" dur="1" fill="hold">
+                                          <p:stCondLst>
+                                            <p:cond delay="0"/>
+                                          </p:stCondLst>
+                                        </p:cTn>
+                                        <p:tgtEl>
+                                          <p:spTgt spid="4"/>
+                                        </p:tgtEl>
+                                        <p:attrNameLst>
+                                          <p:attrName>style.visibility</p:attrName>
+                                        </p:attrNameLst>
+                                      </p:cBhvr>
+                                      <p:to>
+                                        <p:strVal val="visible"/>
+                                      </p:to>
+                                    </p:set>
+                                    <p:animEffect transition="in" filter="barn(inVertical)">
+                                      <p:cBhvr>
+                                        <p:cTn id="17" dur="500"/>
+                                        <p:tgtEl>
+                                          <p:spTgt spid="4"/>
+                                        </p:tgtEl>
+                                      </p:cBhvr>
+                                    </p:animEffect>
+                                  </p:childTnLst>
+                                </p:cTn>
+                              </p:par>
+                            </p:childTnLst>
+                          </p:cTn>
+                        </p:par>
+                      </p:childTnLst>
+                    </p:cTn>
+                  </p:par>
+                </p:childTnLst>
+              </p:cTn>
+              <p:prevCondLst>
+                <p:cond evt="onPrev" delay="0">
+                  <p:tgtEl>
+                    <p:sldTgt/>
+                  </p:tgtEl>
+                </p:cond>
+              </p:prevCondLst>
+              <p:nextCondLst>
+                <p:cond evt="onNext" delay="0">
+                  <p:tgtEl>
+                    <p:sldTgt/>
+                  </p:tgtEl>
+                </p:cond>
+              </p:nextCondLst>
+            </p:seq>
+          </p:childTnLst>
+        </p:cTn>
       </p:par>
     </p:tnLst>
+    <p:bldLst>
+      <p:bldP spid="2" grpId="0"/>
+      <p:bldP spid="3" grpId="0" build="p"/>
+    </p:bldLst>
   </p:timing>
 </p:sld>
 </file>
@@ -3775,12 +9190,24 @@
         </p:blipFill>
         <p:spPr>
           <a:xfrm>
-            <a:off x="2241176" y="767042"/>
+            <a:off x="1524000" y="309842"/>
             <a:ext cx="6875929" cy="6026944"/>
           </a:xfrm>
           <a:prstGeom prst="rect">
             <a:avLst/>
           </a:prstGeom>
+          <a:ln w="88900" cap="sq" cmpd="thickThin">
+            <a:solidFill>
+              <a:srgbClr val="000000"/>
+            </a:solidFill>
+            <a:prstDash val="solid"/>
+            <a:miter lim="800000"/>
+          </a:ln>
+          <a:effectLst>
+            <a:innerShdw blurRad="76200">
+              <a:srgbClr val="000000"/>
+            </a:innerShdw>
+          </a:effectLst>
         </p:spPr>
       </p:pic>
     </p:spTree>
@@ -3793,10 +9220,144 @@
   <p:clrMapOvr>
     <a:masterClrMapping/>
   </p:clrMapOvr>
+  <mc:AlternateContent xmlns:mc="http://schemas.openxmlformats.org/markup-compatibility/2006" xmlns:p15="http://schemas.microsoft.com/office/powerpoint/2012/main">
+    <mc:Choice Requires="p15">
+      <p:transition xmlns:p14="http://schemas.microsoft.com/office/powerpoint/2010/main" spd="slow" p14:dur="2000">
+        <p15:prstTrans prst="fallOver"/>
+      </p:transition>
+    </mc:Choice>
+    <mc:Fallback xmlns="">
+      <p:transition spd="slow">
+        <p:fade/>
+      </p:transition>
+    </mc:Fallback>
+  </mc:AlternateContent>
   <p:timing>
     <p:tnLst>
       <p:par>
-        <p:cTn id="1" dur="indefinite" restart="never" nodeType="tmRoot"/>
+        <p:cTn id="1" dur="indefinite" restart="never" nodeType="tmRoot">
+          <p:childTnLst>
+            <p:seq concurrent="1" nextAc="seek">
+              <p:cTn id="2" dur="indefinite" nodeType="mainSeq">
+                <p:childTnLst>
+                  <p:par>
+                    <p:cTn id="3" fill="hold">
+                      <p:stCondLst>
+                        <p:cond delay="indefinite"/>
+                      </p:stCondLst>
+                      <p:childTnLst>
+                        <p:par>
+                          <p:cTn id="4" fill="hold">
+                            <p:stCondLst>
+                              <p:cond delay="0"/>
+                            </p:stCondLst>
+                            <p:childTnLst>
+                              <p:par>
+                                <p:cTn id="5" presetID="42" presetClass="entr" presetSubtype="0" fill="hold" nodeType="clickEffect">
+                                  <p:stCondLst>
+                                    <p:cond delay="0"/>
+                                  </p:stCondLst>
+                                  <p:childTnLst>
+                                    <p:set>
+                                      <p:cBhvr>
+                                        <p:cTn id="6" dur="1" fill="hold">
+                                          <p:stCondLst>
+                                            <p:cond delay="0"/>
+                                          </p:stCondLst>
+                                        </p:cTn>
+                                        <p:tgtEl>
+                                          <p:spTgt spid="2"/>
+                                        </p:tgtEl>
+                                        <p:attrNameLst>
+                                          <p:attrName>style.visibility</p:attrName>
+                                        </p:attrNameLst>
+                                      </p:cBhvr>
+                                      <p:to>
+                                        <p:strVal val="visible"/>
+                                      </p:to>
+                                    </p:set>
+                                    <p:animEffect transition="in" filter="fade">
+                                      <p:cBhvr>
+                                        <p:cTn id="7" dur="1000"/>
+                                        <p:tgtEl>
+                                          <p:spTgt spid="2"/>
+                                        </p:tgtEl>
+                                      </p:cBhvr>
+                                    </p:animEffect>
+                                    <p:anim calcmode="lin" valueType="num">
+                                      <p:cBhvr>
+                                        <p:cTn id="8" dur="1000" fill="hold"/>
+                                        <p:tgtEl>
+                                          <p:spTgt spid="2"/>
+                                        </p:tgtEl>
+                                        <p:attrNameLst>
+                                          <p:attrName>ppt_x</p:attrName>
+                                        </p:attrNameLst>
+                                      </p:cBhvr>
+                                      <p:tavLst>
+                                        <p:tav tm="0">
+                                          <p:val>
+                                            <p:strVal val="#ppt_x"/>
+                                          </p:val>
+                                        </p:tav>
+                                        <p:tav tm="100000">
+                                          <p:val>
+                                            <p:strVal val="#ppt_x"/>
+                                          </p:val>
+                                        </p:tav>
+                                      </p:tavLst>
+                                    </p:anim>
+                                    <p:anim calcmode="lin" valueType="num">
+                                      <p:cBhvr>
+                                        <p:cTn id="9" dur="1000" fill="hold"/>
+                                        <p:tgtEl>
+                                          <p:spTgt spid="2"/>
+                                        </p:tgtEl>
+                                        <p:attrNameLst>
+                                          <p:attrName>ppt_y</p:attrName>
+                                        </p:attrNameLst>
+                                      </p:cBhvr>
+                                      <p:tavLst>
+                                        <p:tav tm="0">
+                                          <p:val>
+                                            <p:strVal val="#ppt_y+.1"/>
+                                          </p:val>
+                                        </p:tav>
+                                        <p:tav tm="100000">
+                                          <p:val>
+                                            <p:strVal val="#ppt_y"/>
+                                          </p:val>
+                                        </p:tav>
+                                      </p:tavLst>
+                                    </p:anim>
+                                  </p:childTnLst>
+                                </p:cTn>
+                              </p:par>
+                            </p:childTnLst>
+                          </p:cTn>
+                        </p:par>
+                      </p:childTnLst>
+                    </p:cTn>
+                  </p:par>
+                </p:childTnLst>
+              </p:cTn>
+              <p:prevCondLst>
+                <p:cond evt="onPrev" delay="0">
+                  <p:tgtEl>
+                    <p:sldTgt/>
+                  </p:tgtEl>
+                </p:cond>
+              </p:prevCondLst>
+              <p:nextCondLst>
+                <p:cond evt="onNext" delay="0">
+                  <p:tgtEl>
+                    <p:sldTgt/>
+                  </p:tgtEl>
+                </p:cond>
+              </p:nextCondLst>
+            </p:seq>
+          </p:childTnLst>
+        </p:cTn>
       </p:par>
     </p:tnLst>
   </p:timing>
@@ -3842,12 +9403,24 @@
         </p:blipFill>
         <p:spPr>
           <a:xfrm>
-            <a:off x="1914525" y="1409700"/>
-            <a:ext cx="8362950" cy="4038600"/>
+            <a:off x="860612" y="1098276"/>
+            <a:ext cx="8771141" cy="4719817"/>
           </a:xfrm>
           <a:prstGeom prst="rect">
             <a:avLst/>
           </a:prstGeom>
+          <a:ln w="88900" cap="sq" cmpd="thickThin">
+            <a:solidFill>
+              <a:srgbClr val="000000"/>
+            </a:solidFill>
+            <a:prstDash val="solid"/>
+            <a:miter lim="800000"/>
+          </a:ln>
+          <a:effectLst>
+            <a:innerShdw blurRad="76200">
+              <a:srgbClr val="000000"/>
+            </a:innerShdw>
+          </a:effectLst>
         </p:spPr>
       </p:pic>
     </p:spTree>
@@ -3860,10 +9433,98 @@
   <p:clrMapOvr>
     <a:masterClrMapping/>
   </p:clrMapOvr>
+  <mc:AlternateContent xmlns:mc="http://schemas.openxmlformats.org/markup-compatibility/2006" xmlns:p15="http://schemas.microsoft.com/office/powerpoint/2012/main">
+    <mc:Choice Requires="p15">
+      <p:transition xmlns:p14="http://schemas.microsoft.com/office/powerpoint/2010/main" spd="slow" p14:dur="2000">
+        <p15:prstTrans prst="fallOver"/>
+      </p:transition>
+    </mc:Choice>
+    <mc:Fallback xmlns="">
+      <p:transition spd="slow">
+        <p:fade/>
+      </p:transition>
+    </mc:Fallback>
+  </mc:AlternateContent>
   <p:timing>
     <p:tnLst>
       <p:par>
-        <p:cTn id="1" dur="indefinite" restart="never" nodeType="tmRoot"/>
+        <p:cTn id="1" dur="indefinite" restart="never" nodeType="tmRoot">
+          <p:childTnLst>
+            <p:seq concurrent="1" nextAc="seek">
+              <p:cTn id="2" dur="indefinite" nodeType="mainSeq">
+                <p:childTnLst>
+                  <p:par>
+                    <p:cTn id="3" fill="hold">
+                      <p:stCondLst>
+                        <p:cond delay="indefinite"/>
+                      </p:stCondLst>
+                      <p:childTnLst>
+                        <p:par>
+                          <p:cTn id="4" fill="hold">
+                            <p:stCondLst>
+                              <p:cond delay="0"/>
+                            </p:stCondLst>
+                            <p:childTnLst>
+                              <p:par>
+                                <p:cTn id="5" presetID="14" presetClass="entr" presetSubtype="10" fill="hold" nodeType="clickEffect">
+                                  <p:stCondLst>
+                                    <p:cond delay="0"/>
+                                  </p:stCondLst>
+                                  <p:childTnLst>
+                                    <p:set>
+                                      <p:cBhvr>
+                                        <p:cTn id="6" dur="1" fill="hold">
+                                          <p:stCondLst>
+                                            <p:cond delay="0"/>
+                                          </p:stCondLst>
+                                        </p:cTn>
+                                        <p:tgtEl>
+                                          <p:spTgt spid="5"/>
+                                        </p:tgtEl>
+                                        <p:attrNameLst>
+                                          <p:attrName>style.visibility</p:attrName>
+                                        </p:attrNameLst>
+                                      </p:cBhvr>
+                                      <p:to>
+                                        <p:strVal val="visible"/>
+                                      </p:to>
+                                    </p:set>
+                                    <p:animEffect transition="in" filter="randombar(horizontal)">
+                                      <p:cBhvr>
+                                        <p:cTn id="7" dur="500"/>
+                                        <p:tgtEl>
+                                          <p:spTgt spid="5"/>
+                                        </p:tgtEl>
+                                      </p:cBhvr>
+                                    </p:animEffect>
+                                  </p:childTnLst>
+                                </p:cTn>
+                              </p:par>
+                            </p:childTnLst>
+                          </p:cTn>
+                        </p:par>
+                      </p:childTnLst>
+                    </p:cTn>
+                  </p:par>
+                </p:childTnLst>
+              </p:cTn>
+              <p:prevCondLst>
+                <p:cond evt="onPrev" delay="0">
+                  <p:tgtEl>
+                    <p:sldTgt/>
+                  </p:tgtEl>
+                </p:cond>
+              </p:prevCondLst>
+              <p:nextCondLst>
+                <p:cond evt="onNext" delay="0">
+                  <p:tgtEl>
+                    <p:sldTgt/>
+                  </p:tgtEl>
+                </p:cond>
+              </p:nextCondLst>
+            </p:seq>
+          </p:childTnLst>
+        </p:cTn>
       </p:par>
     </p:tnLst>
   </p:timing>
@@ -3899,8 +9560,8 @@
         </p:nvSpPr>
         <p:spPr>
           <a:xfrm>
-            <a:off x="1951290" y="546931"/>
-            <a:ext cx="7756733" cy="940036"/>
+            <a:off x="4482353" y="206273"/>
+            <a:ext cx="2070094" cy="940036"/>
           </a:xfrm>
         </p:spPr>
         <p:txBody>
@@ -3910,10 +9571,10 @@
           <a:lstStyle/>
           <a:p>
             <a:r>
-              <a:rPr lang="en-IN" sz="3600" b="1" dirty="0" smtClean="0"/>
+              <a:rPr lang="en-IN" sz="3600" b="1" u="sng" dirty="0" smtClean="0"/>
               <a:t>Exercise</a:t>
             </a:r>
-            <a:endParaRPr lang="en-IN" sz="3600" b="1" dirty="0"/>
+            <a:endParaRPr lang="en-IN" sz="3600" b="1" u="sng" dirty="0"/>
           </a:p>
         </p:txBody>
       </p:sp>
@@ -3929,211 +9590,227 @@
         </p:nvSpPr>
         <p:spPr>
           <a:xfrm>
-            <a:off x="1418600" y="1734795"/>
-            <a:ext cx="9930214" cy="4370170"/>
+            <a:off x="773141" y="1223806"/>
+            <a:ext cx="9930214" cy="5410076"/>
           </a:xfrm>
         </p:spPr>
         <p:txBody>
           <a:bodyPr>
-            <a:normAutofit lnSpcReduction="10000"/>
+            <a:noAutofit/>
           </a:bodyPr>
           <a:lstStyle/>
           <a:p>
             <a:pPr algn="l"/>
             <a:r>
-              <a:rPr lang="en-US" sz="1600" b="1" dirty="0" smtClean="0"/>
+              <a:rPr lang="en-US" b="1" dirty="0" smtClean="0"/>
+              <a:t>     </a:t>
+            </a:r>
+            <a:r>
+              <a:rPr lang="en-US" sz="2000" b="1" dirty="0" smtClean="0">
+                <a:solidFill>
+                  <a:schemeClr val="accent2">
+                    <a:lumMod val="75000"/>
+                  </a:schemeClr>
+                </a:solidFill>
+              </a:rPr>
               <a:t>Python Shell:</a:t>
             </a:r>
           </a:p>
           <a:p>
             <a:pPr marL="285750" indent="-285750" algn="l">
-              <a:buFont typeface="Arial" panose="020B0604020202020204" pitchFamily="34" charset="0"/>
-              <a:buChar char="•"/>
+              <a:buFont typeface="Wingdings" panose="05000000000000000000" pitchFamily="2" charset="2"/>
+              <a:buChar char="Ø"/>
             </a:pPr>
             <a:r>
-              <a:rPr lang="en-US" sz="1600" dirty="0"/>
+              <a:rPr lang="en-US" dirty="0"/>
               <a:t>start the Python interpreter and display some messages</a:t>
             </a:r>
             <a:r>
-              <a:rPr lang="en-US" sz="1600" dirty="0" smtClean="0"/>
+              <a:rPr lang="en-US" dirty="0" smtClean="0"/>
               <a:t>.</a:t>
             </a:r>
           </a:p>
           <a:p>
             <a:pPr marL="285750" indent="-285750" algn="l">
-              <a:buFont typeface="Arial" panose="020B0604020202020204" pitchFamily="34" charset="0"/>
-              <a:buChar char="•"/>
+              <a:buFont typeface="Wingdings" panose="05000000000000000000" pitchFamily="2" charset="2"/>
+              <a:buChar char="Ø"/>
             </a:pPr>
             <a:r>
-              <a:rPr lang="en-US" sz="1600" dirty="0" smtClean="0"/>
+              <a:rPr lang="en-US" dirty="0" smtClean="0"/>
               <a:t>Print 20 times “python3” word. (</a:t>
             </a:r>
             <a:r>
-              <a:rPr lang="en-US" sz="1600" b="1" dirty="0" smtClean="0"/>
+              <a:rPr lang="en-US" b="1" dirty="0" smtClean="0"/>
               <a:t>Hint</a:t>
             </a:r>
             <a:r>
-              <a:rPr lang="en-US" sz="1600" dirty="0" smtClean="0"/>
+              <a:rPr lang="en-US" dirty="0" smtClean="0"/>
               <a:t>: use *)</a:t>
             </a:r>
           </a:p>
           <a:p>
             <a:pPr marL="285750" indent="-285750" algn="l">
-              <a:buFont typeface="Arial" panose="020B0604020202020204" pitchFamily="34" charset="0"/>
-              <a:buChar char="•"/>
+              <a:buFont typeface="Wingdings" panose="05000000000000000000" pitchFamily="2" charset="2"/>
+              <a:buChar char="Ø"/>
             </a:pPr>
             <a:r>
-              <a:rPr lang="en-US" sz="1600" dirty="0"/>
+              <a:rPr lang="en-US" dirty="0"/>
               <a:t>In the python shell define some variables and print their values and </a:t>
             </a:r>
             <a:r>
-              <a:rPr lang="en-US" sz="1600" dirty="0" err="1"/>
+              <a:rPr lang="en-US" dirty="0" err="1"/>
               <a:t>datatypes</a:t>
             </a:r>
             <a:r>
-              <a:rPr lang="en-US" sz="1600" dirty="0" smtClean="0"/>
+              <a:rPr lang="en-US" dirty="0" smtClean="0"/>
               <a:t>.</a:t>
             </a:r>
           </a:p>
           <a:p>
             <a:pPr marL="285750" indent="-285750" algn="l">
-              <a:buFont typeface="Arial" panose="020B0604020202020204" pitchFamily="34" charset="0"/>
-              <a:buChar char="•"/>
+              <a:buFont typeface="Wingdings" panose="05000000000000000000" pitchFamily="2" charset="2"/>
+              <a:buChar char="Ø"/>
             </a:pPr>
             <a:r>
-              <a:rPr lang="en-US" sz="1600" dirty="0" smtClean="0"/>
+              <a:rPr lang="en-US" dirty="0" smtClean="0"/>
               <a:t>Display number from 1-100 in python shell (</a:t>
             </a:r>
             <a:r>
-              <a:rPr lang="en-US" sz="1600" b="1" dirty="0" smtClean="0"/>
+              <a:rPr lang="en-US" b="1" dirty="0" smtClean="0"/>
               <a:t>Hint</a:t>
             </a:r>
             <a:r>
-              <a:rPr lang="en-US" sz="1600" dirty="0" smtClean="0"/>
+              <a:rPr lang="en-US" dirty="0" smtClean="0"/>
               <a:t> : range())</a:t>
             </a:r>
           </a:p>
           <a:p>
             <a:pPr marL="285750" indent="-285750" algn="l">
-              <a:buFont typeface="Arial" panose="020B0604020202020204" pitchFamily="34" charset="0"/>
-              <a:buChar char="•"/>
+              <a:buFont typeface="Wingdings" panose="05000000000000000000" pitchFamily="2" charset="2"/>
+              <a:buChar char="Ø"/>
             </a:pPr>
             <a:r>
-              <a:rPr lang="en-US" sz="1600" dirty="0" smtClean="0"/>
+              <a:rPr lang="en-US" dirty="0" smtClean="0"/>
               <a:t>Initialize two variables </a:t>
             </a:r>
             <a:r>
-              <a:rPr lang="en-US" sz="1600" b="1" dirty="0" smtClean="0"/>
+              <a:rPr lang="en-US" b="1" dirty="0" smtClean="0"/>
               <a:t>x, y.</a:t>
             </a:r>
             <a:r>
-              <a:rPr lang="en-US" sz="1600" dirty="0" smtClean="0"/>
+              <a:rPr lang="en-US" dirty="0" smtClean="0"/>
               <a:t> Perform addition, subtraction, multiplication</a:t>
             </a:r>
           </a:p>
           <a:p>
             <a:pPr marL="285750" indent="-285750" algn="l">
-              <a:buFont typeface="Arial" panose="020B0604020202020204" pitchFamily="34" charset="0"/>
-              <a:buChar char="•"/>
+              <a:buFont typeface="Wingdings" panose="05000000000000000000" pitchFamily="2" charset="2"/>
+              <a:buChar char="Ø"/>
             </a:pPr>
-            <a:endParaRPr lang="en-US" sz="1600" dirty="0" smtClean="0"/>
+            <a:endParaRPr lang="en-US" dirty="0" smtClean="0"/>
           </a:p>
           <a:p>
             <a:pPr algn="l"/>
             <a:r>
-              <a:rPr lang="en-US" sz="1600" b="1" dirty="0" smtClean="0"/>
-              <a:t>Programs in File:</a:t>
+              <a:rPr lang="en-US" sz="2000" b="1" dirty="0" smtClean="0">
+                <a:solidFill>
+                  <a:schemeClr val="accent2">
+                    <a:lumMod val="75000"/>
+                  </a:schemeClr>
+                </a:solidFill>
+              </a:rPr>
+              <a:t>    Programs in File:</a:t>
             </a:r>
           </a:p>
           <a:p>
             <a:pPr marL="285750" indent="-285750" algn="l">
-              <a:buFont typeface="Arial" panose="020B0604020202020204" pitchFamily="34" charset="0"/>
-              <a:buChar char="•"/>
+              <a:buFont typeface="Wingdings" panose="05000000000000000000" pitchFamily="2" charset="2"/>
+              <a:buChar char="Ø"/>
             </a:pPr>
             <a:r>
-              <a:rPr lang="en-US" sz="1600" dirty="0"/>
+              <a:rPr lang="en-US" dirty="0"/>
               <a:t>start the Python interpreter and display some messages.</a:t>
             </a:r>
           </a:p>
           <a:p>
             <a:pPr marL="285750" indent="-285750" algn="l">
-              <a:buFont typeface="Arial" panose="020B0604020202020204" pitchFamily="34" charset="0"/>
-              <a:buChar char="•"/>
+              <a:buFont typeface="Wingdings" panose="05000000000000000000" pitchFamily="2" charset="2"/>
+              <a:buChar char="Ø"/>
             </a:pPr>
             <a:r>
-              <a:rPr lang="en-US" sz="1600" dirty="0"/>
+              <a:rPr lang="en-US" dirty="0"/>
               <a:t>Print 20 times “python3” word. (</a:t>
             </a:r>
             <a:r>
-              <a:rPr lang="en-US" sz="1600" b="1" dirty="0"/>
+              <a:rPr lang="en-US" b="1" dirty="0"/>
               <a:t>Hint</a:t>
             </a:r>
             <a:r>
-              <a:rPr lang="en-US" sz="1600" dirty="0"/>
+              <a:rPr lang="en-US" dirty="0"/>
               <a:t>: use *)</a:t>
             </a:r>
           </a:p>
           <a:p>
             <a:pPr marL="285750" indent="-285750" algn="l">
-              <a:buFont typeface="Arial" panose="020B0604020202020204" pitchFamily="34" charset="0"/>
-              <a:buChar char="•"/>
+              <a:buFont typeface="Wingdings" panose="05000000000000000000" pitchFamily="2" charset="2"/>
+              <a:buChar char="Ø"/>
             </a:pPr>
             <a:r>
-              <a:rPr lang="en-US" sz="1600" dirty="0"/>
+              <a:rPr lang="en-US" dirty="0"/>
               <a:t>In the python shell define some variables and print their values and </a:t>
             </a:r>
             <a:r>
-              <a:rPr lang="en-US" sz="1600" dirty="0" err="1"/>
+              <a:rPr lang="en-US" dirty="0" err="1"/>
               <a:t>datatypes</a:t>
             </a:r>
             <a:r>
-              <a:rPr lang="en-US" sz="1600" dirty="0"/>
+              <a:rPr lang="en-US" dirty="0"/>
               <a:t>.</a:t>
             </a:r>
           </a:p>
           <a:p>
             <a:pPr marL="285750" indent="-285750" algn="l">
-              <a:buFont typeface="Arial" panose="020B0604020202020204" pitchFamily="34" charset="0"/>
-              <a:buChar char="•"/>
+              <a:buFont typeface="Wingdings" panose="05000000000000000000" pitchFamily="2" charset="2"/>
+              <a:buChar char="Ø"/>
             </a:pPr>
             <a:r>
-              <a:rPr lang="en-US" sz="1600" dirty="0"/>
+              <a:rPr lang="en-US" dirty="0"/>
               <a:t>Display number from 1-100 in python shell (</a:t>
             </a:r>
             <a:r>
-              <a:rPr lang="en-US" sz="1600" b="1" dirty="0"/>
+              <a:rPr lang="en-US" b="1" dirty="0"/>
               <a:t>Hint</a:t>
             </a:r>
             <a:r>
-              <a:rPr lang="en-US" sz="1600" dirty="0"/>
+              <a:rPr lang="en-US" dirty="0"/>
               <a:t> : range())</a:t>
             </a:r>
           </a:p>
           <a:p>
             <a:pPr marL="285750" indent="-285750" algn="l">
-              <a:buFont typeface="Arial" panose="020B0604020202020204" pitchFamily="34" charset="0"/>
-              <a:buChar char="•"/>
+              <a:buFont typeface="Wingdings" panose="05000000000000000000" pitchFamily="2" charset="2"/>
+              <a:buChar char="Ø"/>
             </a:pPr>
             <a:r>
-              <a:rPr lang="en-US" sz="1600" dirty="0"/>
+              <a:rPr lang="en-US" dirty="0"/>
               <a:t>Initialize two variables </a:t>
             </a:r>
             <a:r>
-              <a:rPr lang="en-US" sz="1600" b="1" dirty="0"/>
+              <a:rPr lang="en-US" b="1" dirty="0"/>
               <a:t>x, y.</a:t>
             </a:r>
             <a:r>
-              <a:rPr lang="en-US" sz="1600" dirty="0"/>
+              <a:rPr lang="en-US" dirty="0"/>
               <a:t> Perform addition, subtraction, multiplication</a:t>
             </a:r>
           </a:p>
           <a:p>
             <a:pPr algn="l"/>
-            <a:endParaRPr lang="en-US" sz="1600" dirty="0" smtClean="0"/>
+            <a:endParaRPr lang="en-US" dirty="0" smtClean="0"/>
           </a:p>
           <a:p>
             <a:pPr algn="l"/>
-            <a:endParaRPr lang="en-US" sz="1600" dirty="0"/>
+            <a:endParaRPr lang="en-US" dirty="0"/>
           </a:p>
         </p:txBody>
       </p:sp>
@@ -4147,17 +9824,1319 @@
   <p:clrMapOvr>
     <a:masterClrMapping/>
   </p:clrMapOvr>
+  <mc:AlternateContent xmlns:mc="http://schemas.openxmlformats.org/markup-compatibility/2006" xmlns:p15="http://schemas.microsoft.com/office/powerpoint/2012/main">
+    <mc:Choice Requires="p15">
+      <p:transition xmlns:p14="http://schemas.microsoft.com/office/powerpoint/2010/main" spd="slow" p14:dur="2000">
+        <p15:prstTrans prst="fallOver"/>
+      </p:transition>
+    </mc:Choice>
+    <mc:Fallback xmlns="">
+      <p:transition spd="slow">
+        <p:fade/>
+      </p:transition>
+    </mc:Fallback>
+  </mc:AlternateContent>
   <p:timing>
     <p:tnLst>
       <p:par>
-        <p:cTn id="1" dur="indefinite" restart="never" nodeType="tmRoot"/>
+        <p:cTn id="1" dur="indefinite" restart="never" nodeType="tmRoot">
+          <p:childTnLst>
+            <p:seq concurrent="1" nextAc="seek">
+              <p:cTn id="2" dur="indefinite" nodeType="mainSeq">
+                <p:childTnLst>
+                  <p:par>
+                    <p:cTn id="3" fill="hold">
+                      <p:stCondLst>
+                        <p:cond delay="indefinite"/>
+                      </p:stCondLst>
+                      <p:childTnLst>
+                        <p:par>
+                          <p:cTn id="4" fill="hold">
+                            <p:stCondLst>
+                              <p:cond delay="0"/>
+                            </p:stCondLst>
+                            <p:childTnLst>
+                              <p:par>
+                                <p:cTn id="5" presetID="42" presetClass="entr" presetSubtype="0" fill="hold" grpId="0" nodeType="clickEffect">
+                                  <p:stCondLst>
+                                    <p:cond delay="0"/>
+                                  </p:stCondLst>
+                                  <p:childTnLst>
+                                    <p:set>
+                                      <p:cBhvr>
+                                        <p:cTn id="6" dur="1" fill="hold">
+                                          <p:stCondLst>
+                                            <p:cond delay="0"/>
+                                          </p:stCondLst>
+                                        </p:cTn>
+                                        <p:tgtEl>
+                                          <p:spTgt spid="2"/>
+                                        </p:tgtEl>
+                                        <p:attrNameLst>
+                                          <p:attrName>style.visibility</p:attrName>
+                                        </p:attrNameLst>
+                                      </p:cBhvr>
+                                      <p:to>
+                                        <p:strVal val="visible"/>
+                                      </p:to>
+                                    </p:set>
+                                    <p:animEffect transition="in" filter="fade">
+                                      <p:cBhvr>
+                                        <p:cTn id="7" dur="1000"/>
+                                        <p:tgtEl>
+                                          <p:spTgt spid="2"/>
+                                        </p:tgtEl>
+                                      </p:cBhvr>
+                                    </p:animEffect>
+                                    <p:anim calcmode="lin" valueType="num">
+                                      <p:cBhvr>
+                                        <p:cTn id="8" dur="1000" fill="hold"/>
+                                        <p:tgtEl>
+                                          <p:spTgt spid="2"/>
+                                        </p:tgtEl>
+                                        <p:attrNameLst>
+                                          <p:attrName>ppt_x</p:attrName>
+                                        </p:attrNameLst>
+                                      </p:cBhvr>
+                                      <p:tavLst>
+                                        <p:tav tm="0">
+                                          <p:val>
+                                            <p:strVal val="#ppt_x"/>
+                                          </p:val>
+                                        </p:tav>
+                                        <p:tav tm="100000">
+                                          <p:val>
+                                            <p:strVal val="#ppt_x"/>
+                                          </p:val>
+                                        </p:tav>
+                                      </p:tavLst>
+                                    </p:anim>
+                                    <p:anim calcmode="lin" valueType="num">
+                                      <p:cBhvr>
+                                        <p:cTn id="9" dur="1000" fill="hold"/>
+                                        <p:tgtEl>
+                                          <p:spTgt spid="2"/>
+                                        </p:tgtEl>
+                                        <p:attrNameLst>
+                                          <p:attrName>ppt_y</p:attrName>
+                                        </p:attrNameLst>
+                                      </p:cBhvr>
+                                      <p:tavLst>
+                                        <p:tav tm="0">
+                                          <p:val>
+                                            <p:strVal val="#ppt_y+.1"/>
+                                          </p:val>
+                                        </p:tav>
+                                        <p:tav tm="100000">
+                                          <p:val>
+                                            <p:strVal val="#ppt_y"/>
+                                          </p:val>
+                                        </p:tav>
+                                      </p:tavLst>
+                                    </p:anim>
+                                  </p:childTnLst>
+                                </p:cTn>
+                              </p:par>
+                            </p:childTnLst>
+                          </p:cTn>
+                        </p:par>
+                      </p:childTnLst>
+                    </p:cTn>
+                  </p:par>
+                  <p:par>
+                    <p:cTn id="10" fill="hold">
+                      <p:stCondLst>
+                        <p:cond delay="indefinite"/>
+                      </p:stCondLst>
+                      <p:childTnLst>
+                        <p:par>
+                          <p:cTn id="11" fill="hold">
+                            <p:stCondLst>
+                              <p:cond delay="0"/>
+                            </p:stCondLst>
+                            <p:childTnLst>
+                              <p:par>
+                                <p:cTn id="12" presetID="14" presetClass="entr" presetSubtype="10" fill="hold" grpId="0" nodeType="clickEffect">
+                                  <p:stCondLst>
+                                    <p:cond delay="0"/>
+                                  </p:stCondLst>
+                                  <p:childTnLst>
+                                    <p:set>
+                                      <p:cBhvr>
+                                        <p:cTn id="13" dur="1" fill="hold">
+                                          <p:stCondLst>
+                                            <p:cond delay="0"/>
+                                          </p:stCondLst>
+                                        </p:cTn>
+                                        <p:tgtEl>
+                                          <p:spTgt spid="3">
+                                            <p:txEl>
+                                              <p:pRg st="0" end="0"/>
+                                            </p:txEl>
+                                          </p:spTgt>
+                                        </p:tgtEl>
+                                        <p:attrNameLst>
+                                          <p:attrName>style.visibility</p:attrName>
+                                        </p:attrNameLst>
+                                      </p:cBhvr>
+                                      <p:to>
+                                        <p:strVal val="visible"/>
+                                      </p:to>
+                                    </p:set>
+                                    <p:animEffect transition="in" filter="randombar(horizontal)">
+                                      <p:cBhvr>
+                                        <p:cTn id="14" dur="500"/>
+                                        <p:tgtEl>
+                                          <p:spTgt spid="3">
+                                            <p:txEl>
+                                              <p:pRg st="0" end="0"/>
+                                            </p:txEl>
+                                          </p:spTgt>
+                                        </p:tgtEl>
+                                      </p:cBhvr>
+                                    </p:animEffect>
+                                  </p:childTnLst>
+                                </p:cTn>
+                              </p:par>
+                            </p:childTnLst>
+                          </p:cTn>
+                        </p:par>
+                      </p:childTnLst>
+                    </p:cTn>
+                  </p:par>
+                  <p:par>
+                    <p:cTn id="15" fill="hold">
+                      <p:stCondLst>
+                        <p:cond delay="indefinite"/>
+                      </p:stCondLst>
+                      <p:childTnLst>
+                        <p:par>
+                          <p:cTn id="16" fill="hold">
+                            <p:stCondLst>
+                              <p:cond delay="0"/>
+                            </p:stCondLst>
+                            <p:childTnLst>
+                              <p:par>
+                                <p:cTn id="17" presetID="14" presetClass="entr" presetSubtype="10" fill="hold" grpId="0" nodeType="clickEffect">
+                                  <p:stCondLst>
+                                    <p:cond delay="0"/>
+                                  </p:stCondLst>
+                                  <p:childTnLst>
+                                    <p:set>
+                                      <p:cBhvr>
+                                        <p:cTn id="18" dur="1" fill="hold">
+                                          <p:stCondLst>
+                                            <p:cond delay="0"/>
+                                          </p:stCondLst>
+                                        </p:cTn>
+                                        <p:tgtEl>
+                                          <p:spTgt spid="3">
+                                            <p:txEl>
+                                              <p:pRg st="1" end="1"/>
+                                            </p:txEl>
+                                          </p:spTgt>
+                                        </p:tgtEl>
+                                        <p:attrNameLst>
+                                          <p:attrName>style.visibility</p:attrName>
+                                        </p:attrNameLst>
+                                      </p:cBhvr>
+                                      <p:to>
+                                        <p:strVal val="visible"/>
+                                      </p:to>
+                                    </p:set>
+                                    <p:animEffect transition="in" filter="randombar(horizontal)">
+                                      <p:cBhvr>
+                                        <p:cTn id="19" dur="500"/>
+                                        <p:tgtEl>
+                                          <p:spTgt spid="3">
+                                            <p:txEl>
+                                              <p:pRg st="1" end="1"/>
+                                            </p:txEl>
+                                          </p:spTgt>
+                                        </p:tgtEl>
+                                      </p:cBhvr>
+                                    </p:animEffect>
+                                  </p:childTnLst>
+                                </p:cTn>
+                              </p:par>
+                            </p:childTnLst>
+                          </p:cTn>
+                        </p:par>
+                      </p:childTnLst>
+                    </p:cTn>
+                  </p:par>
+                  <p:par>
+                    <p:cTn id="20" fill="hold">
+                      <p:stCondLst>
+                        <p:cond delay="indefinite"/>
+                      </p:stCondLst>
+                      <p:childTnLst>
+                        <p:par>
+                          <p:cTn id="21" fill="hold">
+                            <p:stCondLst>
+                              <p:cond delay="0"/>
+                            </p:stCondLst>
+                            <p:childTnLst>
+                              <p:par>
+                                <p:cTn id="22" presetID="14" presetClass="entr" presetSubtype="10" fill="hold" grpId="0" nodeType="clickEffect">
+                                  <p:stCondLst>
+                                    <p:cond delay="0"/>
+                                  </p:stCondLst>
+                                  <p:childTnLst>
+                                    <p:set>
+                                      <p:cBhvr>
+                                        <p:cTn id="23" dur="1" fill="hold">
+                                          <p:stCondLst>
+                                            <p:cond delay="0"/>
+                                          </p:stCondLst>
+                                        </p:cTn>
+                                        <p:tgtEl>
+                                          <p:spTgt spid="3">
+                                            <p:txEl>
+                                              <p:pRg st="2" end="2"/>
+                                            </p:txEl>
+                                          </p:spTgt>
+                                        </p:tgtEl>
+                                        <p:attrNameLst>
+                                          <p:attrName>style.visibility</p:attrName>
+                                        </p:attrNameLst>
+                                      </p:cBhvr>
+                                      <p:to>
+                                        <p:strVal val="visible"/>
+                                      </p:to>
+                                    </p:set>
+                                    <p:animEffect transition="in" filter="randombar(horizontal)">
+                                      <p:cBhvr>
+                                        <p:cTn id="24" dur="500"/>
+                                        <p:tgtEl>
+                                          <p:spTgt spid="3">
+                                            <p:txEl>
+                                              <p:pRg st="2" end="2"/>
+                                            </p:txEl>
+                                          </p:spTgt>
+                                        </p:tgtEl>
+                                      </p:cBhvr>
+                                    </p:animEffect>
+                                  </p:childTnLst>
+                                </p:cTn>
+                              </p:par>
+                            </p:childTnLst>
+                          </p:cTn>
+                        </p:par>
+                      </p:childTnLst>
+                    </p:cTn>
+                  </p:par>
+                  <p:par>
+                    <p:cTn id="25" fill="hold">
+                      <p:stCondLst>
+                        <p:cond delay="indefinite"/>
+                      </p:stCondLst>
+                      <p:childTnLst>
+                        <p:par>
+                          <p:cTn id="26" fill="hold">
+                            <p:stCondLst>
+                              <p:cond delay="0"/>
+                            </p:stCondLst>
+                            <p:childTnLst>
+                              <p:par>
+                                <p:cTn id="27" presetID="14" presetClass="entr" presetSubtype="10" fill="hold" grpId="0" nodeType="clickEffect">
+                                  <p:stCondLst>
+                                    <p:cond delay="0"/>
+                                  </p:stCondLst>
+                                  <p:childTnLst>
+                                    <p:set>
+                                      <p:cBhvr>
+                                        <p:cTn id="28" dur="1" fill="hold">
+                                          <p:stCondLst>
+                                            <p:cond delay="0"/>
+                                          </p:stCondLst>
+                                        </p:cTn>
+                                        <p:tgtEl>
+                                          <p:spTgt spid="3">
+                                            <p:txEl>
+                                              <p:pRg st="3" end="3"/>
+                                            </p:txEl>
+                                          </p:spTgt>
+                                        </p:tgtEl>
+                                        <p:attrNameLst>
+                                          <p:attrName>style.visibility</p:attrName>
+                                        </p:attrNameLst>
+                                      </p:cBhvr>
+                                      <p:to>
+                                        <p:strVal val="visible"/>
+                                      </p:to>
+                                    </p:set>
+                                    <p:animEffect transition="in" filter="randombar(horizontal)">
+                                      <p:cBhvr>
+                                        <p:cTn id="29" dur="500"/>
+                                        <p:tgtEl>
+                                          <p:spTgt spid="3">
+                                            <p:txEl>
+                                              <p:pRg st="3" end="3"/>
+                                            </p:txEl>
+                                          </p:spTgt>
+                                        </p:tgtEl>
+                                      </p:cBhvr>
+                                    </p:animEffect>
+                                  </p:childTnLst>
+                                </p:cTn>
+                              </p:par>
+                            </p:childTnLst>
+                          </p:cTn>
+                        </p:par>
+                      </p:childTnLst>
+                    </p:cTn>
+                  </p:par>
+                  <p:par>
+                    <p:cTn id="30" fill="hold">
+                      <p:stCondLst>
+                        <p:cond delay="indefinite"/>
+                      </p:stCondLst>
+                      <p:childTnLst>
+                        <p:par>
+                          <p:cTn id="31" fill="hold">
+                            <p:stCondLst>
+                              <p:cond delay="0"/>
+                            </p:stCondLst>
+                            <p:childTnLst>
+                              <p:par>
+                                <p:cTn id="32" presetID="14" presetClass="entr" presetSubtype="10" fill="hold" grpId="0" nodeType="clickEffect">
+                                  <p:stCondLst>
+                                    <p:cond delay="0"/>
+                                  </p:stCondLst>
+                                  <p:childTnLst>
+                                    <p:set>
+                                      <p:cBhvr>
+                                        <p:cTn id="33" dur="1" fill="hold">
+                                          <p:stCondLst>
+                                            <p:cond delay="0"/>
+                                          </p:stCondLst>
+                                        </p:cTn>
+                                        <p:tgtEl>
+                                          <p:spTgt spid="3">
+                                            <p:txEl>
+                                              <p:pRg st="4" end="4"/>
+                                            </p:txEl>
+                                          </p:spTgt>
+                                        </p:tgtEl>
+                                        <p:attrNameLst>
+                                          <p:attrName>style.visibility</p:attrName>
+                                        </p:attrNameLst>
+                                      </p:cBhvr>
+                                      <p:to>
+                                        <p:strVal val="visible"/>
+                                      </p:to>
+                                    </p:set>
+                                    <p:animEffect transition="in" filter="randombar(horizontal)">
+                                      <p:cBhvr>
+                                        <p:cTn id="34" dur="500"/>
+                                        <p:tgtEl>
+                                          <p:spTgt spid="3">
+                                            <p:txEl>
+                                              <p:pRg st="4" end="4"/>
+                                            </p:txEl>
+                                          </p:spTgt>
+                                        </p:tgtEl>
+                                      </p:cBhvr>
+                                    </p:animEffect>
+                                  </p:childTnLst>
+                                </p:cTn>
+                              </p:par>
+                            </p:childTnLst>
+                          </p:cTn>
+                        </p:par>
+                      </p:childTnLst>
+                    </p:cTn>
+                  </p:par>
+                  <p:par>
+                    <p:cTn id="35" fill="hold">
+                      <p:stCondLst>
+                        <p:cond delay="indefinite"/>
+                      </p:stCondLst>
+                      <p:childTnLst>
+                        <p:par>
+                          <p:cTn id="36" fill="hold">
+                            <p:stCondLst>
+                              <p:cond delay="0"/>
+                            </p:stCondLst>
+                            <p:childTnLst>
+                              <p:par>
+                                <p:cTn id="37" presetID="14" presetClass="entr" presetSubtype="10" fill="hold" grpId="0" nodeType="clickEffect">
+                                  <p:stCondLst>
+                                    <p:cond delay="0"/>
+                                  </p:stCondLst>
+                                  <p:childTnLst>
+                                    <p:set>
+                                      <p:cBhvr>
+                                        <p:cTn id="38" dur="1" fill="hold">
+                                          <p:stCondLst>
+                                            <p:cond delay="0"/>
+                                          </p:stCondLst>
+                                        </p:cTn>
+                                        <p:tgtEl>
+                                          <p:spTgt spid="3">
+                                            <p:txEl>
+                                              <p:pRg st="5" end="5"/>
+                                            </p:txEl>
+                                          </p:spTgt>
+                                        </p:tgtEl>
+                                        <p:attrNameLst>
+                                          <p:attrName>style.visibility</p:attrName>
+                                        </p:attrNameLst>
+                                      </p:cBhvr>
+                                      <p:to>
+                                        <p:strVal val="visible"/>
+                                      </p:to>
+                                    </p:set>
+                                    <p:animEffect transition="in" filter="randombar(horizontal)">
+                                      <p:cBhvr>
+                                        <p:cTn id="39" dur="500"/>
+                                        <p:tgtEl>
+                                          <p:spTgt spid="3">
+                                            <p:txEl>
+                                              <p:pRg st="5" end="5"/>
+                                            </p:txEl>
+                                          </p:spTgt>
+                                        </p:tgtEl>
+                                      </p:cBhvr>
+                                    </p:animEffect>
+                                  </p:childTnLst>
+                                </p:cTn>
+                              </p:par>
+                            </p:childTnLst>
+                          </p:cTn>
+                        </p:par>
+                      </p:childTnLst>
+                    </p:cTn>
+                  </p:par>
+                  <p:par>
+                    <p:cTn id="40" fill="hold">
+                      <p:stCondLst>
+                        <p:cond delay="indefinite"/>
+                      </p:stCondLst>
+                      <p:childTnLst>
+                        <p:par>
+                          <p:cTn id="41" fill="hold">
+                            <p:stCondLst>
+                              <p:cond delay="0"/>
+                            </p:stCondLst>
+                            <p:childTnLst>
+                              <p:par>
+                                <p:cTn id="42" presetID="14" presetClass="entr" presetSubtype="10" fill="hold" grpId="0" nodeType="clickEffect">
+                                  <p:stCondLst>
+                                    <p:cond delay="0"/>
+                                  </p:stCondLst>
+                                  <p:childTnLst>
+                                    <p:set>
+                                      <p:cBhvr>
+                                        <p:cTn id="43" dur="1" fill="hold">
+                                          <p:stCondLst>
+                                            <p:cond delay="0"/>
+                                          </p:stCondLst>
+                                        </p:cTn>
+                                        <p:tgtEl>
+                                          <p:spTgt spid="3">
+                                            <p:txEl>
+                                              <p:pRg st="7" end="7"/>
+                                            </p:txEl>
+                                          </p:spTgt>
+                                        </p:tgtEl>
+                                        <p:attrNameLst>
+                                          <p:attrName>style.visibility</p:attrName>
+                                        </p:attrNameLst>
+                                      </p:cBhvr>
+                                      <p:to>
+                                        <p:strVal val="visible"/>
+                                      </p:to>
+                                    </p:set>
+                                    <p:animEffect transition="in" filter="randombar(horizontal)">
+                                      <p:cBhvr>
+                                        <p:cTn id="44" dur="500"/>
+                                        <p:tgtEl>
+                                          <p:spTgt spid="3">
+                                            <p:txEl>
+                                              <p:pRg st="7" end="7"/>
+                                            </p:txEl>
+                                          </p:spTgt>
+                                        </p:tgtEl>
+                                      </p:cBhvr>
+                                    </p:animEffect>
+                                  </p:childTnLst>
+                                </p:cTn>
+                              </p:par>
+                            </p:childTnLst>
+                          </p:cTn>
+                        </p:par>
+                      </p:childTnLst>
+                    </p:cTn>
+                  </p:par>
+                  <p:par>
+                    <p:cTn id="45" fill="hold">
+                      <p:stCondLst>
+                        <p:cond delay="indefinite"/>
+                      </p:stCondLst>
+                      <p:childTnLst>
+                        <p:par>
+                          <p:cTn id="46" fill="hold">
+                            <p:stCondLst>
+                              <p:cond delay="0"/>
+                            </p:stCondLst>
+                            <p:childTnLst>
+                              <p:par>
+                                <p:cTn id="47" presetID="14" presetClass="entr" presetSubtype="10" fill="hold" grpId="0" nodeType="clickEffect">
+                                  <p:stCondLst>
+                                    <p:cond delay="0"/>
+                                  </p:stCondLst>
+                                  <p:childTnLst>
+                                    <p:set>
+                                      <p:cBhvr>
+                                        <p:cTn id="48" dur="1" fill="hold">
+                                          <p:stCondLst>
+                                            <p:cond delay="0"/>
+                                          </p:stCondLst>
+                                        </p:cTn>
+                                        <p:tgtEl>
+                                          <p:spTgt spid="3">
+                                            <p:txEl>
+                                              <p:pRg st="8" end="8"/>
+                                            </p:txEl>
+                                          </p:spTgt>
+                                        </p:tgtEl>
+                                        <p:attrNameLst>
+                                          <p:attrName>style.visibility</p:attrName>
+                                        </p:attrNameLst>
+                                      </p:cBhvr>
+                                      <p:to>
+                                        <p:strVal val="visible"/>
+                                      </p:to>
+                                    </p:set>
+                                    <p:animEffect transition="in" filter="randombar(horizontal)">
+                                      <p:cBhvr>
+                                        <p:cTn id="49" dur="500"/>
+                                        <p:tgtEl>
+                                          <p:spTgt spid="3">
+                                            <p:txEl>
+                                              <p:pRg st="8" end="8"/>
+                                            </p:txEl>
+                                          </p:spTgt>
+                                        </p:tgtEl>
+                                      </p:cBhvr>
+                                    </p:animEffect>
+                                  </p:childTnLst>
+                                </p:cTn>
+                              </p:par>
+                            </p:childTnLst>
+                          </p:cTn>
+                        </p:par>
+                      </p:childTnLst>
+                    </p:cTn>
+                  </p:par>
+                  <p:par>
+                    <p:cTn id="50" fill="hold">
+                      <p:stCondLst>
+                        <p:cond delay="indefinite"/>
+                      </p:stCondLst>
+                      <p:childTnLst>
+                        <p:par>
+                          <p:cTn id="51" fill="hold">
+                            <p:stCondLst>
+                              <p:cond delay="0"/>
+                            </p:stCondLst>
+                            <p:childTnLst>
+                              <p:par>
+                                <p:cTn id="52" presetID="14" presetClass="entr" presetSubtype="10" fill="hold" grpId="0" nodeType="clickEffect">
+                                  <p:stCondLst>
+                                    <p:cond delay="0"/>
+                                  </p:stCondLst>
+                                  <p:childTnLst>
+                                    <p:set>
+                                      <p:cBhvr>
+                                        <p:cTn id="53" dur="1" fill="hold">
+                                          <p:stCondLst>
+                                            <p:cond delay="0"/>
+                                          </p:stCondLst>
+                                        </p:cTn>
+                                        <p:tgtEl>
+                                          <p:spTgt spid="3">
+                                            <p:txEl>
+                                              <p:pRg st="9" end="9"/>
+                                            </p:txEl>
+                                          </p:spTgt>
+                                        </p:tgtEl>
+                                        <p:attrNameLst>
+                                          <p:attrName>style.visibility</p:attrName>
+                                        </p:attrNameLst>
+                                      </p:cBhvr>
+                                      <p:to>
+                                        <p:strVal val="visible"/>
+                                      </p:to>
+                                    </p:set>
+                                    <p:animEffect transition="in" filter="randombar(horizontal)">
+                                      <p:cBhvr>
+                                        <p:cTn id="54" dur="500"/>
+                                        <p:tgtEl>
+                                          <p:spTgt spid="3">
+                                            <p:txEl>
+                                              <p:pRg st="9" end="9"/>
+                                            </p:txEl>
+                                          </p:spTgt>
+                                        </p:tgtEl>
+                                      </p:cBhvr>
+                                    </p:animEffect>
+                                  </p:childTnLst>
+                                </p:cTn>
+                              </p:par>
+                            </p:childTnLst>
+                          </p:cTn>
+                        </p:par>
+                      </p:childTnLst>
+                    </p:cTn>
+                  </p:par>
+                  <p:par>
+                    <p:cTn id="55" fill="hold">
+                      <p:stCondLst>
+                        <p:cond delay="indefinite"/>
+                      </p:stCondLst>
+                      <p:childTnLst>
+                        <p:par>
+                          <p:cTn id="56" fill="hold">
+                            <p:stCondLst>
+                              <p:cond delay="0"/>
+                            </p:stCondLst>
+                            <p:childTnLst>
+                              <p:par>
+                                <p:cTn id="57" presetID="14" presetClass="entr" presetSubtype="10" fill="hold" grpId="0" nodeType="clickEffect">
+                                  <p:stCondLst>
+                                    <p:cond delay="0"/>
+                                  </p:stCondLst>
+                                  <p:childTnLst>
+                                    <p:set>
+                                      <p:cBhvr>
+                                        <p:cTn id="58" dur="1" fill="hold">
+                                          <p:stCondLst>
+                                            <p:cond delay="0"/>
+                                          </p:stCondLst>
+                                        </p:cTn>
+                                        <p:tgtEl>
+                                          <p:spTgt spid="3">
+                                            <p:txEl>
+                                              <p:pRg st="10" end="10"/>
+                                            </p:txEl>
+                                          </p:spTgt>
+                                        </p:tgtEl>
+                                        <p:attrNameLst>
+                                          <p:attrName>style.visibility</p:attrName>
+                                        </p:attrNameLst>
+                                      </p:cBhvr>
+                                      <p:to>
+                                        <p:strVal val="visible"/>
+                                      </p:to>
+                                    </p:set>
+                                    <p:animEffect transition="in" filter="randombar(horizontal)">
+                                      <p:cBhvr>
+                                        <p:cTn id="59" dur="500"/>
+                                        <p:tgtEl>
+                                          <p:spTgt spid="3">
+                                            <p:txEl>
+                                              <p:pRg st="10" end="10"/>
+                                            </p:txEl>
+                                          </p:spTgt>
+                                        </p:tgtEl>
+                                      </p:cBhvr>
+                                    </p:animEffect>
+                                  </p:childTnLst>
+                                </p:cTn>
+                              </p:par>
+                            </p:childTnLst>
+                          </p:cTn>
+                        </p:par>
+                      </p:childTnLst>
+                    </p:cTn>
+                  </p:par>
+                  <p:par>
+                    <p:cTn id="60" fill="hold">
+                      <p:stCondLst>
+                        <p:cond delay="indefinite"/>
+                      </p:stCondLst>
+                      <p:childTnLst>
+                        <p:par>
+                          <p:cTn id="61" fill="hold">
+                            <p:stCondLst>
+                              <p:cond delay="0"/>
+                            </p:stCondLst>
+                            <p:childTnLst>
+                              <p:par>
+                                <p:cTn id="62" presetID="14" presetClass="entr" presetSubtype="10" fill="hold" grpId="0" nodeType="clickEffect">
+                                  <p:stCondLst>
+                                    <p:cond delay="0"/>
+                                  </p:stCondLst>
+                                  <p:childTnLst>
+                                    <p:set>
+                                      <p:cBhvr>
+                                        <p:cTn id="63" dur="1" fill="hold">
+                                          <p:stCondLst>
+                                            <p:cond delay="0"/>
+                                          </p:stCondLst>
+                                        </p:cTn>
+                                        <p:tgtEl>
+                                          <p:spTgt spid="3">
+                                            <p:txEl>
+                                              <p:pRg st="11" end="11"/>
+                                            </p:txEl>
+                                          </p:spTgt>
+                                        </p:tgtEl>
+                                        <p:attrNameLst>
+                                          <p:attrName>style.visibility</p:attrName>
+                                        </p:attrNameLst>
+                                      </p:cBhvr>
+                                      <p:to>
+                                        <p:strVal val="visible"/>
+                                      </p:to>
+                                    </p:set>
+                                    <p:animEffect transition="in" filter="randombar(horizontal)">
+                                      <p:cBhvr>
+                                        <p:cTn id="64" dur="500"/>
+                                        <p:tgtEl>
+                                          <p:spTgt spid="3">
+                                            <p:txEl>
+                                              <p:pRg st="11" end="11"/>
+                                            </p:txEl>
+                                          </p:spTgt>
+                                        </p:tgtEl>
+                                      </p:cBhvr>
+                                    </p:animEffect>
+                                  </p:childTnLst>
+                                </p:cTn>
+                              </p:par>
+                            </p:childTnLst>
+                          </p:cTn>
+                        </p:par>
+                      </p:childTnLst>
+                    </p:cTn>
+                  </p:par>
+                  <p:par>
+                    <p:cTn id="65" fill="hold">
+                      <p:stCondLst>
+                        <p:cond delay="indefinite"/>
+                      </p:stCondLst>
+                      <p:childTnLst>
+                        <p:par>
+                          <p:cTn id="66" fill="hold">
+                            <p:stCondLst>
+                              <p:cond delay="0"/>
+                            </p:stCondLst>
+                            <p:childTnLst>
+                              <p:par>
+                                <p:cTn id="67" presetID="14" presetClass="entr" presetSubtype="10" fill="hold" grpId="0" nodeType="clickEffect">
+                                  <p:stCondLst>
+                                    <p:cond delay="0"/>
+                                  </p:stCondLst>
+                                  <p:childTnLst>
+                                    <p:set>
+                                      <p:cBhvr>
+                                        <p:cTn id="68" dur="1" fill="hold">
+                                          <p:stCondLst>
+                                            <p:cond delay="0"/>
+                                          </p:stCondLst>
+                                        </p:cTn>
+                                        <p:tgtEl>
+                                          <p:spTgt spid="3">
+                                            <p:txEl>
+                                              <p:pRg st="12" end="12"/>
+                                            </p:txEl>
+                                          </p:spTgt>
+                                        </p:tgtEl>
+                                        <p:attrNameLst>
+                                          <p:attrName>style.visibility</p:attrName>
+                                        </p:attrNameLst>
+                                      </p:cBhvr>
+                                      <p:to>
+                                        <p:strVal val="visible"/>
+                                      </p:to>
+                                    </p:set>
+                                    <p:animEffect transition="in" filter="randombar(horizontal)">
+                                      <p:cBhvr>
+                                        <p:cTn id="69" dur="500"/>
+                                        <p:tgtEl>
+                                          <p:spTgt spid="3">
+                                            <p:txEl>
+                                              <p:pRg st="12" end="12"/>
+                                            </p:txEl>
+                                          </p:spTgt>
+                                        </p:tgtEl>
+                                      </p:cBhvr>
+                                    </p:animEffect>
+                                  </p:childTnLst>
+                                </p:cTn>
+                              </p:par>
+                            </p:childTnLst>
+                          </p:cTn>
+                        </p:par>
+                      </p:childTnLst>
+                    </p:cTn>
+                  </p:par>
+                </p:childTnLst>
+              </p:cTn>
+              <p:prevCondLst>
+                <p:cond evt="onPrev" delay="0">
+                  <p:tgtEl>
+                    <p:sldTgt/>
+                  </p:tgtEl>
+                </p:cond>
+              </p:prevCondLst>
+              <p:nextCondLst>
+                <p:cond evt="onNext" delay="0">
+                  <p:tgtEl>
+                    <p:sldTgt/>
+                  </p:tgtEl>
+                </p:cond>
+              </p:nextCondLst>
+            </p:seq>
+          </p:childTnLst>
+        </p:cTn>
       </p:par>
     </p:tnLst>
+    <p:bldLst>
+      <p:bldP spid="2" grpId="0"/>
+      <p:bldP spid="3" grpId="0" build="p"/>
+    </p:bldLst>
+  </p:timing>
+</p:sld>
+</file>
+
+<file path=ppt/slides/slide9.xml><?xml version="1.0" encoding="utf-8"?>
+<p:sld xmlns:a="http://schemas.openxmlformats.org/drawingml/2006/main" xmlns:r="http://schemas.openxmlformats.org/officeDocument/2006/relationships" xmlns:p="http://schemas.openxmlformats.org/presentationml/2006/main">
+  <p:cSld>
+    <p:spTree>
+      <p:nvGrpSpPr>
+        <p:cNvPr id="1" name=""/>
+        <p:cNvGrpSpPr/>
+        <p:nvPr/>
+      </p:nvGrpSpPr>
+      <p:grpSpPr>
+        <a:xfrm>
+          <a:off x="0" y="0"/>
+          <a:ext cx="0" cy="0"/>
+          <a:chOff x="0" y="0"/>
+          <a:chExt cx="0" cy="0"/>
+        </a:xfrm>
+      </p:grpSpPr>
+      <p:sp>
+        <p:nvSpPr>
+          <p:cNvPr id="2" name="Title 1"/>
+          <p:cNvSpPr>
+            <a:spLocks noGrp="1"/>
+          </p:cNvSpPr>
+          <p:nvPr>
+            <p:ph type="title"/>
+          </p:nvPr>
+        </p:nvSpPr>
+        <p:spPr>
+          <a:xfrm>
+            <a:off x="3761193" y="2259106"/>
+            <a:ext cx="3007160" cy="1320800"/>
+          </a:xfrm>
+          <a:effectLst>
+            <a:innerShdw blurRad="114300">
+              <a:prstClr val="black"/>
+            </a:innerShdw>
+          </a:effectLst>
+        </p:spPr>
+        <p:txBody>
+          <a:bodyPr>
+            <a:normAutofit/>
+          </a:bodyPr>
+          <a:lstStyle/>
+          <a:p>
+            <a:r>
+              <a:rPr lang="en-US" sz="4800" dirty="0" smtClean="0">
+                <a:solidFill>
+                  <a:schemeClr val="accent2">
+                    <a:lumMod val="75000"/>
+                  </a:schemeClr>
+                </a:solidFill>
+              </a:rPr>
+              <a:t>Thank You</a:t>
+            </a:r>
+            <a:endParaRPr lang="en-IN" sz="4800" dirty="0">
+              <a:solidFill>
+                <a:schemeClr val="accent2">
+                  <a:lumMod val="75000"/>
+                </a:schemeClr>
+              </a:solidFill>
+            </a:endParaRPr>
+          </a:p>
+        </p:txBody>
+      </p:sp>
+    </p:spTree>
+    <p:extLst>
+      <p:ext uri="{BB962C8B-B14F-4D97-AF65-F5344CB8AC3E}">
+        <p14:creationId xmlns:p14="http://schemas.microsoft.com/office/powerpoint/2010/main" val="2048744571"/>
+      </p:ext>
+    </p:extLst>
+  </p:cSld>
+  <p:clrMapOvr>
+    <a:masterClrMapping/>
+  </p:clrMapOvr>
+  <mc:AlternateContent xmlns:mc="http://schemas.openxmlformats.org/markup-compatibility/2006" xmlns:p15="http://schemas.microsoft.com/office/powerpoint/2012/main">
+    <mc:Choice Requires="p15">
+      <p:transition xmlns:p14="http://schemas.microsoft.com/office/powerpoint/2010/main" spd="slow" p14:dur="2000">
+        <p15:prstTrans prst="fallOver"/>
+      </p:transition>
+    </mc:Choice>
+    <mc:Fallback xmlns="">
+      <p:transition spd="slow">
+        <p:fade/>
+      </p:transition>
+    </mc:Fallback>
+  </mc:AlternateContent>
+  <p:timing>
+    <p:tnLst>
+      <p:par>
+        <p:cTn id="1" dur="indefinite" restart="never" nodeType="tmRoot">
+          <p:childTnLst>
+            <p:seq concurrent="1" nextAc="seek">
+              <p:cTn id="2" dur="indefinite" nodeType="mainSeq">
+                <p:childTnLst>
+                  <p:par>
+                    <p:cTn id="3" fill="hold">
+                      <p:stCondLst>
+                        <p:cond delay="indefinite"/>
+                      </p:stCondLst>
+                      <p:childTnLst>
+                        <p:par>
+                          <p:cTn id="4" fill="hold">
+                            <p:stCondLst>
+                              <p:cond delay="0"/>
+                            </p:stCondLst>
+                            <p:childTnLst>
+                              <p:par>
+                                <p:cTn id="5" presetID="6" presetClass="entr" presetSubtype="16" fill="hold" grpId="0" nodeType="clickEffect">
+                                  <p:stCondLst>
+                                    <p:cond delay="0"/>
+                                  </p:stCondLst>
+                                  <p:childTnLst>
+                                    <p:set>
+                                      <p:cBhvr>
+                                        <p:cTn id="6" dur="1" fill="hold">
+                                          <p:stCondLst>
+                                            <p:cond delay="0"/>
+                                          </p:stCondLst>
+                                        </p:cTn>
+                                        <p:tgtEl>
+                                          <p:spTgt spid="2"/>
+                                        </p:tgtEl>
+                                        <p:attrNameLst>
+                                          <p:attrName>style.visibility</p:attrName>
+                                        </p:attrNameLst>
+                                      </p:cBhvr>
+                                      <p:to>
+                                        <p:strVal val="visible"/>
+                                      </p:to>
+                                    </p:set>
+                                    <p:animEffect transition="in" filter="circle(in)">
+                                      <p:cBhvr>
+                                        <p:cTn id="7" dur="2000"/>
+                                        <p:tgtEl>
+                                          <p:spTgt spid="2"/>
+                                        </p:tgtEl>
+                                      </p:cBhvr>
+                                    </p:animEffect>
+                                  </p:childTnLst>
+                                </p:cTn>
+                              </p:par>
+                            </p:childTnLst>
+                          </p:cTn>
+                        </p:par>
+                      </p:childTnLst>
+                    </p:cTn>
+                  </p:par>
+                </p:childTnLst>
+              </p:cTn>
+              <p:prevCondLst>
+                <p:cond evt="onPrev" delay="0">
+                  <p:tgtEl>
+                    <p:sldTgt/>
+                  </p:tgtEl>
+                </p:cond>
+              </p:prevCondLst>
+              <p:nextCondLst>
+                <p:cond evt="onNext" delay="0">
+                  <p:tgtEl>
+                    <p:sldTgt/>
+                  </p:tgtEl>
+                </p:cond>
+              </p:nextCondLst>
+            </p:seq>
+          </p:childTnLst>
+        </p:cTn>
+      </p:par>
+    </p:tnLst>
+    <p:bldLst>
+      <p:bldP spid="2" grpId="0"/>
+    </p:bldLst>
   </p:timing>
 </p:sld>
 </file>
 
 <file path=ppt/theme/theme1.xml><?xml version="1.0" encoding="utf-8"?>
+<a:theme xmlns:a="http://schemas.openxmlformats.org/drawingml/2006/main" name="Facet">
+  <a:themeElements>
+    <a:clrScheme name="Facet">
+      <a:dk1>
+        <a:sysClr val="windowText" lastClr="000000"/>
+      </a:dk1>
+      <a:lt1>
+        <a:sysClr val="window" lastClr="FFFFFF"/>
+      </a:lt1>
+      <a:dk2>
+        <a:srgbClr val="2C3C43"/>
+      </a:dk2>
+      <a:lt2>
+        <a:srgbClr val="EBEBEB"/>
+      </a:lt2>
+      <a:accent1>
+        <a:srgbClr val="90C226"/>
+      </a:accent1>
+      <a:accent2>
+        <a:srgbClr val="54A021"/>
+      </a:accent2>
+      <a:accent3>
+        <a:srgbClr val="E6B91E"/>
+      </a:accent3>
+      <a:accent4>
+        <a:srgbClr val="E76618"/>
+      </a:accent4>
+      <a:accent5>
+        <a:srgbClr val="C42F1A"/>
+      </a:accent5>
+      <a:accent6>
+        <a:srgbClr val="918655"/>
+      </a:accent6>
+      <a:hlink>
+        <a:srgbClr val="99CA3C"/>
+      </a:hlink>
+      <a:folHlink>
+        <a:srgbClr val="B9D181"/>
+      </a:folHlink>
+    </a:clrScheme>
+    <a:fontScheme name="Facet">
+      <a:majorFont>
+        <a:latin typeface="Trebuchet MS" panose="020B0603020202020204"/>
+        <a:ea typeface=""/>
+        <a:cs typeface=""/>
+        <a:font script="Jpan" typeface="メイリオ"/>
+        <a:font script="Hang" typeface="맑은 고딕"/>
+        <a:font script="Hans" typeface="方正姚体"/>
+        <a:font script="Hant" typeface="微軟正黑體"/>
+        <a:font script="Arab" typeface="Tahoma"/>
+        <a:font script="Hebr" typeface="Arial"/>
+        <a:font script="Thai" typeface="Cordia New"/>
+        <a:font script="Ethi" typeface="Nyala"/>
+        <a:font script="Beng" typeface="Vrinda"/>
+        <a:font script="Gujr" typeface="Shruti"/>
+        <a:font script="Khmr" typeface="DaunPenh"/>
+        <a:font script="Knda" typeface="Tunga"/>
+        <a:font script="Guru" typeface="Raavi"/>
+        <a:font script="Cans" typeface="Euphemia"/>
+        <a:font script="Cher" typeface="Plantagenet Cherokee"/>
+        <a:font script="Yiii" typeface="Microsoft Yi Baiti"/>
+        <a:font script="Tibt" typeface="Microsoft Himalaya"/>
+        <a:font script="Thaa" typeface="MV Boli"/>
+        <a:font script="Deva" typeface="Mangal"/>
+        <a:font script="Telu" typeface="Gautami"/>
+        <a:font script="Taml" typeface="Latha"/>
+        <a:font script="Syrc" typeface="Estrangelo Edessa"/>
+        <a:font script="Orya" typeface="Kalinga"/>
+        <a:font script="Mlym" typeface="Kartika"/>
+        <a:font script="Laoo" typeface="DokChampa"/>
+        <a:font script="Sinh" typeface="Iskoola Pota"/>
+        <a:font script="Mong" typeface="Mongolian Baiti"/>
+        <a:font script="Viet" typeface="Tahoma"/>
+        <a:font script="Uigh" typeface="Microsoft Uighur"/>
+        <a:font script="Geor" typeface="Sylfaen"/>
+      </a:majorFont>
+      <a:minorFont>
+        <a:latin typeface="Trebuchet MS" panose="020B0603020202020204"/>
+        <a:ea typeface=""/>
+        <a:cs typeface=""/>
+        <a:font script="Jpan" typeface="メイリオ"/>
+        <a:font script="Hang" typeface="HY그래픽M"/>
+        <a:font script="Hans" typeface="华文新魏"/>
+        <a:font script="Hant" typeface="微軟正黑體"/>
+        <a:font script="Arab" typeface="Tahoma"/>
+        <a:font script="Hebr" typeface="Gisha"/>
+        <a:font script="Thai" typeface="IrisUPC"/>
+        <a:font script="Ethi" typeface="Nyala"/>
+        <a:font script="Beng" typeface="Vrinda"/>
+        <a:font script="Gujr" typeface="Shruti"/>
+        <a:font script="Khmr" typeface="DaunPenh"/>
+        <a:font script="Knda" typeface="Tunga"/>
+        <a:font script="Guru" typeface="Raavi"/>
+        <a:font script="Cans" typeface="Euphemia"/>
+        <a:font script="Cher" typeface="Plantagenet Cherokee"/>
+        <a:font script="Yiii" typeface="Microsoft Yi Baiti"/>
+        <a:font script="Tibt" typeface="Microsoft Himalaya"/>
+        <a:font script="Thaa" typeface="MV Boli"/>
+        <a:font script="Deva" typeface="Mangal"/>
+        <a:font script="Telu" typeface="Gautami"/>
+        <a:font script="Taml" typeface="Latha"/>
+        <a:font script="Syrc" typeface="Estrangelo Edessa"/>
+        <a:font script="Orya" typeface="Kalinga"/>
+        <a:font script="Mlym" typeface="Kartika"/>
+        <a:font script="Laoo" typeface="DokChampa"/>
+        <a:font script="Sinh" typeface="Iskoola Pota"/>
+        <a:font script="Mong" typeface="Mongolian Baiti"/>
+        <a:font script="Viet" typeface="Arial"/>
+        <a:font script="Uigh" typeface="Microsoft Uighur"/>
+        <a:font script="Geor" typeface="Sylfaen"/>
+      </a:minorFont>
+    </a:fontScheme>
+    <a:fmtScheme name="Facet">
+      <a:fillStyleLst>
+        <a:solidFill>
+          <a:schemeClr val="phClr"/>
+        </a:solidFill>
+        <a:gradFill rotWithShape="1">
+          <a:gsLst>
+            <a:gs pos="0">
+              <a:schemeClr val="phClr">
+                <a:tint val="65000"/>
+                <a:lumMod val="110000"/>
+              </a:schemeClr>
+            </a:gs>
+            <a:gs pos="88000">
+              <a:schemeClr val="phClr">
+                <a:tint val="90000"/>
+              </a:schemeClr>
+            </a:gs>
+          </a:gsLst>
+          <a:lin ang="5400000" scaled="0"/>
+        </a:gradFill>
+        <a:gradFill rotWithShape="1">
+          <a:gsLst>
+            <a:gs pos="0">
+              <a:schemeClr val="phClr">
+                <a:tint val="96000"/>
+                <a:lumMod val="100000"/>
+              </a:schemeClr>
+            </a:gs>
+            <a:gs pos="78000">
+              <a:schemeClr val="phClr">
+                <a:shade val="94000"/>
+                <a:lumMod val="94000"/>
+              </a:schemeClr>
+            </a:gs>
+          </a:gsLst>
+          <a:lin ang="5400000" scaled="0"/>
+        </a:gradFill>
+      </a:fillStyleLst>
+      <a:lnStyleLst>
+        <a:ln w="12700" cap="rnd" cmpd="sng" algn="ctr">
+          <a:solidFill>
+            <a:schemeClr val="phClr"/>
+          </a:solidFill>
+          <a:prstDash val="solid"/>
+        </a:ln>
+        <a:ln w="19050" cap="rnd" cmpd="sng" algn="ctr">
+          <a:solidFill>
+            <a:schemeClr val="phClr"/>
+          </a:solidFill>
+          <a:prstDash val="solid"/>
+        </a:ln>
+        <a:ln w="25400" cap="rnd" cmpd="sng" algn="ctr">
+          <a:solidFill>
+            <a:schemeClr val="phClr"/>
+          </a:solidFill>
+          <a:prstDash val="solid"/>
+        </a:ln>
+      </a:lnStyleLst>
+      <a:effectStyleLst>
+        <a:effectStyle>
+          <a:effectLst/>
+        </a:effectStyle>
+        <a:effectStyle>
+          <a:effectLst>
+            <a:outerShdw blurRad="38100" dist="25400" dir="5400000" rotWithShape="0">
+              <a:srgbClr val="000000">
+                <a:alpha val="35000"/>
+              </a:srgbClr>
+            </a:outerShdw>
+          </a:effectLst>
+        </a:effectStyle>
+        <a:effectStyle>
+          <a:effectLst>
+            <a:outerShdw blurRad="50800" dist="38100" dir="5400000" rotWithShape="0">
+              <a:srgbClr val="000000">
+                <a:alpha val="35000"/>
+              </a:srgbClr>
+            </a:outerShdw>
+          </a:effectLst>
+          <a:scene3d>
+            <a:camera prst="orthographicFront">
+              <a:rot lat="0" lon="0" rev="0"/>
+            </a:camera>
+            <a:lightRig rig="threePt" dir="tl"/>
+          </a:scene3d>
+          <a:sp3d prstMaterial="plastic">
+            <a:bevelT w="0" h="0"/>
+          </a:sp3d>
+        </a:effectStyle>
+      </a:effectStyleLst>
+      <a:bgFillStyleLst>
+        <a:solidFill>
+          <a:schemeClr val="phClr"/>
+        </a:solidFill>
+        <a:gradFill rotWithShape="1">
+          <a:gsLst>
+            <a:gs pos="0">
+              <a:schemeClr val="phClr">
+                <a:tint val="90000"/>
+                <a:lumMod val="104000"/>
+              </a:schemeClr>
+            </a:gs>
+            <a:gs pos="94000">
+              <a:schemeClr val="phClr">
+                <a:shade val="96000"/>
+                <a:lumMod val="82000"/>
+              </a:schemeClr>
+            </a:gs>
+          </a:gsLst>
+          <a:lin ang="5400000" scaled="0"/>
+        </a:gradFill>
+        <a:gradFill rotWithShape="1">
+          <a:gsLst>
+            <a:gs pos="0">
+              <a:schemeClr val="phClr">
+                <a:tint val="90000"/>
+                <a:lumMod val="110000"/>
+              </a:schemeClr>
+            </a:gs>
+            <a:gs pos="100000">
+              <a:schemeClr val="phClr">
+                <a:shade val="94000"/>
+                <a:lumMod val="96000"/>
+              </a:schemeClr>
+            </a:gs>
+          </a:gsLst>
+          <a:path path="circle">
+            <a:fillToRect l="50000" t="50000" r="100000" b="100000"/>
+          </a:path>
+        </a:gradFill>
+      </a:bgFillStyleLst>
+    </a:fmtScheme>
+  </a:themeElements>
+  <a:objectDefaults/>
+  <a:extraClrSchemeLst/>
+  <a:extLst>
+    <a:ext uri="{05A4C25C-085E-4340-85A3-A5531E510DB2}">
+      <thm15:themeFamily xmlns:thm15="http://schemas.microsoft.com/office/thememl/2012/main" name="Facet" id="{C0C680CD-088A-49FC-A102-D699147F32B2}" vid="{CFBC31BA-B70F-4F30-BCAA-4F3011E16C4D}"/>
+    </a:ext>
+  </a:extLst>
+</a:theme>
+</file>
+
+<file path=ppt/theme/theme2.xml><?xml version="1.0" encoding="utf-8"?>
 <a:theme xmlns:a="http://schemas.openxmlformats.org/drawingml/2006/main" name="Office Theme">
   <a:themeElements>
     <a:clrScheme name="Office">
